--- a/Open House Curso API.pptx
+++ b/Open House Curso API.pptx
@@ -5,15 +5,22 @@
     <p:sldMasterId id="2147483648" r:id="rId4"/>
   </p:sldMasterIdLst>
   <p:notesMasterIdLst>
-    <p:notesMasterId r:id="rId11"/>
+    <p:notesMasterId r:id="rId18"/>
   </p:notesMasterIdLst>
   <p:sldIdLst>
     <p:sldId id="262" r:id="rId5"/>
     <p:sldId id="261" r:id="rId6"/>
-    <p:sldId id="670" r:id="rId7"/>
-    <p:sldId id="263" r:id="rId8"/>
-    <p:sldId id="313" r:id="rId9"/>
-    <p:sldId id="260" r:id="rId10"/>
+    <p:sldId id="672" r:id="rId7"/>
+    <p:sldId id="673" r:id="rId8"/>
+    <p:sldId id="674" r:id="rId9"/>
+    <p:sldId id="675" r:id="rId10"/>
+    <p:sldId id="677" r:id="rId11"/>
+    <p:sldId id="676" r:id="rId12"/>
+    <p:sldId id="670" r:id="rId13"/>
+    <p:sldId id="263" r:id="rId14"/>
+    <p:sldId id="313" r:id="rId15"/>
+    <p:sldId id="671" r:id="rId16"/>
+    <p:sldId id="260" r:id="rId17"/>
   </p:sldIdLst>
   <p:sldSz cx="12192000" cy="6858000"/>
   <p:notesSz cx="6858000" cy="9144000"/>
@@ -522,7 +529,7 @@
           <a:p>
             <a:fld id="{C3E95C6B-B364-49F5-A931-6FAFB4EBB8A9}" type="datetimeFigureOut">
               <a:rPr lang="es-CO" smtClean="0"/>
-              <a:t>3/03/2025</a:t>
+              <a:t>6/03/2025</a:t>
             </a:fld>
             <a:endParaRPr lang="es-CO"/>
           </a:p>
@@ -795,6 +802,654 @@
   <p:cSld>
     <p:spTree>
       <p:nvGrpSpPr>
+        <p:cNvPr id="1" name="">
+          <a:extLst>
+            <a:ext uri="{FF2B5EF4-FFF2-40B4-BE49-F238E27FC236}">
+              <a16:creationId xmlns:a16="http://schemas.microsoft.com/office/drawing/2014/main" id="{B778F588-785F-6E4C-7239-A6ED5255F91B}"/>
+            </a:ext>
+          </a:extLst>
+        </p:cNvPr>
+        <p:cNvGrpSpPr/>
+        <p:nvPr/>
+      </p:nvGrpSpPr>
+      <p:grpSpPr>
+        <a:xfrm>
+          <a:off x="0" y="0"/>
+          <a:ext cx="0" cy="0"/>
+          <a:chOff x="0" y="0"/>
+          <a:chExt cx="0" cy="0"/>
+        </a:xfrm>
+      </p:grpSpPr>
+      <p:sp>
+        <p:nvSpPr>
+          <p:cNvPr id="2" name="Marcador de imagen de diapositiva 1">
+            <a:extLst>
+              <a:ext uri="{FF2B5EF4-FFF2-40B4-BE49-F238E27FC236}">
+                <a16:creationId xmlns:a16="http://schemas.microsoft.com/office/drawing/2014/main" id="{0AF01EAB-EE4F-3EC8-1FDA-7EEBDE3007CD}"/>
+              </a:ext>
+            </a:extLst>
+          </p:cNvPr>
+          <p:cNvSpPr>
+            <a:spLocks noGrp="1" noRot="1" noChangeAspect="1"/>
+          </p:cNvSpPr>
+          <p:nvPr>
+            <p:ph type="sldImg"/>
+          </p:nvPr>
+        </p:nvSpPr>
+        <p:spPr/>
+      </p:sp>
+      <p:sp>
+        <p:nvSpPr>
+          <p:cNvPr id="3" name="Marcador de notas 2">
+            <a:extLst>
+              <a:ext uri="{FF2B5EF4-FFF2-40B4-BE49-F238E27FC236}">
+                <a16:creationId xmlns:a16="http://schemas.microsoft.com/office/drawing/2014/main" id="{1B34DCEC-E15A-0571-2872-C0AE58640E0B}"/>
+              </a:ext>
+            </a:extLst>
+          </p:cNvPr>
+          <p:cNvSpPr>
+            <a:spLocks noGrp="1"/>
+          </p:cNvSpPr>
+          <p:nvPr>
+            <p:ph type="body" idx="1"/>
+          </p:nvPr>
+        </p:nvSpPr>
+        <p:spPr/>
+        <p:txBody>
+          <a:bodyPr/>
+          <a:lstStyle/>
+          <a:p>
+            <a:endParaRPr lang="es-CO" dirty="0"/>
+          </a:p>
+        </p:txBody>
+      </p:sp>
+      <p:sp>
+        <p:nvSpPr>
+          <p:cNvPr id="4" name="Marcador de número de diapositiva 3">
+            <a:extLst>
+              <a:ext uri="{FF2B5EF4-FFF2-40B4-BE49-F238E27FC236}">
+                <a16:creationId xmlns:a16="http://schemas.microsoft.com/office/drawing/2014/main" id="{CFA7193D-7ADF-D641-28E2-A78AE0CCBAFC}"/>
+              </a:ext>
+            </a:extLst>
+          </p:cNvPr>
+          <p:cNvSpPr>
+            <a:spLocks noGrp="1"/>
+          </p:cNvSpPr>
+          <p:nvPr>
+            <p:ph type="sldNum" sz="quarter" idx="5"/>
+          </p:nvPr>
+        </p:nvSpPr>
+        <p:spPr/>
+        <p:txBody>
+          <a:bodyPr/>
+          <a:lstStyle/>
+          <a:p>
+            <a:fld id="{4D4E0DA8-9DBF-42B1-AFC8-0B56D8DAFBE5}" type="slidenum">
+              <a:rPr lang="es-CO" smtClean="0"/>
+              <a:t>3</a:t>
+            </a:fld>
+            <a:endParaRPr lang="es-CO"/>
+          </a:p>
+        </p:txBody>
+      </p:sp>
+    </p:spTree>
+    <p:extLst>
+      <p:ext uri="{BB962C8B-B14F-4D97-AF65-F5344CB8AC3E}">
+        <p14:creationId xmlns:p14="http://schemas.microsoft.com/office/powerpoint/2010/main" val="2807891384"/>
+      </p:ext>
+    </p:extLst>
+  </p:cSld>
+  <p:clrMapOvr>
+    <a:masterClrMapping/>
+  </p:clrMapOvr>
+</p:notes>
+</file>
+
+<file path=ppt/notesSlides/notesSlide2.xml><?xml version="1.0" encoding="utf-8"?>
+<p:notes xmlns:a="http://schemas.openxmlformats.org/drawingml/2006/main" xmlns:r="http://schemas.openxmlformats.org/officeDocument/2006/relationships" xmlns:p="http://schemas.openxmlformats.org/presentationml/2006/main">
+  <p:cSld>
+    <p:spTree>
+      <p:nvGrpSpPr>
+        <p:cNvPr id="1" name="">
+          <a:extLst>
+            <a:ext uri="{FF2B5EF4-FFF2-40B4-BE49-F238E27FC236}">
+              <a16:creationId xmlns:a16="http://schemas.microsoft.com/office/drawing/2014/main" id="{A0F91FB1-A523-6B29-DD56-B57E6198DFEA}"/>
+            </a:ext>
+          </a:extLst>
+        </p:cNvPr>
+        <p:cNvGrpSpPr/>
+        <p:nvPr/>
+      </p:nvGrpSpPr>
+      <p:grpSpPr>
+        <a:xfrm>
+          <a:off x="0" y="0"/>
+          <a:ext cx="0" cy="0"/>
+          <a:chOff x="0" y="0"/>
+          <a:chExt cx="0" cy="0"/>
+        </a:xfrm>
+      </p:grpSpPr>
+      <p:sp>
+        <p:nvSpPr>
+          <p:cNvPr id="2" name="Marcador de imagen de diapositiva 1">
+            <a:extLst>
+              <a:ext uri="{FF2B5EF4-FFF2-40B4-BE49-F238E27FC236}">
+                <a16:creationId xmlns:a16="http://schemas.microsoft.com/office/drawing/2014/main" id="{8E0A071F-E396-8589-5B56-097844596000}"/>
+              </a:ext>
+            </a:extLst>
+          </p:cNvPr>
+          <p:cNvSpPr>
+            <a:spLocks noGrp="1" noRot="1" noChangeAspect="1"/>
+          </p:cNvSpPr>
+          <p:nvPr>
+            <p:ph type="sldImg"/>
+          </p:nvPr>
+        </p:nvSpPr>
+        <p:spPr/>
+      </p:sp>
+      <p:sp>
+        <p:nvSpPr>
+          <p:cNvPr id="3" name="Marcador de notas 2">
+            <a:extLst>
+              <a:ext uri="{FF2B5EF4-FFF2-40B4-BE49-F238E27FC236}">
+                <a16:creationId xmlns:a16="http://schemas.microsoft.com/office/drawing/2014/main" id="{494D37BA-3A69-ECDD-7FE3-95CDD840FCE4}"/>
+              </a:ext>
+            </a:extLst>
+          </p:cNvPr>
+          <p:cNvSpPr>
+            <a:spLocks noGrp="1"/>
+          </p:cNvSpPr>
+          <p:nvPr>
+            <p:ph type="body" idx="1"/>
+          </p:nvPr>
+        </p:nvSpPr>
+        <p:spPr/>
+        <p:txBody>
+          <a:bodyPr/>
+          <a:lstStyle/>
+          <a:p>
+            <a:endParaRPr lang="es-CO" dirty="0"/>
+          </a:p>
+        </p:txBody>
+      </p:sp>
+      <p:sp>
+        <p:nvSpPr>
+          <p:cNvPr id="4" name="Marcador de número de diapositiva 3">
+            <a:extLst>
+              <a:ext uri="{FF2B5EF4-FFF2-40B4-BE49-F238E27FC236}">
+                <a16:creationId xmlns:a16="http://schemas.microsoft.com/office/drawing/2014/main" id="{4227DA81-4A83-D8AF-BBA8-E73C7133CA8F}"/>
+              </a:ext>
+            </a:extLst>
+          </p:cNvPr>
+          <p:cNvSpPr>
+            <a:spLocks noGrp="1"/>
+          </p:cNvSpPr>
+          <p:nvPr>
+            <p:ph type="sldNum" sz="quarter" idx="5"/>
+          </p:nvPr>
+        </p:nvSpPr>
+        <p:spPr/>
+        <p:txBody>
+          <a:bodyPr/>
+          <a:lstStyle/>
+          <a:p>
+            <a:fld id="{4D4E0DA8-9DBF-42B1-AFC8-0B56D8DAFBE5}" type="slidenum">
+              <a:rPr lang="es-CO" smtClean="0"/>
+              <a:t>4</a:t>
+            </a:fld>
+            <a:endParaRPr lang="es-CO"/>
+          </a:p>
+        </p:txBody>
+      </p:sp>
+    </p:spTree>
+    <p:extLst>
+      <p:ext uri="{BB962C8B-B14F-4D97-AF65-F5344CB8AC3E}">
+        <p14:creationId xmlns:p14="http://schemas.microsoft.com/office/powerpoint/2010/main" val="1380964950"/>
+      </p:ext>
+    </p:extLst>
+  </p:cSld>
+  <p:clrMapOvr>
+    <a:masterClrMapping/>
+  </p:clrMapOvr>
+</p:notes>
+</file>
+
+<file path=ppt/notesSlides/notesSlide3.xml><?xml version="1.0" encoding="utf-8"?>
+<p:notes xmlns:a="http://schemas.openxmlformats.org/drawingml/2006/main" xmlns:r="http://schemas.openxmlformats.org/officeDocument/2006/relationships" xmlns:p="http://schemas.openxmlformats.org/presentationml/2006/main">
+  <p:cSld>
+    <p:spTree>
+      <p:nvGrpSpPr>
+        <p:cNvPr id="1" name="">
+          <a:extLst>
+            <a:ext uri="{FF2B5EF4-FFF2-40B4-BE49-F238E27FC236}">
+              <a16:creationId xmlns:a16="http://schemas.microsoft.com/office/drawing/2014/main" id="{663DE85B-56A5-ED7C-23EB-34A4D23E972E}"/>
+            </a:ext>
+          </a:extLst>
+        </p:cNvPr>
+        <p:cNvGrpSpPr/>
+        <p:nvPr/>
+      </p:nvGrpSpPr>
+      <p:grpSpPr>
+        <a:xfrm>
+          <a:off x="0" y="0"/>
+          <a:ext cx="0" cy="0"/>
+          <a:chOff x="0" y="0"/>
+          <a:chExt cx="0" cy="0"/>
+        </a:xfrm>
+      </p:grpSpPr>
+      <p:sp>
+        <p:nvSpPr>
+          <p:cNvPr id="2" name="Marcador de imagen de diapositiva 1">
+            <a:extLst>
+              <a:ext uri="{FF2B5EF4-FFF2-40B4-BE49-F238E27FC236}">
+                <a16:creationId xmlns:a16="http://schemas.microsoft.com/office/drawing/2014/main" id="{A9BD2E36-D791-343E-45AE-24D157D16640}"/>
+              </a:ext>
+            </a:extLst>
+          </p:cNvPr>
+          <p:cNvSpPr>
+            <a:spLocks noGrp="1" noRot="1" noChangeAspect="1"/>
+          </p:cNvSpPr>
+          <p:nvPr>
+            <p:ph type="sldImg"/>
+          </p:nvPr>
+        </p:nvSpPr>
+        <p:spPr/>
+      </p:sp>
+      <p:sp>
+        <p:nvSpPr>
+          <p:cNvPr id="3" name="Marcador de notas 2">
+            <a:extLst>
+              <a:ext uri="{FF2B5EF4-FFF2-40B4-BE49-F238E27FC236}">
+                <a16:creationId xmlns:a16="http://schemas.microsoft.com/office/drawing/2014/main" id="{FAE8974D-97C1-2349-5EB2-8C9807B5E283}"/>
+              </a:ext>
+            </a:extLst>
+          </p:cNvPr>
+          <p:cNvSpPr>
+            <a:spLocks noGrp="1"/>
+          </p:cNvSpPr>
+          <p:nvPr>
+            <p:ph type="body" idx="1"/>
+          </p:nvPr>
+        </p:nvSpPr>
+        <p:spPr/>
+        <p:txBody>
+          <a:bodyPr/>
+          <a:lstStyle/>
+          <a:p>
+            <a:endParaRPr lang="es-CO" dirty="0"/>
+          </a:p>
+        </p:txBody>
+      </p:sp>
+      <p:sp>
+        <p:nvSpPr>
+          <p:cNvPr id="4" name="Marcador de número de diapositiva 3">
+            <a:extLst>
+              <a:ext uri="{FF2B5EF4-FFF2-40B4-BE49-F238E27FC236}">
+                <a16:creationId xmlns:a16="http://schemas.microsoft.com/office/drawing/2014/main" id="{C5FB879D-2AE6-2159-DAC7-60E20BE6A2AF}"/>
+              </a:ext>
+            </a:extLst>
+          </p:cNvPr>
+          <p:cNvSpPr>
+            <a:spLocks noGrp="1"/>
+          </p:cNvSpPr>
+          <p:nvPr>
+            <p:ph type="sldNum" sz="quarter" idx="5"/>
+          </p:nvPr>
+        </p:nvSpPr>
+        <p:spPr/>
+        <p:txBody>
+          <a:bodyPr/>
+          <a:lstStyle/>
+          <a:p>
+            <a:fld id="{4D4E0DA8-9DBF-42B1-AFC8-0B56D8DAFBE5}" type="slidenum">
+              <a:rPr lang="es-CO" smtClean="0"/>
+              <a:t>5</a:t>
+            </a:fld>
+            <a:endParaRPr lang="es-CO"/>
+          </a:p>
+        </p:txBody>
+      </p:sp>
+    </p:spTree>
+    <p:extLst>
+      <p:ext uri="{BB962C8B-B14F-4D97-AF65-F5344CB8AC3E}">
+        <p14:creationId xmlns:p14="http://schemas.microsoft.com/office/powerpoint/2010/main" val="2678169811"/>
+      </p:ext>
+    </p:extLst>
+  </p:cSld>
+  <p:clrMapOvr>
+    <a:masterClrMapping/>
+  </p:clrMapOvr>
+</p:notes>
+</file>
+
+<file path=ppt/notesSlides/notesSlide4.xml><?xml version="1.0" encoding="utf-8"?>
+<p:notes xmlns:a="http://schemas.openxmlformats.org/drawingml/2006/main" xmlns:r="http://schemas.openxmlformats.org/officeDocument/2006/relationships" xmlns:p="http://schemas.openxmlformats.org/presentationml/2006/main">
+  <p:cSld>
+    <p:spTree>
+      <p:nvGrpSpPr>
+        <p:cNvPr id="1" name="">
+          <a:extLst>
+            <a:ext uri="{FF2B5EF4-FFF2-40B4-BE49-F238E27FC236}">
+              <a16:creationId xmlns:a16="http://schemas.microsoft.com/office/drawing/2014/main" id="{516A524D-A5ED-6DBB-9DE9-D5A5919FF4FC}"/>
+            </a:ext>
+          </a:extLst>
+        </p:cNvPr>
+        <p:cNvGrpSpPr/>
+        <p:nvPr/>
+      </p:nvGrpSpPr>
+      <p:grpSpPr>
+        <a:xfrm>
+          <a:off x="0" y="0"/>
+          <a:ext cx="0" cy="0"/>
+          <a:chOff x="0" y="0"/>
+          <a:chExt cx="0" cy="0"/>
+        </a:xfrm>
+      </p:grpSpPr>
+      <p:sp>
+        <p:nvSpPr>
+          <p:cNvPr id="2" name="Marcador de imagen de diapositiva 1">
+            <a:extLst>
+              <a:ext uri="{FF2B5EF4-FFF2-40B4-BE49-F238E27FC236}">
+                <a16:creationId xmlns:a16="http://schemas.microsoft.com/office/drawing/2014/main" id="{C27935E4-F134-31C4-6C72-5FBA5D074242}"/>
+              </a:ext>
+            </a:extLst>
+          </p:cNvPr>
+          <p:cNvSpPr>
+            <a:spLocks noGrp="1" noRot="1" noChangeAspect="1"/>
+          </p:cNvSpPr>
+          <p:nvPr>
+            <p:ph type="sldImg"/>
+          </p:nvPr>
+        </p:nvSpPr>
+        <p:spPr/>
+      </p:sp>
+      <p:sp>
+        <p:nvSpPr>
+          <p:cNvPr id="3" name="Marcador de notas 2">
+            <a:extLst>
+              <a:ext uri="{FF2B5EF4-FFF2-40B4-BE49-F238E27FC236}">
+                <a16:creationId xmlns:a16="http://schemas.microsoft.com/office/drawing/2014/main" id="{4A7770D4-52FE-F4E6-414F-9E7FC667F45F}"/>
+              </a:ext>
+            </a:extLst>
+          </p:cNvPr>
+          <p:cNvSpPr>
+            <a:spLocks noGrp="1"/>
+          </p:cNvSpPr>
+          <p:nvPr>
+            <p:ph type="body" idx="1"/>
+          </p:nvPr>
+        </p:nvSpPr>
+        <p:spPr/>
+        <p:txBody>
+          <a:bodyPr/>
+          <a:lstStyle/>
+          <a:p>
+            <a:endParaRPr lang="es-CO" dirty="0"/>
+          </a:p>
+        </p:txBody>
+      </p:sp>
+      <p:sp>
+        <p:nvSpPr>
+          <p:cNvPr id="4" name="Marcador de número de diapositiva 3">
+            <a:extLst>
+              <a:ext uri="{FF2B5EF4-FFF2-40B4-BE49-F238E27FC236}">
+                <a16:creationId xmlns:a16="http://schemas.microsoft.com/office/drawing/2014/main" id="{6E380357-A9F0-30F4-D086-29DAD9F33ACD}"/>
+              </a:ext>
+            </a:extLst>
+          </p:cNvPr>
+          <p:cNvSpPr>
+            <a:spLocks noGrp="1"/>
+          </p:cNvSpPr>
+          <p:nvPr>
+            <p:ph type="sldNum" sz="quarter" idx="5"/>
+          </p:nvPr>
+        </p:nvSpPr>
+        <p:spPr/>
+        <p:txBody>
+          <a:bodyPr/>
+          <a:lstStyle/>
+          <a:p>
+            <a:fld id="{4D4E0DA8-9DBF-42B1-AFC8-0B56D8DAFBE5}" type="slidenum">
+              <a:rPr lang="es-CO" smtClean="0"/>
+              <a:t>6</a:t>
+            </a:fld>
+            <a:endParaRPr lang="es-CO"/>
+          </a:p>
+        </p:txBody>
+      </p:sp>
+    </p:spTree>
+    <p:extLst>
+      <p:ext uri="{BB962C8B-B14F-4D97-AF65-F5344CB8AC3E}">
+        <p14:creationId xmlns:p14="http://schemas.microsoft.com/office/powerpoint/2010/main" val="364473203"/>
+      </p:ext>
+    </p:extLst>
+  </p:cSld>
+  <p:clrMapOvr>
+    <a:masterClrMapping/>
+  </p:clrMapOvr>
+</p:notes>
+</file>
+
+<file path=ppt/notesSlides/notesSlide5.xml><?xml version="1.0" encoding="utf-8"?>
+<p:notes xmlns:a="http://schemas.openxmlformats.org/drawingml/2006/main" xmlns:r="http://schemas.openxmlformats.org/officeDocument/2006/relationships" xmlns:p="http://schemas.openxmlformats.org/presentationml/2006/main">
+  <p:cSld>
+    <p:spTree>
+      <p:nvGrpSpPr>
+        <p:cNvPr id="1" name="">
+          <a:extLst>
+            <a:ext uri="{FF2B5EF4-FFF2-40B4-BE49-F238E27FC236}">
+              <a16:creationId xmlns:a16="http://schemas.microsoft.com/office/drawing/2014/main" id="{4D81F572-A076-2F0E-BD21-F9245B548751}"/>
+            </a:ext>
+          </a:extLst>
+        </p:cNvPr>
+        <p:cNvGrpSpPr/>
+        <p:nvPr/>
+      </p:nvGrpSpPr>
+      <p:grpSpPr>
+        <a:xfrm>
+          <a:off x="0" y="0"/>
+          <a:ext cx="0" cy="0"/>
+          <a:chOff x="0" y="0"/>
+          <a:chExt cx="0" cy="0"/>
+        </a:xfrm>
+      </p:grpSpPr>
+      <p:sp>
+        <p:nvSpPr>
+          <p:cNvPr id="2" name="Marcador de imagen de diapositiva 1">
+            <a:extLst>
+              <a:ext uri="{FF2B5EF4-FFF2-40B4-BE49-F238E27FC236}">
+                <a16:creationId xmlns:a16="http://schemas.microsoft.com/office/drawing/2014/main" id="{90319FBD-6416-BDCC-AD95-D2C9EAD60149}"/>
+              </a:ext>
+            </a:extLst>
+          </p:cNvPr>
+          <p:cNvSpPr>
+            <a:spLocks noGrp="1" noRot="1" noChangeAspect="1"/>
+          </p:cNvSpPr>
+          <p:nvPr>
+            <p:ph type="sldImg"/>
+          </p:nvPr>
+        </p:nvSpPr>
+        <p:spPr/>
+      </p:sp>
+      <p:sp>
+        <p:nvSpPr>
+          <p:cNvPr id="3" name="Marcador de notas 2">
+            <a:extLst>
+              <a:ext uri="{FF2B5EF4-FFF2-40B4-BE49-F238E27FC236}">
+                <a16:creationId xmlns:a16="http://schemas.microsoft.com/office/drawing/2014/main" id="{813724A3-4401-3C75-A740-4403DC5894F5}"/>
+              </a:ext>
+            </a:extLst>
+          </p:cNvPr>
+          <p:cNvSpPr>
+            <a:spLocks noGrp="1"/>
+          </p:cNvSpPr>
+          <p:nvPr>
+            <p:ph type="body" idx="1"/>
+          </p:nvPr>
+        </p:nvSpPr>
+        <p:spPr/>
+        <p:txBody>
+          <a:bodyPr/>
+          <a:lstStyle/>
+          <a:p>
+            <a:endParaRPr lang="es-CO" dirty="0"/>
+          </a:p>
+        </p:txBody>
+      </p:sp>
+      <p:sp>
+        <p:nvSpPr>
+          <p:cNvPr id="4" name="Marcador de número de diapositiva 3">
+            <a:extLst>
+              <a:ext uri="{FF2B5EF4-FFF2-40B4-BE49-F238E27FC236}">
+                <a16:creationId xmlns:a16="http://schemas.microsoft.com/office/drawing/2014/main" id="{539B0A02-9183-D630-6D8F-AA26BA731AD6}"/>
+              </a:ext>
+            </a:extLst>
+          </p:cNvPr>
+          <p:cNvSpPr>
+            <a:spLocks noGrp="1"/>
+          </p:cNvSpPr>
+          <p:nvPr>
+            <p:ph type="sldNum" sz="quarter" idx="5"/>
+          </p:nvPr>
+        </p:nvSpPr>
+        <p:spPr/>
+        <p:txBody>
+          <a:bodyPr/>
+          <a:lstStyle/>
+          <a:p>
+            <a:fld id="{4D4E0DA8-9DBF-42B1-AFC8-0B56D8DAFBE5}" type="slidenum">
+              <a:rPr lang="es-CO" smtClean="0"/>
+              <a:t>7</a:t>
+            </a:fld>
+            <a:endParaRPr lang="es-CO"/>
+          </a:p>
+        </p:txBody>
+      </p:sp>
+    </p:spTree>
+    <p:extLst>
+      <p:ext uri="{BB962C8B-B14F-4D97-AF65-F5344CB8AC3E}">
+        <p14:creationId xmlns:p14="http://schemas.microsoft.com/office/powerpoint/2010/main" val="1524229675"/>
+      </p:ext>
+    </p:extLst>
+  </p:cSld>
+  <p:clrMapOvr>
+    <a:masterClrMapping/>
+  </p:clrMapOvr>
+</p:notes>
+</file>
+
+<file path=ppt/notesSlides/notesSlide6.xml><?xml version="1.0" encoding="utf-8"?>
+<p:notes xmlns:a="http://schemas.openxmlformats.org/drawingml/2006/main" xmlns:r="http://schemas.openxmlformats.org/officeDocument/2006/relationships" xmlns:p="http://schemas.openxmlformats.org/presentationml/2006/main">
+  <p:cSld>
+    <p:spTree>
+      <p:nvGrpSpPr>
+        <p:cNvPr id="1" name="">
+          <a:extLst>
+            <a:ext uri="{FF2B5EF4-FFF2-40B4-BE49-F238E27FC236}">
+              <a16:creationId xmlns:a16="http://schemas.microsoft.com/office/drawing/2014/main" id="{5E74D224-3AE0-B91C-5405-5C9D6C8FAB1B}"/>
+            </a:ext>
+          </a:extLst>
+        </p:cNvPr>
+        <p:cNvGrpSpPr/>
+        <p:nvPr/>
+      </p:nvGrpSpPr>
+      <p:grpSpPr>
+        <a:xfrm>
+          <a:off x="0" y="0"/>
+          <a:ext cx="0" cy="0"/>
+          <a:chOff x="0" y="0"/>
+          <a:chExt cx="0" cy="0"/>
+        </a:xfrm>
+      </p:grpSpPr>
+      <p:sp>
+        <p:nvSpPr>
+          <p:cNvPr id="2" name="Marcador de imagen de diapositiva 1">
+            <a:extLst>
+              <a:ext uri="{FF2B5EF4-FFF2-40B4-BE49-F238E27FC236}">
+                <a16:creationId xmlns:a16="http://schemas.microsoft.com/office/drawing/2014/main" id="{A91D8364-1DE2-D9DA-A16D-3B444D8B911F}"/>
+              </a:ext>
+            </a:extLst>
+          </p:cNvPr>
+          <p:cNvSpPr>
+            <a:spLocks noGrp="1" noRot="1" noChangeAspect="1"/>
+          </p:cNvSpPr>
+          <p:nvPr>
+            <p:ph type="sldImg"/>
+          </p:nvPr>
+        </p:nvSpPr>
+        <p:spPr/>
+      </p:sp>
+      <p:sp>
+        <p:nvSpPr>
+          <p:cNvPr id="3" name="Marcador de notas 2">
+            <a:extLst>
+              <a:ext uri="{FF2B5EF4-FFF2-40B4-BE49-F238E27FC236}">
+                <a16:creationId xmlns:a16="http://schemas.microsoft.com/office/drawing/2014/main" id="{3C649023-A494-DF14-AF76-0418A15E34C6}"/>
+              </a:ext>
+            </a:extLst>
+          </p:cNvPr>
+          <p:cNvSpPr>
+            <a:spLocks noGrp="1"/>
+          </p:cNvSpPr>
+          <p:nvPr>
+            <p:ph type="body" idx="1"/>
+          </p:nvPr>
+        </p:nvSpPr>
+        <p:spPr/>
+        <p:txBody>
+          <a:bodyPr/>
+          <a:lstStyle/>
+          <a:p>
+            <a:endParaRPr lang="es-CO" dirty="0"/>
+          </a:p>
+        </p:txBody>
+      </p:sp>
+      <p:sp>
+        <p:nvSpPr>
+          <p:cNvPr id="4" name="Marcador de número de diapositiva 3">
+            <a:extLst>
+              <a:ext uri="{FF2B5EF4-FFF2-40B4-BE49-F238E27FC236}">
+                <a16:creationId xmlns:a16="http://schemas.microsoft.com/office/drawing/2014/main" id="{2F8B1639-AF2E-9295-8BEB-43E5A63A2606}"/>
+              </a:ext>
+            </a:extLst>
+          </p:cNvPr>
+          <p:cNvSpPr>
+            <a:spLocks noGrp="1"/>
+          </p:cNvSpPr>
+          <p:nvPr>
+            <p:ph type="sldNum" sz="quarter" idx="5"/>
+          </p:nvPr>
+        </p:nvSpPr>
+        <p:spPr/>
+        <p:txBody>
+          <a:bodyPr/>
+          <a:lstStyle/>
+          <a:p>
+            <a:fld id="{4D4E0DA8-9DBF-42B1-AFC8-0B56D8DAFBE5}" type="slidenum">
+              <a:rPr lang="es-CO" smtClean="0"/>
+              <a:t>8</a:t>
+            </a:fld>
+            <a:endParaRPr lang="es-CO"/>
+          </a:p>
+        </p:txBody>
+      </p:sp>
+    </p:spTree>
+    <p:extLst>
+      <p:ext uri="{BB962C8B-B14F-4D97-AF65-F5344CB8AC3E}">
+        <p14:creationId xmlns:p14="http://schemas.microsoft.com/office/powerpoint/2010/main" val="501921502"/>
+      </p:ext>
+    </p:extLst>
+  </p:cSld>
+  <p:clrMapOvr>
+    <a:masterClrMapping/>
+  </p:clrMapOvr>
+</p:notes>
+</file>
+
+<file path=ppt/notesSlides/notesSlide7.xml><?xml version="1.0" encoding="utf-8"?>
+<p:notes xmlns:a="http://schemas.openxmlformats.org/drawingml/2006/main" xmlns:r="http://schemas.openxmlformats.org/officeDocument/2006/relationships" xmlns:p="http://schemas.openxmlformats.org/presentationml/2006/main">
+  <p:cSld>
+    <p:spTree>
+      <p:nvGrpSpPr>
         <p:cNvPr id="1" name=""/>
         <p:cNvGrpSpPr/>
         <p:nvPr/>
@@ -855,7 +1510,7 @@
           <a:p>
             <a:fld id="{4D4E0DA8-9DBF-42B1-AFC8-0B56D8DAFBE5}" type="slidenum">
               <a:rPr lang="es-CO" smtClean="0"/>
-              <a:t>3</a:t>
+              <a:t>9</a:t>
             </a:fld>
             <a:endParaRPr lang="es-CO"/>
           </a:p>
@@ -865,6 +1520,114 @@
     <p:extLst>
       <p:ext uri="{BB962C8B-B14F-4D97-AF65-F5344CB8AC3E}">
         <p14:creationId xmlns:p14="http://schemas.microsoft.com/office/powerpoint/2010/main" val="1363211786"/>
+      </p:ext>
+    </p:extLst>
+  </p:cSld>
+  <p:clrMapOvr>
+    <a:masterClrMapping/>
+  </p:clrMapOvr>
+</p:notes>
+</file>
+
+<file path=ppt/notesSlides/notesSlide8.xml><?xml version="1.0" encoding="utf-8"?>
+<p:notes xmlns:a="http://schemas.openxmlformats.org/drawingml/2006/main" xmlns:r="http://schemas.openxmlformats.org/officeDocument/2006/relationships" xmlns:p="http://schemas.openxmlformats.org/presentationml/2006/main">
+  <p:cSld>
+    <p:spTree>
+      <p:nvGrpSpPr>
+        <p:cNvPr id="1" name="">
+          <a:extLst>
+            <a:ext uri="{FF2B5EF4-FFF2-40B4-BE49-F238E27FC236}">
+              <a16:creationId xmlns:a16="http://schemas.microsoft.com/office/drawing/2014/main" id="{EC57BD20-1F2C-E7E7-CF33-69298EABF618}"/>
+            </a:ext>
+          </a:extLst>
+        </p:cNvPr>
+        <p:cNvGrpSpPr/>
+        <p:nvPr/>
+      </p:nvGrpSpPr>
+      <p:grpSpPr>
+        <a:xfrm>
+          <a:off x="0" y="0"/>
+          <a:ext cx="0" cy="0"/>
+          <a:chOff x="0" y="0"/>
+          <a:chExt cx="0" cy="0"/>
+        </a:xfrm>
+      </p:grpSpPr>
+      <p:sp>
+        <p:nvSpPr>
+          <p:cNvPr id="2" name="Marcador de imagen de diapositiva 1">
+            <a:extLst>
+              <a:ext uri="{FF2B5EF4-FFF2-40B4-BE49-F238E27FC236}">
+                <a16:creationId xmlns:a16="http://schemas.microsoft.com/office/drawing/2014/main" id="{776D439E-09E0-8C6A-C605-EF63C4CA355D}"/>
+              </a:ext>
+            </a:extLst>
+          </p:cNvPr>
+          <p:cNvSpPr>
+            <a:spLocks noGrp="1" noRot="1" noChangeAspect="1"/>
+          </p:cNvSpPr>
+          <p:nvPr>
+            <p:ph type="sldImg"/>
+          </p:nvPr>
+        </p:nvSpPr>
+        <p:spPr/>
+      </p:sp>
+      <p:sp>
+        <p:nvSpPr>
+          <p:cNvPr id="3" name="Marcador de notas 2">
+            <a:extLst>
+              <a:ext uri="{FF2B5EF4-FFF2-40B4-BE49-F238E27FC236}">
+                <a16:creationId xmlns:a16="http://schemas.microsoft.com/office/drawing/2014/main" id="{660C7535-FF9D-5938-74C4-AADD623A078D}"/>
+              </a:ext>
+            </a:extLst>
+          </p:cNvPr>
+          <p:cNvSpPr>
+            <a:spLocks noGrp="1"/>
+          </p:cNvSpPr>
+          <p:nvPr>
+            <p:ph type="body" idx="1"/>
+          </p:nvPr>
+        </p:nvSpPr>
+        <p:spPr/>
+        <p:txBody>
+          <a:bodyPr/>
+          <a:lstStyle/>
+          <a:p>
+            <a:endParaRPr lang="es-CO" dirty="0"/>
+          </a:p>
+        </p:txBody>
+      </p:sp>
+      <p:sp>
+        <p:nvSpPr>
+          <p:cNvPr id="4" name="Marcador de número de diapositiva 3">
+            <a:extLst>
+              <a:ext uri="{FF2B5EF4-FFF2-40B4-BE49-F238E27FC236}">
+                <a16:creationId xmlns:a16="http://schemas.microsoft.com/office/drawing/2014/main" id="{BE718351-7E65-0551-9DDD-0CB3564598C3}"/>
+              </a:ext>
+            </a:extLst>
+          </p:cNvPr>
+          <p:cNvSpPr>
+            <a:spLocks noGrp="1"/>
+          </p:cNvSpPr>
+          <p:nvPr>
+            <p:ph type="sldNum" sz="quarter" idx="5"/>
+          </p:nvPr>
+        </p:nvSpPr>
+        <p:spPr/>
+        <p:txBody>
+          <a:bodyPr/>
+          <a:lstStyle/>
+          <a:p>
+            <a:fld id="{4D4E0DA8-9DBF-42B1-AFC8-0B56D8DAFBE5}" type="slidenum">
+              <a:rPr lang="es-CO" smtClean="0"/>
+              <a:t>12</a:t>
+            </a:fld>
+            <a:endParaRPr lang="es-CO"/>
+          </a:p>
+        </p:txBody>
+      </p:sp>
+    </p:spTree>
+    <p:extLst>
+      <p:ext uri="{BB962C8B-B14F-4D97-AF65-F5344CB8AC3E}">
+        <p14:creationId xmlns:p14="http://schemas.microsoft.com/office/powerpoint/2010/main" val="3942857896"/>
       </p:ext>
     </p:extLst>
   </p:cSld>
@@ -1023,7 +1786,7 @@
           <a:p>
             <a:fld id="{42D7477C-82FC-433D-A9EC-0CA80F9558B6}" type="datetimeFigureOut">
               <a:rPr lang="es-CO" smtClean="0"/>
-              <a:t>3/03/2025</a:t>
+              <a:t>6/03/2025</a:t>
             </a:fld>
             <a:endParaRPr lang="es-CO"/>
           </a:p>
@@ -1223,7 +1986,7 @@
           <a:p>
             <a:fld id="{42D7477C-82FC-433D-A9EC-0CA80F9558B6}" type="datetimeFigureOut">
               <a:rPr lang="es-CO" smtClean="0"/>
-              <a:t>3/03/2025</a:t>
+              <a:t>6/03/2025</a:t>
             </a:fld>
             <a:endParaRPr lang="es-CO"/>
           </a:p>
@@ -1433,7 +2196,7 @@
           <a:p>
             <a:fld id="{42D7477C-82FC-433D-A9EC-0CA80F9558B6}" type="datetimeFigureOut">
               <a:rPr lang="es-CO" smtClean="0"/>
-              <a:t>3/03/2025</a:t>
+              <a:t>6/03/2025</a:t>
             </a:fld>
             <a:endParaRPr lang="es-CO"/>
           </a:p>
@@ -1755,7 +2518,7 @@
           <a:p>
             <a:fld id="{42D7477C-82FC-433D-A9EC-0CA80F9558B6}" type="datetimeFigureOut">
               <a:rPr lang="es-CO" smtClean="0"/>
-              <a:t>3/03/2025</a:t>
+              <a:t>6/03/2025</a:t>
             </a:fld>
             <a:endParaRPr lang="es-CO"/>
           </a:p>
@@ -2031,7 +2794,7 @@
           <a:p>
             <a:fld id="{42D7477C-82FC-433D-A9EC-0CA80F9558B6}" type="datetimeFigureOut">
               <a:rPr lang="es-CO" smtClean="0"/>
-              <a:t>3/03/2025</a:t>
+              <a:t>6/03/2025</a:t>
             </a:fld>
             <a:endParaRPr lang="es-CO"/>
           </a:p>
@@ -2299,7 +3062,7 @@
           <a:p>
             <a:fld id="{42D7477C-82FC-433D-A9EC-0CA80F9558B6}" type="datetimeFigureOut">
               <a:rPr lang="es-CO" smtClean="0"/>
-              <a:t>3/03/2025</a:t>
+              <a:t>6/03/2025</a:t>
             </a:fld>
             <a:endParaRPr lang="es-CO"/>
           </a:p>
@@ -2714,7 +3477,7 @@
           <a:p>
             <a:fld id="{42D7477C-82FC-433D-A9EC-0CA80F9558B6}" type="datetimeFigureOut">
               <a:rPr lang="es-CO" smtClean="0"/>
-              <a:t>3/03/2025</a:t>
+              <a:t>6/03/2025</a:t>
             </a:fld>
             <a:endParaRPr lang="es-CO"/>
           </a:p>
@@ -2856,7 +3619,7 @@
           <a:p>
             <a:fld id="{42D7477C-82FC-433D-A9EC-0CA80F9558B6}" type="datetimeFigureOut">
               <a:rPr lang="es-CO" smtClean="0"/>
-              <a:t>3/03/2025</a:t>
+              <a:t>6/03/2025</a:t>
             </a:fld>
             <a:endParaRPr lang="es-CO"/>
           </a:p>
@@ -2969,7 +3732,7 @@
           <a:p>
             <a:fld id="{42D7477C-82FC-433D-A9EC-0CA80F9558B6}" type="datetimeFigureOut">
               <a:rPr lang="es-CO" smtClean="0"/>
-              <a:t>3/03/2025</a:t>
+              <a:t>6/03/2025</a:t>
             </a:fld>
             <a:endParaRPr lang="es-CO"/>
           </a:p>
@@ -3282,7 +4045,7 @@
           <a:p>
             <a:fld id="{42D7477C-82FC-433D-A9EC-0CA80F9558B6}" type="datetimeFigureOut">
               <a:rPr lang="es-CO" smtClean="0"/>
-              <a:t>3/03/2025</a:t>
+              <a:t>6/03/2025</a:t>
             </a:fld>
             <a:endParaRPr lang="es-CO"/>
           </a:p>
@@ -3571,7 +4334,7 @@
           <a:p>
             <a:fld id="{42D7477C-82FC-433D-A9EC-0CA80F9558B6}" type="datetimeFigureOut">
               <a:rPr lang="es-CO" smtClean="0"/>
-              <a:t>3/03/2025</a:t>
+              <a:t>6/03/2025</a:t>
             </a:fld>
             <a:endParaRPr lang="es-CO"/>
           </a:p>
@@ -3814,7 +4577,7 @@
           <a:p>
             <a:fld id="{42D7477C-82FC-433D-A9EC-0CA80F9558B6}" type="datetimeFigureOut">
               <a:rPr lang="es-CO" smtClean="0"/>
-              <a:t>3/03/2025</a:t>
+              <a:t>6/03/2025</a:t>
             </a:fld>
             <a:endParaRPr lang="es-CO"/>
           </a:p>
@@ -4506,6 +5269,2124 @@
 </p:sld>
 </file>
 
+<file path=ppt/slides/slide10.xml><?xml version="1.0" encoding="utf-8"?>
+<p:sld xmlns:a="http://schemas.openxmlformats.org/drawingml/2006/main" xmlns:r="http://schemas.openxmlformats.org/officeDocument/2006/relationships" xmlns:p="http://schemas.openxmlformats.org/presentationml/2006/main">
+  <p:cSld>
+    <p:bg>
+      <p:bgPr>
+        <a:solidFill>
+          <a:srgbClr val="A85FD7"/>
+        </a:solidFill>
+        <a:effectLst/>
+      </p:bgPr>
+    </p:bg>
+    <p:spTree>
+      <p:nvGrpSpPr>
+        <p:cNvPr id="1" name=""/>
+        <p:cNvGrpSpPr/>
+        <p:nvPr/>
+      </p:nvGrpSpPr>
+      <p:grpSpPr>
+        <a:xfrm>
+          <a:off x="0" y="0"/>
+          <a:ext cx="0" cy="0"/>
+          <a:chOff x="0" y="0"/>
+          <a:chExt cx="0" cy="0"/>
+        </a:xfrm>
+      </p:grpSpPr>
+      <p:pic>
+        <p:nvPicPr>
+          <p:cNvPr id="14" name="Gráfico 13">
+            <a:extLst>
+              <a:ext uri="{FF2B5EF4-FFF2-40B4-BE49-F238E27FC236}">
+                <a16:creationId xmlns:a16="http://schemas.microsoft.com/office/drawing/2014/main" id="{D540A892-0C6B-6F0A-17CB-7A4912E979D1}"/>
+              </a:ext>
+            </a:extLst>
+          </p:cNvPr>
+          <p:cNvPicPr>
+            <a:picLocks noChangeAspect="1"/>
+          </p:cNvPicPr>
+          <p:nvPr/>
+        </p:nvPicPr>
+        <p:blipFill>
+          <a:blip r:embed="rId2">
+            <a:extLst>
+              <a:ext uri="{28A0092B-C50C-407E-A947-70E740481C1C}">
+                <a14:useLocalDpi xmlns:a14="http://schemas.microsoft.com/office/drawing/2010/main" val="0"/>
+              </a:ext>
+              <a:ext uri="{96DAC541-7B7A-43D3-8B79-37D633B846F1}">
+                <asvg:svgBlip xmlns:asvg="http://schemas.microsoft.com/office/drawing/2016/SVG/main" r:embed="rId3"/>
+              </a:ext>
+            </a:extLst>
+          </a:blip>
+          <a:stretch>
+            <a:fillRect/>
+          </a:stretch>
+        </p:blipFill>
+        <p:spPr>
+          <a:xfrm>
+            <a:off x="-159808" y="1531345"/>
+            <a:ext cx="3361493" cy="2719541"/>
+          </a:xfrm>
+          <a:prstGeom prst="rect">
+            <a:avLst/>
+          </a:prstGeom>
+        </p:spPr>
+      </p:pic>
+      <p:pic>
+        <p:nvPicPr>
+          <p:cNvPr id="16" name="Gráfico 15">
+            <a:extLst>
+              <a:ext uri="{FF2B5EF4-FFF2-40B4-BE49-F238E27FC236}">
+                <a16:creationId xmlns:a16="http://schemas.microsoft.com/office/drawing/2014/main" id="{8AED6F10-2816-5A12-4A72-0AF6631A54A9}"/>
+              </a:ext>
+            </a:extLst>
+          </p:cNvPr>
+          <p:cNvPicPr>
+            <a:picLocks noChangeAspect="1"/>
+          </p:cNvPicPr>
+          <p:nvPr/>
+        </p:nvPicPr>
+        <p:blipFill>
+          <a:blip r:embed="rId4">
+            <a:extLst>
+              <a:ext uri="{28A0092B-C50C-407E-A947-70E740481C1C}">
+                <a14:useLocalDpi xmlns:a14="http://schemas.microsoft.com/office/drawing/2010/main" val="0"/>
+              </a:ext>
+              <a:ext uri="{96DAC541-7B7A-43D3-8B79-37D633B846F1}">
+                <asvg:svgBlip xmlns:asvg="http://schemas.microsoft.com/office/drawing/2016/SVG/main" r:embed="rId5"/>
+              </a:ext>
+            </a:extLst>
+          </a:blip>
+          <a:stretch>
+            <a:fillRect/>
+          </a:stretch>
+        </p:blipFill>
+        <p:spPr>
+          <a:xfrm>
+            <a:off x="9503475" y="2533880"/>
+            <a:ext cx="4271344" cy="1329491"/>
+          </a:xfrm>
+          <a:prstGeom prst="rect">
+            <a:avLst/>
+          </a:prstGeom>
+        </p:spPr>
+      </p:pic>
+      <p:pic>
+        <p:nvPicPr>
+          <p:cNvPr id="18" name="Gráfico 17">
+            <a:extLst>
+              <a:ext uri="{FF2B5EF4-FFF2-40B4-BE49-F238E27FC236}">
+                <a16:creationId xmlns:a16="http://schemas.microsoft.com/office/drawing/2014/main" id="{019CCCEE-0575-D36A-15E3-722A18A98899}"/>
+              </a:ext>
+            </a:extLst>
+          </p:cNvPr>
+          <p:cNvPicPr>
+            <a:picLocks noChangeAspect="1"/>
+          </p:cNvPicPr>
+          <p:nvPr/>
+        </p:nvPicPr>
+        <p:blipFill>
+          <a:blip r:embed="rId6">
+            <a:extLst>
+              <a:ext uri="{28A0092B-C50C-407E-A947-70E740481C1C}">
+                <a14:useLocalDpi xmlns:a14="http://schemas.microsoft.com/office/drawing/2010/main" val="0"/>
+              </a:ext>
+              <a:ext uri="{96DAC541-7B7A-43D3-8B79-37D633B846F1}">
+                <asvg:svgBlip xmlns:asvg="http://schemas.microsoft.com/office/drawing/2016/SVG/main" r:embed="rId7"/>
+              </a:ext>
+            </a:extLst>
+          </a:blip>
+          <a:stretch>
+            <a:fillRect/>
+          </a:stretch>
+        </p:blipFill>
+        <p:spPr>
+          <a:xfrm>
+            <a:off x="4830528" y="6191480"/>
+            <a:ext cx="2279026" cy="287644"/>
+          </a:xfrm>
+          <a:prstGeom prst="rect">
+            <a:avLst/>
+          </a:prstGeom>
+        </p:spPr>
+      </p:pic>
+      <p:sp>
+        <p:nvSpPr>
+          <p:cNvPr id="2" name="Marcador de texto 6">
+            <a:extLst>
+              <a:ext uri="{FF2B5EF4-FFF2-40B4-BE49-F238E27FC236}">
+                <a16:creationId xmlns:a16="http://schemas.microsoft.com/office/drawing/2014/main" id="{82EB9762-B08C-F680-992B-DFCE37A15943}"/>
+              </a:ext>
+            </a:extLst>
+          </p:cNvPr>
+          <p:cNvSpPr txBox="1">
+            <a:spLocks/>
+          </p:cNvSpPr>
+          <p:nvPr/>
+        </p:nvSpPr>
+        <p:spPr>
+          <a:xfrm>
+            <a:off x="4391538" y="3303121"/>
+            <a:ext cx="3922084" cy="644190"/>
+          </a:xfrm>
+          <a:prstGeom prst="rect">
+            <a:avLst/>
+          </a:prstGeom>
+          <a:effectLst>
+            <a:outerShdw blurRad="304800" dir="2700000" sx="110000" sy="110000" algn="tl" rotWithShape="0">
+              <a:prstClr val="black">
+                <a:alpha val="40000"/>
+              </a:prstClr>
+            </a:outerShdw>
+          </a:effectLst>
+        </p:spPr>
+        <p:txBody>
+          <a:bodyPr/>
+          <a:lstStyle>
+            <a:lvl1pPr marL="228600" indent="-228600" algn="l" defTabSz="914400" rtl="0" eaLnBrk="1" latinLnBrk="0" hangingPunct="1">
+              <a:lnSpc>
+                <a:spcPct val="90000"/>
+              </a:lnSpc>
+              <a:spcBef>
+                <a:spcPts val="1000"/>
+              </a:spcBef>
+              <a:buFont typeface="Arial" panose="020B0604020202020204" pitchFamily="34" charset="0"/>
+              <a:buChar char="•"/>
+              <a:defRPr sz="2800" kern="1200">
+                <a:solidFill>
+                  <a:schemeClr val="tx1"/>
+                </a:solidFill>
+                <a:latin typeface="+mn-lt"/>
+                <a:ea typeface="+mn-ea"/>
+                <a:cs typeface="+mn-cs"/>
+              </a:defRPr>
+            </a:lvl1pPr>
+            <a:lvl2pPr marL="685800" indent="-228600" algn="l" defTabSz="914400" rtl="0" eaLnBrk="1" latinLnBrk="0" hangingPunct="1">
+              <a:lnSpc>
+                <a:spcPct val="90000"/>
+              </a:lnSpc>
+              <a:spcBef>
+                <a:spcPts val="500"/>
+              </a:spcBef>
+              <a:buFont typeface="Arial" panose="020B0604020202020204" pitchFamily="34" charset="0"/>
+              <a:buChar char="•"/>
+              <a:defRPr sz="2400" kern="1200">
+                <a:solidFill>
+                  <a:schemeClr val="tx1"/>
+                </a:solidFill>
+                <a:latin typeface="+mn-lt"/>
+                <a:ea typeface="+mn-ea"/>
+                <a:cs typeface="+mn-cs"/>
+              </a:defRPr>
+            </a:lvl2pPr>
+            <a:lvl3pPr marL="1143000" indent="-228600" algn="l" defTabSz="914400" rtl="0" eaLnBrk="1" latinLnBrk="0" hangingPunct="1">
+              <a:lnSpc>
+                <a:spcPct val="90000"/>
+              </a:lnSpc>
+              <a:spcBef>
+                <a:spcPts val="500"/>
+              </a:spcBef>
+              <a:buFont typeface="Arial" panose="020B0604020202020204" pitchFamily="34" charset="0"/>
+              <a:buChar char="•"/>
+              <a:defRPr sz="2000" kern="1200">
+                <a:solidFill>
+                  <a:schemeClr val="tx1"/>
+                </a:solidFill>
+                <a:latin typeface="+mn-lt"/>
+                <a:ea typeface="+mn-ea"/>
+                <a:cs typeface="+mn-cs"/>
+              </a:defRPr>
+            </a:lvl3pPr>
+            <a:lvl4pPr marL="1600200" indent="-228600" algn="l" defTabSz="914400" rtl="0" eaLnBrk="1" latinLnBrk="0" hangingPunct="1">
+              <a:lnSpc>
+                <a:spcPct val="90000"/>
+              </a:lnSpc>
+              <a:spcBef>
+                <a:spcPts val="500"/>
+              </a:spcBef>
+              <a:buFont typeface="Arial" panose="020B0604020202020204" pitchFamily="34" charset="0"/>
+              <a:buChar char="•"/>
+              <a:defRPr sz="1800" kern="1200">
+                <a:solidFill>
+                  <a:schemeClr val="tx1"/>
+                </a:solidFill>
+                <a:latin typeface="+mn-lt"/>
+                <a:ea typeface="+mn-ea"/>
+                <a:cs typeface="+mn-cs"/>
+              </a:defRPr>
+            </a:lvl4pPr>
+            <a:lvl5pPr marL="2057400" indent="-228600" algn="l" defTabSz="914400" rtl="0" eaLnBrk="1" latinLnBrk="0" hangingPunct="1">
+              <a:lnSpc>
+                <a:spcPct val="90000"/>
+              </a:lnSpc>
+              <a:spcBef>
+                <a:spcPts val="500"/>
+              </a:spcBef>
+              <a:buFont typeface="Arial" panose="020B0604020202020204" pitchFamily="34" charset="0"/>
+              <a:buChar char="•"/>
+              <a:defRPr sz="1800" kern="1200">
+                <a:solidFill>
+                  <a:schemeClr val="tx1"/>
+                </a:solidFill>
+                <a:latin typeface="+mn-lt"/>
+                <a:ea typeface="+mn-ea"/>
+                <a:cs typeface="+mn-cs"/>
+              </a:defRPr>
+            </a:lvl5pPr>
+            <a:lvl6pPr marL="2514600" indent="-228600" algn="l" defTabSz="914400" rtl="0" eaLnBrk="1" latinLnBrk="0" hangingPunct="1">
+              <a:lnSpc>
+                <a:spcPct val="90000"/>
+              </a:lnSpc>
+              <a:spcBef>
+                <a:spcPts val="500"/>
+              </a:spcBef>
+              <a:buFont typeface="Arial" panose="020B0604020202020204" pitchFamily="34" charset="0"/>
+              <a:buChar char="•"/>
+              <a:defRPr sz="1800" kern="1200">
+                <a:solidFill>
+                  <a:schemeClr val="tx1"/>
+                </a:solidFill>
+                <a:latin typeface="+mn-lt"/>
+                <a:ea typeface="+mn-ea"/>
+                <a:cs typeface="+mn-cs"/>
+              </a:defRPr>
+            </a:lvl6pPr>
+            <a:lvl7pPr marL="2971800" indent="-228600" algn="l" defTabSz="914400" rtl="0" eaLnBrk="1" latinLnBrk="0" hangingPunct="1">
+              <a:lnSpc>
+                <a:spcPct val="90000"/>
+              </a:lnSpc>
+              <a:spcBef>
+                <a:spcPts val="500"/>
+              </a:spcBef>
+              <a:buFont typeface="Arial" panose="020B0604020202020204" pitchFamily="34" charset="0"/>
+              <a:buChar char="•"/>
+              <a:defRPr sz="1800" kern="1200">
+                <a:solidFill>
+                  <a:schemeClr val="tx1"/>
+                </a:solidFill>
+                <a:latin typeface="+mn-lt"/>
+                <a:ea typeface="+mn-ea"/>
+                <a:cs typeface="+mn-cs"/>
+              </a:defRPr>
+            </a:lvl7pPr>
+            <a:lvl8pPr marL="3429000" indent="-228600" algn="l" defTabSz="914400" rtl="0" eaLnBrk="1" latinLnBrk="0" hangingPunct="1">
+              <a:lnSpc>
+                <a:spcPct val="90000"/>
+              </a:lnSpc>
+              <a:spcBef>
+                <a:spcPts val="500"/>
+              </a:spcBef>
+              <a:buFont typeface="Arial" panose="020B0604020202020204" pitchFamily="34" charset="0"/>
+              <a:buChar char="•"/>
+              <a:defRPr sz="1800" kern="1200">
+                <a:solidFill>
+                  <a:schemeClr val="tx1"/>
+                </a:solidFill>
+                <a:latin typeface="+mn-lt"/>
+                <a:ea typeface="+mn-ea"/>
+                <a:cs typeface="+mn-cs"/>
+              </a:defRPr>
+            </a:lvl8pPr>
+            <a:lvl9pPr marL="3886200" indent="-228600" algn="l" defTabSz="914400" rtl="0" eaLnBrk="1" latinLnBrk="0" hangingPunct="1">
+              <a:lnSpc>
+                <a:spcPct val="90000"/>
+              </a:lnSpc>
+              <a:spcBef>
+                <a:spcPts val="500"/>
+              </a:spcBef>
+              <a:buFont typeface="Arial" panose="020B0604020202020204" pitchFamily="34" charset="0"/>
+              <a:buChar char="•"/>
+              <a:defRPr sz="1800" kern="1200">
+                <a:solidFill>
+                  <a:schemeClr val="tx1"/>
+                </a:solidFill>
+                <a:latin typeface="+mn-lt"/>
+                <a:ea typeface="+mn-ea"/>
+                <a:cs typeface="+mn-cs"/>
+              </a:defRPr>
+            </a:lvl9pPr>
+          </a:lstStyle>
+          <a:p>
+            <a:pPr marL="0" indent="0">
+              <a:lnSpc>
+                <a:spcPct val="80000"/>
+              </a:lnSpc>
+              <a:buNone/>
+            </a:pPr>
+            <a:r>
+              <a:rPr lang="es-CO" sz="6000" b="1" dirty="0">
+                <a:solidFill>
+                  <a:schemeClr val="bg1"/>
+                </a:solidFill>
+                <a:latin typeface="CIBFont Sans" panose="020B0603020202020104" pitchFamily="34" charset="77"/>
+              </a:rPr>
+              <a:t>Démosle!</a:t>
+            </a:r>
+          </a:p>
+        </p:txBody>
+      </p:sp>
+    </p:spTree>
+    <p:extLst>
+      <p:ext uri="{BB962C8B-B14F-4D97-AF65-F5344CB8AC3E}">
+        <p14:creationId xmlns:p14="http://schemas.microsoft.com/office/powerpoint/2010/main" val="2576267983"/>
+      </p:ext>
+    </p:extLst>
+  </p:cSld>
+  <p:clrMapOvr>
+    <a:masterClrMapping/>
+  </p:clrMapOvr>
+</p:sld>
+</file>
+
+<file path=ppt/slides/slide11.xml><?xml version="1.0" encoding="utf-8"?>
+<p:sld xmlns:a="http://schemas.openxmlformats.org/drawingml/2006/main" xmlns:r="http://schemas.openxmlformats.org/officeDocument/2006/relationships" xmlns:p="http://schemas.openxmlformats.org/presentationml/2006/main">
+  <p:cSld>
+    <p:spTree>
+      <p:nvGrpSpPr>
+        <p:cNvPr id="1" name=""/>
+        <p:cNvGrpSpPr/>
+        <p:nvPr/>
+      </p:nvGrpSpPr>
+      <p:grpSpPr>
+        <a:xfrm>
+          <a:off x="0" y="0"/>
+          <a:ext cx="0" cy="0"/>
+          <a:chOff x="0" y="0"/>
+          <a:chExt cx="0" cy="0"/>
+        </a:xfrm>
+      </p:grpSpPr>
+      <p:sp>
+        <p:nvSpPr>
+          <p:cNvPr id="15" name="Marcador de texto 5">
+            <a:extLst>
+              <a:ext uri="{FF2B5EF4-FFF2-40B4-BE49-F238E27FC236}">
+                <a16:creationId xmlns:a16="http://schemas.microsoft.com/office/drawing/2014/main" id="{4DF9F568-773D-EF4E-B00F-98A1C1057DD6}"/>
+              </a:ext>
+            </a:extLst>
+          </p:cNvPr>
+          <p:cNvSpPr txBox="1">
+            <a:spLocks/>
+          </p:cNvSpPr>
+          <p:nvPr/>
+        </p:nvSpPr>
+        <p:spPr>
+          <a:xfrm>
+            <a:off x="6344526" y="1549615"/>
+            <a:ext cx="5009271" cy="344033"/>
+          </a:xfrm>
+          <a:prstGeom prst="rect">
+            <a:avLst/>
+          </a:prstGeom>
+          <a:noFill/>
+        </p:spPr>
+        <p:txBody>
+          <a:bodyPr anchor="t"/>
+          <a:lstStyle>
+            <a:defPPr>
+              <a:defRPr lang="es-CO"/>
+            </a:defPPr>
+            <a:lvl1pPr marL="0" algn="l" defTabSz="914400" rtl="0" eaLnBrk="1" latinLnBrk="0" hangingPunct="1">
+              <a:defRPr lang="es-CO" sz="1100" kern="1200">
+                <a:solidFill>
+                  <a:srgbClr val="2C2A29"/>
+                </a:solidFill>
+                <a:latin typeface="CIBFont Sans Book" panose="020B0603020202020104" pitchFamily="34" charset="77"/>
+                <a:ea typeface="+mn-ea"/>
+                <a:cs typeface="+mn-cs"/>
+              </a:defRPr>
+            </a:lvl1pPr>
+            <a:lvl2pPr marL="457200" algn="l" defTabSz="914400" rtl="0" eaLnBrk="1" latinLnBrk="0" hangingPunct="1">
+              <a:defRPr sz="1800" kern="1200">
+                <a:solidFill>
+                  <a:schemeClr val="tx1"/>
+                </a:solidFill>
+                <a:latin typeface="+mn-lt"/>
+                <a:ea typeface="+mn-ea"/>
+                <a:cs typeface="+mn-cs"/>
+              </a:defRPr>
+            </a:lvl2pPr>
+            <a:lvl3pPr marL="914400" algn="l" defTabSz="914400" rtl="0" eaLnBrk="1" latinLnBrk="0" hangingPunct="1">
+              <a:defRPr sz="1800" kern="1200">
+                <a:solidFill>
+                  <a:schemeClr val="tx1"/>
+                </a:solidFill>
+                <a:latin typeface="+mn-lt"/>
+                <a:ea typeface="+mn-ea"/>
+                <a:cs typeface="+mn-cs"/>
+              </a:defRPr>
+            </a:lvl3pPr>
+            <a:lvl4pPr marL="1371600" algn="l" defTabSz="914400" rtl="0" eaLnBrk="1" latinLnBrk="0" hangingPunct="1">
+              <a:defRPr sz="1800" kern="1200">
+                <a:solidFill>
+                  <a:schemeClr val="tx1"/>
+                </a:solidFill>
+                <a:latin typeface="+mn-lt"/>
+                <a:ea typeface="+mn-ea"/>
+                <a:cs typeface="+mn-cs"/>
+              </a:defRPr>
+            </a:lvl4pPr>
+            <a:lvl5pPr marL="1828800" algn="l" defTabSz="914400" rtl="0" eaLnBrk="1" latinLnBrk="0" hangingPunct="1">
+              <a:defRPr sz="1800" kern="1200">
+                <a:solidFill>
+                  <a:schemeClr val="tx1"/>
+                </a:solidFill>
+                <a:latin typeface="+mn-lt"/>
+                <a:ea typeface="+mn-ea"/>
+                <a:cs typeface="+mn-cs"/>
+              </a:defRPr>
+            </a:lvl5pPr>
+            <a:lvl6pPr marL="2286000" algn="l" defTabSz="914400" rtl="0" eaLnBrk="1" latinLnBrk="0" hangingPunct="1">
+              <a:defRPr sz="1800" kern="1200">
+                <a:solidFill>
+                  <a:schemeClr val="tx1"/>
+                </a:solidFill>
+                <a:latin typeface="+mn-lt"/>
+                <a:ea typeface="+mn-ea"/>
+                <a:cs typeface="+mn-cs"/>
+              </a:defRPr>
+            </a:lvl6pPr>
+            <a:lvl7pPr marL="2743200" algn="l" defTabSz="914400" rtl="0" eaLnBrk="1" latinLnBrk="0" hangingPunct="1">
+              <a:defRPr sz="1800" kern="1200">
+                <a:solidFill>
+                  <a:schemeClr val="tx1"/>
+                </a:solidFill>
+                <a:latin typeface="+mn-lt"/>
+                <a:ea typeface="+mn-ea"/>
+                <a:cs typeface="+mn-cs"/>
+              </a:defRPr>
+            </a:lvl7pPr>
+            <a:lvl8pPr marL="3200400" algn="l" defTabSz="914400" rtl="0" eaLnBrk="1" latinLnBrk="0" hangingPunct="1">
+              <a:defRPr sz="1800" kern="1200">
+                <a:solidFill>
+                  <a:schemeClr val="tx1"/>
+                </a:solidFill>
+                <a:latin typeface="+mn-lt"/>
+                <a:ea typeface="+mn-ea"/>
+                <a:cs typeface="+mn-cs"/>
+              </a:defRPr>
+            </a:lvl8pPr>
+            <a:lvl9pPr marL="3657600" algn="l" defTabSz="914400" rtl="0" eaLnBrk="1" latinLnBrk="0" hangingPunct="1">
+              <a:defRPr sz="1800" kern="1200">
+                <a:solidFill>
+                  <a:schemeClr val="tx1"/>
+                </a:solidFill>
+                <a:latin typeface="+mn-lt"/>
+                <a:ea typeface="+mn-ea"/>
+                <a:cs typeface="+mn-cs"/>
+              </a:defRPr>
+            </a:lvl9pPr>
+          </a:lstStyle>
+          <a:p>
+            <a:r>
+              <a:rPr lang="es-CO" sz="1400" dirty="0">
+                <a:latin typeface="CIBFont Sans Light" panose="020B0603020202020104" pitchFamily="34" charset="77"/>
+              </a:rPr>
+              <a:t>Creamos una API muy sencilla con Python y el </a:t>
+            </a:r>
+            <a:r>
+              <a:rPr lang="es-CO" sz="1400" dirty="0" err="1">
+                <a:latin typeface="CIBFont Sans Light" panose="020B0603020202020104" pitchFamily="34" charset="77"/>
+              </a:rPr>
+              <a:t>framework</a:t>
+            </a:r>
+            <a:r>
+              <a:rPr lang="es-CO" sz="1400" dirty="0">
+                <a:latin typeface="CIBFont Sans Light" panose="020B0603020202020104" pitchFamily="34" charset="77"/>
+              </a:rPr>
+              <a:t> </a:t>
+            </a:r>
+            <a:r>
+              <a:rPr lang="es-CO" sz="1400" dirty="0" err="1">
+                <a:latin typeface="CIBFont Sans Light" panose="020B0603020202020104" pitchFamily="34" charset="77"/>
+              </a:rPr>
+              <a:t>FastAPI</a:t>
+            </a:r>
+            <a:endParaRPr lang="es-CO" sz="1400" dirty="0">
+              <a:latin typeface="CIBFont Sans Light" panose="020B0603020202020104" pitchFamily="34" charset="77"/>
+            </a:endParaRPr>
+          </a:p>
+        </p:txBody>
+      </p:sp>
+      <p:sp>
+        <p:nvSpPr>
+          <p:cNvPr id="39" name="Marcador de texto 5">
+            <a:extLst>
+              <a:ext uri="{FF2B5EF4-FFF2-40B4-BE49-F238E27FC236}">
+                <a16:creationId xmlns:a16="http://schemas.microsoft.com/office/drawing/2014/main" id="{A6190A93-4C5E-6D4E-8979-013613A616D9}"/>
+              </a:ext>
+            </a:extLst>
+          </p:cNvPr>
+          <p:cNvSpPr txBox="1">
+            <a:spLocks/>
+          </p:cNvSpPr>
+          <p:nvPr/>
+        </p:nvSpPr>
+        <p:spPr>
+          <a:xfrm>
+            <a:off x="6344526" y="3152387"/>
+            <a:ext cx="5009271" cy="740549"/>
+          </a:xfrm>
+          <a:prstGeom prst="rect">
+            <a:avLst/>
+          </a:prstGeom>
+          <a:noFill/>
+        </p:spPr>
+        <p:txBody>
+          <a:bodyPr anchor="t"/>
+          <a:lstStyle>
+            <a:defPPr>
+              <a:defRPr lang="es-CO"/>
+            </a:defPPr>
+            <a:lvl1pPr marL="0" algn="l" defTabSz="914400" rtl="0" eaLnBrk="1" latinLnBrk="0" hangingPunct="1">
+              <a:defRPr lang="es-CO" sz="1100" kern="1200">
+                <a:solidFill>
+                  <a:srgbClr val="2C2A29"/>
+                </a:solidFill>
+                <a:latin typeface="CIBFont Sans Book" panose="020B0603020202020104" pitchFamily="34" charset="77"/>
+                <a:ea typeface="+mn-ea"/>
+                <a:cs typeface="+mn-cs"/>
+              </a:defRPr>
+            </a:lvl1pPr>
+            <a:lvl2pPr marL="457200" algn="l" defTabSz="914400" rtl="0" eaLnBrk="1" latinLnBrk="0" hangingPunct="1">
+              <a:defRPr sz="1800" kern="1200">
+                <a:solidFill>
+                  <a:schemeClr val="tx1"/>
+                </a:solidFill>
+                <a:latin typeface="+mn-lt"/>
+                <a:ea typeface="+mn-ea"/>
+                <a:cs typeface="+mn-cs"/>
+              </a:defRPr>
+            </a:lvl2pPr>
+            <a:lvl3pPr marL="914400" algn="l" defTabSz="914400" rtl="0" eaLnBrk="1" latinLnBrk="0" hangingPunct="1">
+              <a:defRPr sz="1800" kern="1200">
+                <a:solidFill>
+                  <a:schemeClr val="tx1"/>
+                </a:solidFill>
+                <a:latin typeface="+mn-lt"/>
+                <a:ea typeface="+mn-ea"/>
+                <a:cs typeface="+mn-cs"/>
+              </a:defRPr>
+            </a:lvl3pPr>
+            <a:lvl4pPr marL="1371600" algn="l" defTabSz="914400" rtl="0" eaLnBrk="1" latinLnBrk="0" hangingPunct="1">
+              <a:defRPr sz="1800" kern="1200">
+                <a:solidFill>
+                  <a:schemeClr val="tx1"/>
+                </a:solidFill>
+                <a:latin typeface="+mn-lt"/>
+                <a:ea typeface="+mn-ea"/>
+                <a:cs typeface="+mn-cs"/>
+              </a:defRPr>
+            </a:lvl4pPr>
+            <a:lvl5pPr marL="1828800" algn="l" defTabSz="914400" rtl="0" eaLnBrk="1" latinLnBrk="0" hangingPunct="1">
+              <a:defRPr sz="1800" kern="1200">
+                <a:solidFill>
+                  <a:schemeClr val="tx1"/>
+                </a:solidFill>
+                <a:latin typeface="+mn-lt"/>
+                <a:ea typeface="+mn-ea"/>
+                <a:cs typeface="+mn-cs"/>
+              </a:defRPr>
+            </a:lvl5pPr>
+            <a:lvl6pPr marL="2286000" algn="l" defTabSz="914400" rtl="0" eaLnBrk="1" latinLnBrk="0" hangingPunct="1">
+              <a:defRPr sz="1800" kern="1200">
+                <a:solidFill>
+                  <a:schemeClr val="tx1"/>
+                </a:solidFill>
+                <a:latin typeface="+mn-lt"/>
+                <a:ea typeface="+mn-ea"/>
+                <a:cs typeface="+mn-cs"/>
+              </a:defRPr>
+            </a:lvl6pPr>
+            <a:lvl7pPr marL="2743200" algn="l" defTabSz="914400" rtl="0" eaLnBrk="1" latinLnBrk="0" hangingPunct="1">
+              <a:defRPr sz="1800" kern="1200">
+                <a:solidFill>
+                  <a:schemeClr val="tx1"/>
+                </a:solidFill>
+                <a:latin typeface="+mn-lt"/>
+                <a:ea typeface="+mn-ea"/>
+                <a:cs typeface="+mn-cs"/>
+              </a:defRPr>
+            </a:lvl7pPr>
+            <a:lvl8pPr marL="3200400" algn="l" defTabSz="914400" rtl="0" eaLnBrk="1" latinLnBrk="0" hangingPunct="1">
+              <a:defRPr sz="1800" kern="1200">
+                <a:solidFill>
+                  <a:schemeClr val="tx1"/>
+                </a:solidFill>
+                <a:latin typeface="+mn-lt"/>
+                <a:ea typeface="+mn-ea"/>
+                <a:cs typeface="+mn-cs"/>
+              </a:defRPr>
+            </a:lvl8pPr>
+            <a:lvl9pPr marL="3657600" algn="l" defTabSz="914400" rtl="0" eaLnBrk="1" latinLnBrk="0" hangingPunct="1">
+              <a:defRPr sz="1800" kern="1200">
+                <a:solidFill>
+                  <a:schemeClr val="tx1"/>
+                </a:solidFill>
+                <a:latin typeface="+mn-lt"/>
+                <a:ea typeface="+mn-ea"/>
+                <a:cs typeface="+mn-cs"/>
+              </a:defRPr>
+            </a:lvl9pPr>
+          </a:lstStyle>
+          <a:p>
+            <a:r>
+              <a:rPr lang="es-CO" sz="1400" dirty="0">
+                <a:latin typeface="CIBFont Sans Light" panose="020B0603020202020104" pitchFamily="34" charset="77"/>
+              </a:rPr>
+              <a:t>Usamos una cuenta “gratuita” de AWS para crear una base de datos NoSQL </a:t>
+            </a:r>
+            <a:r>
+              <a:rPr lang="es-CO" sz="1400" dirty="0" err="1">
+                <a:latin typeface="CIBFont Sans Light" panose="020B0603020202020104" pitchFamily="34" charset="77"/>
+              </a:rPr>
+              <a:t>DynamoDB</a:t>
+            </a:r>
+            <a:r>
+              <a:rPr lang="es-CO" sz="1400" dirty="0">
+                <a:latin typeface="CIBFont Sans Light" panose="020B0603020202020104" pitchFamily="34" charset="77"/>
+              </a:rPr>
+              <a:t> y un servidor EC2 para desplegar lo que queramos ahí</a:t>
+            </a:r>
+          </a:p>
+        </p:txBody>
+      </p:sp>
+      <p:sp>
+        <p:nvSpPr>
+          <p:cNvPr id="47" name="Marcador de texto 5">
+            <a:extLst>
+              <a:ext uri="{FF2B5EF4-FFF2-40B4-BE49-F238E27FC236}">
+                <a16:creationId xmlns:a16="http://schemas.microsoft.com/office/drawing/2014/main" id="{58312F98-0CDE-FC4C-A7E2-9F8DAD7CB04B}"/>
+              </a:ext>
+            </a:extLst>
+          </p:cNvPr>
+          <p:cNvSpPr txBox="1">
+            <a:spLocks/>
+          </p:cNvSpPr>
+          <p:nvPr/>
+        </p:nvSpPr>
+        <p:spPr>
+          <a:xfrm>
+            <a:off x="6344528" y="4614542"/>
+            <a:ext cx="5009271" cy="861398"/>
+          </a:xfrm>
+          <a:prstGeom prst="rect">
+            <a:avLst/>
+          </a:prstGeom>
+          <a:noFill/>
+        </p:spPr>
+        <p:txBody>
+          <a:bodyPr anchor="t"/>
+          <a:lstStyle>
+            <a:defPPr>
+              <a:defRPr lang="es-CO"/>
+            </a:defPPr>
+            <a:lvl1pPr marL="0" algn="l" defTabSz="914400" rtl="0" eaLnBrk="1" latinLnBrk="0" hangingPunct="1">
+              <a:defRPr lang="es-CO" sz="1100" kern="1200">
+                <a:solidFill>
+                  <a:srgbClr val="2C2A29"/>
+                </a:solidFill>
+                <a:latin typeface="CIBFont Sans Book" panose="020B0603020202020104" pitchFamily="34" charset="77"/>
+                <a:ea typeface="+mn-ea"/>
+                <a:cs typeface="+mn-cs"/>
+              </a:defRPr>
+            </a:lvl1pPr>
+            <a:lvl2pPr marL="457200" algn="l" defTabSz="914400" rtl="0" eaLnBrk="1" latinLnBrk="0" hangingPunct="1">
+              <a:defRPr sz="1800" kern="1200">
+                <a:solidFill>
+                  <a:schemeClr val="tx1"/>
+                </a:solidFill>
+                <a:latin typeface="+mn-lt"/>
+                <a:ea typeface="+mn-ea"/>
+                <a:cs typeface="+mn-cs"/>
+              </a:defRPr>
+            </a:lvl2pPr>
+            <a:lvl3pPr marL="914400" algn="l" defTabSz="914400" rtl="0" eaLnBrk="1" latinLnBrk="0" hangingPunct="1">
+              <a:defRPr sz="1800" kern="1200">
+                <a:solidFill>
+                  <a:schemeClr val="tx1"/>
+                </a:solidFill>
+                <a:latin typeface="+mn-lt"/>
+                <a:ea typeface="+mn-ea"/>
+                <a:cs typeface="+mn-cs"/>
+              </a:defRPr>
+            </a:lvl3pPr>
+            <a:lvl4pPr marL="1371600" algn="l" defTabSz="914400" rtl="0" eaLnBrk="1" latinLnBrk="0" hangingPunct="1">
+              <a:defRPr sz="1800" kern="1200">
+                <a:solidFill>
+                  <a:schemeClr val="tx1"/>
+                </a:solidFill>
+                <a:latin typeface="+mn-lt"/>
+                <a:ea typeface="+mn-ea"/>
+                <a:cs typeface="+mn-cs"/>
+              </a:defRPr>
+            </a:lvl4pPr>
+            <a:lvl5pPr marL="1828800" algn="l" defTabSz="914400" rtl="0" eaLnBrk="1" latinLnBrk="0" hangingPunct="1">
+              <a:defRPr sz="1800" kern="1200">
+                <a:solidFill>
+                  <a:schemeClr val="tx1"/>
+                </a:solidFill>
+                <a:latin typeface="+mn-lt"/>
+                <a:ea typeface="+mn-ea"/>
+                <a:cs typeface="+mn-cs"/>
+              </a:defRPr>
+            </a:lvl5pPr>
+            <a:lvl6pPr marL="2286000" algn="l" defTabSz="914400" rtl="0" eaLnBrk="1" latinLnBrk="0" hangingPunct="1">
+              <a:defRPr sz="1800" kern="1200">
+                <a:solidFill>
+                  <a:schemeClr val="tx1"/>
+                </a:solidFill>
+                <a:latin typeface="+mn-lt"/>
+                <a:ea typeface="+mn-ea"/>
+                <a:cs typeface="+mn-cs"/>
+              </a:defRPr>
+            </a:lvl6pPr>
+            <a:lvl7pPr marL="2743200" algn="l" defTabSz="914400" rtl="0" eaLnBrk="1" latinLnBrk="0" hangingPunct="1">
+              <a:defRPr sz="1800" kern="1200">
+                <a:solidFill>
+                  <a:schemeClr val="tx1"/>
+                </a:solidFill>
+                <a:latin typeface="+mn-lt"/>
+                <a:ea typeface="+mn-ea"/>
+                <a:cs typeface="+mn-cs"/>
+              </a:defRPr>
+            </a:lvl7pPr>
+            <a:lvl8pPr marL="3200400" algn="l" defTabSz="914400" rtl="0" eaLnBrk="1" latinLnBrk="0" hangingPunct="1">
+              <a:defRPr sz="1800" kern="1200">
+                <a:solidFill>
+                  <a:schemeClr val="tx1"/>
+                </a:solidFill>
+                <a:latin typeface="+mn-lt"/>
+                <a:ea typeface="+mn-ea"/>
+                <a:cs typeface="+mn-cs"/>
+              </a:defRPr>
+            </a:lvl8pPr>
+            <a:lvl9pPr marL="3657600" algn="l" defTabSz="914400" rtl="0" eaLnBrk="1" latinLnBrk="0" hangingPunct="1">
+              <a:defRPr sz="1800" kern="1200">
+                <a:solidFill>
+                  <a:schemeClr val="tx1"/>
+                </a:solidFill>
+                <a:latin typeface="+mn-lt"/>
+                <a:ea typeface="+mn-ea"/>
+                <a:cs typeface="+mn-cs"/>
+              </a:defRPr>
+            </a:lvl9pPr>
+          </a:lstStyle>
+          <a:p>
+            <a:r>
+              <a:rPr lang="es-CO" sz="1400" dirty="0">
+                <a:latin typeface="CIBFont Sans Light" panose="020B0603020202020104" pitchFamily="34" charset="77"/>
+              </a:rPr>
+              <a:t>Desplegamos una API en el EC2 mediante Docker para </a:t>
+            </a:r>
+            <a:r>
+              <a:rPr lang="es-CO" sz="1400" dirty="0" err="1">
+                <a:latin typeface="CIBFont Sans Light" panose="020B0603020202020104" pitchFamily="34" charset="77"/>
+              </a:rPr>
+              <a:t>disponibilizarla</a:t>
+            </a:r>
+            <a:r>
+              <a:rPr lang="es-CO" sz="1400" dirty="0">
+                <a:latin typeface="CIBFont Sans Light" panose="020B0603020202020104" pitchFamily="34" charset="77"/>
+              </a:rPr>
+              <a:t> en internet y que se pueda consumir desde cualquier parte</a:t>
+            </a:r>
+          </a:p>
+        </p:txBody>
+      </p:sp>
+      <p:sp>
+        <p:nvSpPr>
+          <p:cNvPr id="11" name="Marcador de texto 6">
+            <a:extLst>
+              <a:ext uri="{FF2B5EF4-FFF2-40B4-BE49-F238E27FC236}">
+                <a16:creationId xmlns:a16="http://schemas.microsoft.com/office/drawing/2014/main" id="{46A26600-C063-AC46-8407-1FC4B0214BB2}"/>
+              </a:ext>
+            </a:extLst>
+          </p:cNvPr>
+          <p:cNvSpPr txBox="1">
+            <a:spLocks/>
+          </p:cNvSpPr>
+          <p:nvPr/>
+        </p:nvSpPr>
+        <p:spPr>
+          <a:xfrm>
+            <a:off x="838201" y="1546749"/>
+            <a:ext cx="3922084" cy="2645288"/>
+          </a:xfrm>
+          <a:prstGeom prst="rect">
+            <a:avLst/>
+          </a:prstGeom>
+          <a:effectLst>
+            <a:outerShdw blurRad="304800" dir="2700000" sx="110000" sy="110000" algn="tl" rotWithShape="0">
+              <a:prstClr val="black">
+                <a:alpha val="40000"/>
+              </a:prstClr>
+            </a:outerShdw>
+          </a:effectLst>
+        </p:spPr>
+        <p:txBody>
+          <a:bodyPr/>
+          <a:lstStyle>
+            <a:lvl1pPr marL="228600" indent="-228600" algn="l" defTabSz="914400" rtl="0" eaLnBrk="1" latinLnBrk="0" hangingPunct="1">
+              <a:lnSpc>
+                <a:spcPct val="90000"/>
+              </a:lnSpc>
+              <a:spcBef>
+                <a:spcPts val="1000"/>
+              </a:spcBef>
+              <a:buFont typeface="Arial" panose="020B0604020202020204" pitchFamily="34" charset="0"/>
+              <a:buChar char="•"/>
+              <a:defRPr sz="2800" kern="1200">
+                <a:solidFill>
+                  <a:schemeClr val="tx1"/>
+                </a:solidFill>
+                <a:latin typeface="+mn-lt"/>
+                <a:ea typeface="+mn-ea"/>
+                <a:cs typeface="+mn-cs"/>
+              </a:defRPr>
+            </a:lvl1pPr>
+            <a:lvl2pPr marL="685800" indent="-228600" algn="l" defTabSz="914400" rtl="0" eaLnBrk="1" latinLnBrk="0" hangingPunct="1">
+              <a:lnSpc>
+                <a:spcPct val="90000"/>
+              </a:lnSpc>
+              <a:spcBef>
+                <a:spcPts val="500"/>
+              </a:spcBef>
+              <a:buFont typeface="Arial" panose="020B0604020202020204" pitchFamily="34" charset="0"/>
+              <a:buChar char="•"/>
+              <a:defRPr sz="2400" kern="1200">
+                <a:solidFill>
+                  <a:schemeClr val="tx1"/>
+                </a:solidFill>
+                <a:latin typeface="+mn-lt"/>
+                <a:ea typeface="+mn-ea"/>
+                <a:cs typeface="+mn-cs"/>
+              </a:defRPr>
+            </a:lvl2pPr>
+            <a:lvl3pPr marL="1143000" indent="-228600" algn="l" defTabSz="914400" rtl="0" eaLnBrk="1" latinLnBrk="0" hangingPunct="1">
+              <a:lnSpc>
+                <a:spcPct val="90000"/>
+              </a:lnSpc>
+              <a:spcBef>
+                <a:spcPts val="500"/>
+              </a:spcBef>
+              <a:buFont typeface="Arial" panose="020B0604020202020204" pitchFamily="34" charset="0"/>
+              <a:buChar char="•"/>
+              <a:defRPr sz="2000" kern="1200">
+                <a:solidFill>
+                  <a:schemeClr val="tx1"/>
+                </a:solidFill>
+                <a:latin typeface="+mn-lt"/>
+                <a:ea typeface="+mn-ea"/>
+                <a:cs typeface="+mn-cs"/>
+              </a:defRPr>
+            </a:lvl3pPr>
+            <a:lvl4pPr marL="1600200" indent="-228600" algn="l" defTabSz="914400" rtl="0" eaLnBrk="1" latinLnBrk="0" hangingPunct="1">
+              <a:lnSpc>
+                <a:spcPct val="90000"/>
+              </a:lnSpc>
+              <a:spcBef>
+                <a:spcPts val="500"/>
+              </a:spcBef>
+              <a:buFont typeface="Arial" panose="020B0604020202020204" pitchFamily="34" charset="0"/>
+              <a:buChar char="•"/>
+              <a:defRPr sz="1800" kern="1200">
+                <a:solidFill>
+                  <a:schemeClr val="tx1"/>
+                </a:solidFill>
+                <a:latin typeface="+mn-lt"/>
+                <a:ea typeface="+mn-ea"/>
+                <a:cs typeface="+mn-cs"/>
+              </a:defRPr>
+            </a:lvl4pPr>
+            <a:lvl5pPr marL="2057400" indent="-228600" algn="l" defTabSz="914400" rtl="0" eaLnBrk="1" latinLnBrk="0" hangingPunct="1">
+              <a:lnSpc>
+                <a:spcPct val="90000"/>
+              </a:lnSpc>
+              <a:spcBef>
+                <a:spcPts val="500"/>
+              </a:spcBef>
+              <a:buFont typeface="Arial" panose="020B0604020202020204" pitchFamily="34" charset="0"/>
+              <a:buChar char="•"/>
+              <a:defRPr sz="1800" kern="1200">
+                <a:solidFill>
+                  <a:schemeClr val="tx1"/>
+                </a:solidFill>
+                <a:latin typeface="+mn-lt"/>
+                <a:ea typeface="+mn-ea"/>
+                <a:cs typeface="+mn-cs"/>
+              </a:defRPr>
+            </a:lvl5pPr>
+            <a:lvl6pPr marL="2514600" indent="-228600" algn="l" defTabSz="914400" rtl="0" eaLnBrk="1" latinLnBrk="0" hangingPunct="1">
+              <a:lnSpc>
+                <a:spcPct val="90000"/>
+              </a:lnSpc>
+              <a:spcBef>
+                <a:spcPts val="500"/>
+              </a:spcBef>
+              <a:buFont typeface="Arial" panose="020B0604020202020204" pitchFamily="34" charset="0"/>
+              <a:buChar char="•"/>
+              <a:defRPr sz="1800" kern="1200">
+                <a:solidFill>
+                  <a:schemeClr val="tx1"/>
+                </a:solidFill>
+                <a:latin typeface="+mn-lt"/>
+                <a:ea typeface="+mn-ea"/>
+                <a:cs typeface="+mn-cs"/>
+              </a:defRPr>
+            </a:lvl6pPr>
+            <a:lvl7pPr marL="2971800" indent="-228600" algn="l" defTabSz="914400" rtl="0" eaLnBrk="1" latinLnBrk="0" hangingPunct="1">
+              <a:lnSpc>
+                <a:spcPct val="90000"/>
+              </a:lnSpc>
+              <a:spcBef>
+                <a:spcPts val="500"/>
+              </a:spcBef>
+              <a:buFont typeface="Arial" panose="020B0604020202020204" pitchFamily="34" charset="0"/>
+              <a:buChar char="•"/>
+              <a:defRPr sz="1800" kern="1200">
+                <a:solidFill>
+                  <a:schemeClr val="tx1"/>
+                </a:solidFill>
+                <a:latin typeface="+mn-lt"/>
+                <a:ea typeface="+mn-ea"/>
+                <a:cs typeface="+mn-cs"/>
+              </a:defRPr>
+            </a:lvl7pPr>
+            <a:lvl8pPr marL="3429000" indent="-228600" algn="l" defTabSz="914400" rtl="0" eaLnBrk="1" latinLnBrk="0" hangingPunct="1">
+              <a:lnSpc>
+                <a:spcPct val="90000"/>
+              </a:lnSpc>
+              <a:spcBef>
+                <a:spcPts val="500"/>
+              </a:spcBef>
+              <a:buFont typeface="Arial" panose="020B0604020202020204" pitchFamily="34" charset="0"/>
+              <a:buChar char="•"/>
+              <a:defRPr sz="1800" kern="1200">
+                <a:solidFill>
+                  <a:schemeClr val="tx1"/>
+                </a:solidFill>
+                <a:latin typeface="+mn-lt"/>
+                <a:ea typeface="+mn-ea"/>
+                <a:cs typeface="+mn-cs"/>
+              </a:defRPr>
+            </a:lvl8pPr>
+            <a:lvl9pPr marL="3886200" indent="-228600" algn="l" defTabSz="914400" rtl="0" eaLnBrk="1" latinLnBrk="0" hangingPunct="1">
+              <a:lnSpc>
+                <a:spcPct val="90000"/>
+              </a:lnSpc>
+              <a:spcBef>
+                <a:spcPts val="500"/>
+              </a:spcBef>
+              <a:buFont typeface="Arial" panose="020B0604020202020204" pitchFamily="34" charset="0"/>
+              <a:buChar char="•"/>
+              <a:defRPr sz="1800" kern="1200">
+                <a:solidFill>
+                  <a:schemeClr val="tx1"/>
+                </a:solidFill>
+                <a:latin typeface="+mn-lt"/>
+                <a:ea typeface="+mn-ea"/>
+                <a:cs typeface="+mn-cs"/>
+              </a:defRPr>
+            </a:lvl9pPr>
+          </a:lstStyle>
+          <a:p>
+            <a:pPr marL="0" indent="0">
+              <a:lnSpc>
+                <a:spcPct val="80000"/>
+              </a:lnSpc>
+              <a:buNone/>
+            </a:pPr>
+            <a:r>
+              <a:rPr lang="es-CO" sz="4800" b="1" dirty="0">
+                <a:solidFill>
+                  <a:srgbClr val="2C2A29"/>
+                </a:solidFill>
+                <a:latin typeface="CIBFont Sans" panose="020B0603020202020104" pitchFamily="34" charset="77"/>
+              </a:rPr>
+              <a:t>¿Qué aprendimos?</a:t>
+            </a:r>
+          </a:p>
+        </p:txBody>
+      </p:sp>
+      <p:sp>
+        <p:nvSpPr>
+          <p:cNvPr id="14" name="Marcador de texto 6">
+            <a:extLst>
+              <a:ext uri="{FF2B5EF4-FFF2-40B4-BE49-F238E27FC236}">
+                <a16:creationId xmlns:a16="http://schemas.microsoft.com/office/drawing/2014/main" id="{C98FFB53-46AC-3841-802D-AF6BDA31BCF9}"/>
+              </a:ext>
+            </a:extLst>
+          </p:cNvPr>
+          <p:cNvSpPr txBox="1">
+            <a:spLocks/>
+          </p:cNvSpPr>
+          <p:nvPr/>
+        </p:nvSpPr>
+        <p:spPr>
+          <a:xfrm>
+            <a:off x="5604653" y="1512608"/>
+            <a:ext cx="680883" cy="943148"/>
+          </a:xfrm>
+          <a:prstGeom prst="rect">
+            <a:avLst/>
+          </a:prstGeom>
+          <a:effectLst>
+            <a:outerShdw blurRad="304800" dir="2700000" sx="110000" sy="110000" algn="tl" rotWithShape="0">
+              <a:prstClr val="black">
+                <a:alpha val="40000"/>
+              </a:prstClr>
+            </a:outerShdw>
+          </a:effectLst>
+        </p:spPr>
+        <p:txBody>
+          <a:bodyPr/>
+          <a:lstStyle>
+            <a:lvl1pPr marL="228600" indent="-228600" algn="l" defTabSz="914400" rtl="0" eaLnBrk="1" latinLnBrk="0" hangingPunct="1">
+              <a:lnSpc>
+                <a:spcPct val="90000"/>
+              </a:lnSpc>
+              <a:spcBef>
+                <a:spcPts val="1000"/>
+              </a:spcBef>
+              <a:buFont typeface="Arial" panose="020B0604020202020204" pitchFamily="34" charset="0"/>
+              <a:buChar char="•"/>
+              <a:defRPr sz="2800" kern="1200">
+                <a:solidFill>
+                  <a:schemeClr val="tx1"/>
+                </a:solidFill>
+                <a:latin typeface="+mn-lt"/>
+                <a:ea typeface="+mn-ea"/>
+                <a:cs typeface="+mn-cs"/>
+              </a:defRPr>
+            </a:lvl1pPr>
+            <a:lvl2pPr marL="685800" indent="-228600" algn="l" defTabSz="914400" rtl="0" eaLnBrk="1" latinLnBrk="0" hangingPunct="1">
+              <a:lnSpc>
+                <a:spcPct val="90000"/>
+              </a:lnSpc>
+              <a:spcBef>
+                <a:spcPts val="500"/>
+              </a:spcBef>
+              <a:buFont typeface="Arial" panose="020B0604020202020204" pitchFamily="34" charset="0"/>
+              <a:buChar char="•"/>
+              <a:defRPr sz="2400" kern="1200">
+                <a:solidFill>
+                  <a:schemeClr val="tx1"/>
+                </a:solidFill>
+                <a:latin typeface="+mn-lt"/>
+                <a:ea typeface="+mn-ea"/>
+                <a:cs typeface="+mn-cs"/>
+              </a:defRPr>
+            </a:lvl2pPr>
+            <a:lvl3pPr marL="1143000" indent="-228600" algn="l" defTabSz="914400" rtl="0" eaLnBrk="1" latinLnBrk="0" hangingPunct="1">
+              <a:lnSpc>
+                <a:spcPct val="90000"/>
+              </a:lnSpc>
+              <a:spcBef>
+                <a:spcPts val="500"/>
+              </a:spcBef>
+              <a:buFont typeface="Arial" panose="020B0604020202020204" pitchFamily="34" charset="0"/>
+              <a:buChar char="•"/>
+              <a:defRPr sz="2000" kern="1200">
+                <a:solidFill>
+                  <a:schemeClr val="tx1"/>
+                </a:solidFill>
+                <a:latin typeface="+mn-lt"/>
+                <a:ea typeface="+mn-ea"/>
+                <a:cs typeface="+mn-cs"/>
+              </a:defRPr>
+            </a:lvl3pPr>
+            <a:lvl4pPr marL="1600200" indent="-228600" algn="l" defTabSz="914400" rtl="0" eaLnBrk="1" latinLnBrk="0" hangingPunct="1">
+              <a:lnSpc>
+                <a:spcPct val="90000"/>
+              </a:lnSpc>
+              <a:spcBef>
+                <a:spcPts val="500"/>
+              </a:spcBef>
+              <a:buFont typeface="Arial" panose="020B0604020202020204" pitchFamily="34" charset="0"/>
+              <a:buChar char="•"/>
+              <a:defRPr sz="1800" kern="1200">
+                <a:solidFill>
+                  <a:schemeClr val="tx1"/>
+                </a:solidFill>
+                <a:latin typeface="+mn-lt"/>
+                <a:ea typeface="+mn-ea"/>
+                <a:cs typeface="+mn-cs"/>
+              </a:defRPr>
+            </a:lvl4pPr>
+            <a:lvl5pPr marL="2057400" indent="-228600" algn="l" defTabSz="914400" rtl="0" eaLnBrk="1" latinLnBrk="0" hangingPunct="1">
+              <a:lnSpc>
+                <a:spcPct val="90000"/>
+              </a:lnSpc>
+              <a:spcBef>
+                <a:spcPts val="500"/>
+              </a:spcBef>
+              <a:buFont typeface="Arial" panose="020B0604020202020204" pitchFamily="34" charset="0"/>
+              <a:buChar char="•"/>
+              <a:defRPr sz="1800" kern="1200">
+                <a:solidFill>
+                  <a:schemeClr val="tx1"/>
+                </a:solidFill>
+                <a:latin typeface="+mn-lt"/>
+                <a:ea typeface="+mn-ea"/>
+                <a:cs typeface="+mn-cs"/>
+              </a:defRPr>
+            </a:lvl5pPr>
+            <a:lvl6pPr marL="2514600" indent="-228600" algn="l" defTabSz="914400" rtl="0" eaLnBrk="1" latinLnBrk="0" hangingPunct="1">
+              <a:lnSpc>
+                <a:spcPct val="90000"/>
+              </a:lnSpc>
+              <a:spcBef>
+                <a:spcPts val="500"/>
+              </a:spcBef>
+              <a:buFont typeface="Arial" panose="020B0604020202020204" pitchFamily="34" charset="0"/>
+              <a:buChar char="•"/>
+              <a:defRPr sz="1800" kern="1200">
+                <a:solidFill>
+                  <a:schemeClr val="tx1"/>
+                </a:solidFill>
+                <a:latin typeface="+mn-lt"/>
+                <a:ea typeface="+mn-ea"/>
+                <a:cs typeface="+mn-cs"/>
+              </a:defRPr>
+            </a:lvl6pPr>
+            <a:lvl7pPr marL="2971800" indent="-228600" algn="l" defTabSz="914400" rtl="0" eaLnBrk="1" latinLnBrk="0" hangingPunct="1">
+              <a:lnSpc>
+                <a:spcPct val="90000"/>
+              </a:lnSpc>
+              <a:spcBef>
+                <a:spcPts val="500"/>
+              </a:spcBef>
+              <a:buFont typeface="Arial" panose="020B0604020202020204" pitchFamily="34" charset="0"/>
+              <a:buChar char="•"/>
+              <a:defRPr sz="1800" kern="1200">
+                <a:solidFill>
+                  <a:schemeClr val="tx1"/>
+                </a:solidFill>
+                <a:latin typeface="+mn-lt"/>
+                <a:ea typeface="+mn-ea"/>
+                <a:cs typeface="+mn-cs"/>
+              </a:defRPr>
+            </a:lvl7pPr>
+            <a:lvl8pPr marL="3429000" indent="-228600" algn="l" defTabSz="914400" rtl="0" eaLnBrk="1" latinLnBrk="0" hangingPunct="1">
+              <a:lnSpc>
+                <a:spcPct val="90000"/>
+              </a:lnSpc>
+              <a:spcBef>
+                <a:spcPts val="500"/>
+              </a:spcBef>
+              <a:buFont typeface="Arial" panose="020B0604020202020204" pitchFamily="34" charset="0"/>
+              <a:buChar char="•"/>
+              <a:defRPr sz="1800" kern="1200">
+                <a:solidFill>
+                  <a:schemeClr val="tx1"/>
+                </a:solidFill>
+                <a:latin typeface="+mn-lt"/>
+                <a:ea typeface="+mn-ea"/>
+                <a:cs typeface="+mn-cs"/>
+              </a:defRPr>
+            </a:lvl8pPr>
+            <a:lvl9pPr marL="3886200" indent="-228600" algn="l" defTabSz="914400" rtl="0" eaLnBrk="1" latinLnBrk="0" hangingPunct="1">
+              <a:lnSpc>
+                <a:spcPct val="90000"/>
+              </a:lnSpc>
+              <a:spcBef>
+                <a:spcPts val="500"/>
+              </a:spcBef>
+              <a:buFont typeface="Arial" panose="020B0604020202020204" pitchFamily="34" charset="0"/>
+              <a:buChar char="•"/>
+              <a:defRPr sz="1800" kern="1200">
+                <a:solidFill>
+                  <a:schemeClr val="tx1"/>
+                </a:solidFill>
+                <a:latin typeface="+mn-lt"/>
+                <a:ea typeface="+mn-ea"/>
+                <a:cs typeface="+mn-cs"/>
+              </a:defRPr>
+            </a:lvl9pPr>
+          </a:lstStyle>
+          <a:p>
+            <a:pPr marL="0" indent="0">
+              <a:lnSpc>
+                <a:spcPct val="80000"/>
+              </a:lnSpc>
+              <a:buNone/>
+            </a:pPr>
+            <a:r>
+              <a:rPr lang="es-CO" sz="5400">
+                <a:solidFill>
+                  <a:srgbClr val="2C2A29"/>
+                </a:solidFill>
+                <a:latin typeface="CIBFont Sans" panose="020B0603020202020104" pitchFamily="34" charset="77"/>
+              </a:rPr>
+              <a:t>1</a:t>
+            </a:r>
+          </a:p>
+        </p:txBody>
+      </p:sp>
+      <p:sp>
+        <p:nvSpPr>
+          <p:cNvPr id="16" name="Marcador de texto 6">
+            <a:extLst>
+              <a:ext uri="{FF2B5EF4-FFF2-40B4-BE49-F238E27FC236}">
+                <a16:creationId xmlns:a16="http://schemas.microsoft.com/office/drawing/2014/main" id="{965F4910-8317-2249-8F32-6222C7A51FBA}"/>
+              </a:ext>
+            </a:extLst>
+          </p:cNvPr>
+          <p:cNvSpPr txBox="1">
+            <a:spLocks/>
+          </p:cNvSpPr>
+          <p:nvPr/>
+        </p:nvSpPr>
+        <p:spPr>
+          <a:xfrm>
+            <a:off x="5604653" y="3197653"/>
+            <a:ext cx="680883" cy="943148"/>
+          </a:xfrm>
+          <a:prstGeom prst="rect">
+            <a:avLst/>
+          </a:prstGeom>
+          <a:effectLst>
+            <a:outerShdw blurRad="304800" dir="2700000" sx="110000" sy="110000" algn="tl" rotWithShape="0">
+              <a:prstClr val="black">
+                <a:alpha val="40000"/>
+              </a:prstClr>
+            </a:outerShdw>
+          </a:effectLst>
+        </p:spPr>
+        <p:txBody>
+          <a:bodyPr/>
+          <a:lstStyle>
+            <a:lvl1pPr marL="228600" indent="-228600" algn="l" defTabSz="914400" rtl="0" eaLnBrk="1" latinLnBrk="0" hangingPunct="1">
+              <a:lnSpc>
+                <a:spcPct val="90000"/>
+              </a:lnSpc>
+              <a:spcBef>
+                <a:spcPts val="1000"/>
+              </a:spcBef>
+              <a:buFont typeface="Arial" panose="020B0604020202020204" pitchFamily="34" charset="0"/>
+              <a:buChar char="•"/>
+              <a:defRPr sz="2800" kern="1200">
+                <a:solidFill>
+                  <a:schemeClr val="tx1"/>
+                </a:solidFill>
+                <a:latin typeface="+mn-lt"/>
+                <a:ea typeface="+mn-ea"/>
+                <a:cs typeface="+mn-cs"/>
+              </a:defRPr>
+            </a:lvl1pPr>
+            <a:lvl2pPr marL="685800" indent="-228600" algn="l" defTabSz="914400" rtl="0" eaLnBrk="1" latinLnBrk="0" hangingPunct="1">
+              <a:lnSpc>
+                <a:spcPct val="90000"/>
+              </a:lnSpc>
+              <a:spcBef>
+                <a:spcPts val="500"/>
+              </a:spcBef>
+              <a:buFont typeface="Arial" panose="020B0604020202020204" pitchFamily="34" charset="0"/>
+              <a:buChar char="•"/>
+              <a:defRPr sz="2400" kern="1200">
+                <a:solidFill>
+                  <a:schemeClr val="tx1"/>
+                </a:solidFill>
+                <a:latin typeface="+mn-lt"/>
+                <a:ea typeface="+mn-ea"/>
+                <a:cs typeface="+mn-cs"/>
+              </a:defRPr>
+            </a:lvl2pPr>
+            <a:lvl3pPr marL="1143000" indent="-228600" algn="l" defTabSz="914400" rtl="0" eaLnBrk="1" latinLnBrk="0" hangingPunct="1">
+              <a:lnSpc>
+                <a:spcPct val="90000"/>
+              </a:lnSpc>
+              <a:spcBef>
+                <a:spcPts val="500"/>
+              </a:spcBef>
+              <a:buFont typeface="Arial" panose="020B0604020202020204" pitchFamily="34" charset="0"/>
+              <a:buChar char="•"/>
+              <a:defRPr sz="2000" kern="1200">
+                <a:solidFill>
+                  <a:schemeClr val="tx1"/>
+                </a:solidFill>
+                <a:latin typeface="+mn-lt"/>
+                <a:ea typeface="+mn-ea"/>
+                <a:cs typeface="+mn-cs"/>
+              </a:defRPr>
+            </a:lvl3pPr>
+            <a:lvl4pPr marL="1600200" indent="-228600" algn="l" defTabSz="914400" rtl="0" eaLnBrk="1" latinLnBrk="0" hangingPunct="1">
+              <a:lnSpc>
+                <a:spcPct val="90000"/>
+              </a:lnSpc>
+              <a:spcBef>
+                <a:spcPts val="500"/>
+              </a:spcBef>
+              <a:buFont typeface="Arial" panose="020B0604020202020204" pitchFamily="34" charset="0"/>
+              <a:buChar char="•"/>
+              <a:defRPr sz="1800" kern="1200">
+                <a:solidFill>
+                  <a:schemeClr val="tx1"/>
+                </a:solidFill>
+                <a:latin typeface="+mn-lt"/>
+                <a:ea typeface="+mn-ea"/>
+                <a:cs typeface="+mn-cs"/>
+              </a:defRPr>
+            </a:lvl4pPr>
+            <a:lvl5pPr marL="2057400" indent="-228600" algn="l" defTabSz="914400" rtl="0" eaLnBrk="1" latinLnBrk="0" hangingPunct="1">
+              <a:lnSpc>
+                <a:spcPct val="90000"/>
+              </a:lnSpc>
+              <a:spcBef>
+                <a:spcPts val="500"/>
+              </a:spcBef>
+              <a:buFont typeface="Arial" panose="020B0604020202020204" pitchFamily="34" charset="0"/>
+              <a:buChar char="•"/>
+              <a:defRPr sz="1800" kern="1200">
+                <a:solidFill>
+                  <a:schemeClr val="tx1"/>
+                </a:solidFill>
+                <a:latin typeface="+mn-lt"/>
+                <a:ea typeface="+mn-ea"/>
+                <a:cs typeface="+mn-cs"/>
+              </a:defRPr>
+            </a:lvl5pPr>
+            <a:lvl6pPr marL="2514600" indent="-228600" algn="l" defTabSz="914400" rtl="0" eaLnBrk="1" latinLnBrk="0" hangingPunct="1">
+              <a:lnSpc>
+                <a:spcPct val="90000"/>
+              </a:lnSpc>
+              <a:spcBef>
+                <a:spcPts val="500"/>
+              </a:spcBef>
+              <a:buFont typeface="Arial" panose="020B0604020202020204" pitchFamily="34" charset="0"/>
+              <a:buChar char="•"/>
+              <a:defRPr sz="1800" kern="1200">
+                <a:solidFill>
+                  <a:schemeClr val="tx1"/>
+                </a:solidFill>
+                <a:latin typeface="+mn-lt"/>
+                <a:ea typeface="+mn-ea"/>
+                <a:cs typeface="+mn-cs"/>
+              </a:defRPr>
+            </a:lvl6pPr>
+            <a:lvl7pPr marL="2971800" indent="-228600" algn="l" defTabSz="914400" rtl="0" eaLnBrk="1" latinLnBrk="0" hangingPunct="1">
+              <a:lnSpc>
+                <a:spcPct val="90000"/>
+              </a:lnSpc>
+              <a:spcBef>
+                <a:spcPts val="500"/>
+              </a:spcBef>
+              <a:buFont typeface="Arial" panose="020B0604020202020204" pitchFamily="34" charset="0"/>
+              <a:buChar char="•"/>
+              <a:defRPr sz="1800" kern="1200">
+                <a:solidFill>
+                  <a:schemeClr val="tx1"/>
+                </a:solidFill>
+                <a:latin typeface="+mn-lt"/>
+                <a:ea typeface="+mn-ea"/>
+                <a:cs typeface="+mn-cs"/>
+              </a:defRPr>
+            </a:lvl7pPr>
+            <a:lvl8pPr marL="3429000" indent="-228600" algn="l" defTabSz="914400" rtl="0" eaLnBrk="1" latinLnBrk="0" hangingPunct="1">
+              <a:lnSpc>
+                <a:spcPct val="90000"/>
+              </a:lnSpc>
+              <a:spcBef>
+                <a:spcPts val="500"/>
+              </a:spcBef>
+              <a:buFont typeface="Arial" panose="020B0604020202020204" pitchFamily="34" charset="0"/>
+              <a:buChar char="•"/>
+              <a:defRPr sz="1800" kern="1200">
+                <a:solidFill>
+                  <a:schemeClr val="tx1"/>
+                </a:solidFill>
+                <a:latin typeface="+mn-lt"/>
+                <a:ea typeface="+mn-ea"/>
+                <a:cs typeface="+mn-cs"/>
+              </a:defRPr>
+            </a:lvl8pPr>
+            <a:lvl9pPr marL="3886200" indent="-228600" algn="l" defTabSz="914400" rtl="0" eaLnBrk="1" latinLnBrk="0" hangingPunct="1">
+              <a:lnSpc>
+                <a:spcPct val="90000"/>
+              </a:lnSpc>
+              <a:spcBef>
+                <a:spcPts val="500"/>
+              </a:spcBef>
+              <a:buFont typeface="Arial" panose="020B0604020202020204" pitchFamily="34" charset="0"/>
+              <a:buChar char="•"/>
+              <a:defRPr sz="1800" kern="1200">
+                <a:solidFill>
+                  <a:schemeClr val="tx1"/>
+                </a:solidFill>
+                <a:latin typeface="+mn-lt"/>
+                <a:ea typeface="+mn-ea"/>
+                <a:cs typeface="+mn-cs"/>
+              </a:defRPr>
+            </a:lvl9pPr>
+          </a:lstStyle>
+          <a:p>
+            <a:pPr marL="0" indent="0">
+              <a:lnSpc>
+                <a:spcPct val="80000"/>
+              </a:lnSpc>
+              <a:buNone/>
+            </a:pPr>
+            <a:r>
+              <a:rPr lang="es-CO" sz="5400">
+                <a:solidFill>
+                  <a:srgbClr val="2C2A29"/>
+                </a:solidFill>
+                <a:latin typeface="CIBFont Sans" panose="020B0603020202020104" pitchFamily="34" charset="77"/>
+              </a:rPr>
+              <a:t>2</a:t>
+            </a:r>
+          </a:p>
+        </p:txBody>
+      </p:sp>
+      <p:sp>
+        <p:nvSpPr>
+          <p:cNvPr id="17" name="Marcador de texto 6">
+            <a:extLst>
+              <a:ext uri="{FF2B5EF4-FFF2-40B4-BE49-F238E27FC236}">
+                <a16:creationId xmlns:a16="http://schemas.microsoft.com/office/drawing/2014/main" id="{E94527E2-A5B2-074A-A927-52FF923484A3}"/>
+              </a:ext>
+            </a:extLst>
+          </p:cNvPr>
+          <p:cNvSpPr txBox="1">
+            <a:spLocks/>
+          </p:cNvSpPr>
+          <p:nvPr/>
+        </p:nvSpPr>
+        <p:spPr>
+          <a:xfrm>
+            <a:off x="5604653" y="4659607"/>
+            <a:ext cx="680883" cy="943148"/>
+          </a:xfrm>
+          <a:prstGeom prst="rect">
+            <a:avLst/>
+          </a:prstGeom>
+          <a:effectLst>
+            <a:outerShdw blurRad="304800" dir="2700000" sx="110000" sy="110000" algn="tl" rotWithShape="0">
+              <a:prstClr val="black">
+                <a:alpha val="40000"/>
+              </a:prstClr>
+            </a:outerShdw>
+          </a:effectLst>
+        </p:spPr>
+        <p:txBody>
+          <a:bodyPr/>
+          <a:lstStyle>
+            <a:lvl1pPr marL="228600" indent="-228600" algn="l" defTabSz="914400" rtl="0" eaLnBrk="1" latinLnBrk="0" hangingPunct="1">
+              <a:lnSpc>
+                <a:spcPct val="90000"/>
+              </a:lnSpc>
+              <a:spcBef>
+                <a:spcPts val="1000"/>
+              </a:spcBef>
+              <a:buFont typeface="Arial" panose="020B0604020202020204" pitchFamily="34" charset="0"/>
+              <a:buChar char="•"/>
+              <a:defRPr sz="2800" kern="1200">
+                <a:solidFill>
+                  <a:schemeClr val="tx1"/>
+                </a:solidFill>
+                <a:latin typeface="+mn-lt"/>
+                <a:ea typeface="+mn-ea"/>
+                <a:cs typeface="+mn-cs"/>
+              </a:defRPr>
+            </a:lvl1pPr>
+            <a:lvl2pPr marL="685800" indent="-228600" algn="l" defTabSz="914400" rtl="0" eaLnBrk="1" latinLnBrk="0" hangingPunct="1">
+              <a:lnSpc>
+                <a:spcPct val="90000"/>
+              </a:lnSpc>
+              <a:spcBef>
+                <a:spcPts val="500"/>
+              </a:spcBef>
+              <a:buFont typeface="Arial" panose="020B0604020202020204" pitchFamily="34" charset="0"/>
+              <a:buChar char="•"/>
+              <a:defRPr sz="2400" kern="1200">
+                <a:solidFill>
+                  <a:schemeClr val="tx1"/>
+                </a:solidFill>
+                <a:latin typeface="+mn-lt"/>
+                <a:ea typeface="+mn-ea"/>
+                <a:cs typeface="+mn-cs"/>
+              </a:defRPr>
+            </a:lvl2pPr>
+            <a:lvl3pPr marL="1143000" indent="-228600" algn="l" defTabSz="914400" rtl="0" eaLnBrk="1" latinLnBrk="0" hangingPunct="1">
+              <a:lnSpc>
+                <a:spcPct val="90000"/>
+              </a:lnSpc>
+              <a:spcBef>
+                <a:spcPts val="500"/>
+              </a:spcBef>
+              <a:buFont typeface="Arial" panose="020B0604020202020204" pitchFamily="34" charset="0"/>
+              <a:buChar char="•"/>
+              <a:defRPr sz="2000" kern="1200">
+                <a:solidFill>
+                  <a:schemeClr val="tx1"/>
+                </a:solidFill>
+                <a:latin typeface="+mn-lt"/>
+                <a:ea typeface="+mn-ea"/>
+                <a:cs typeface="+mn-cs"/>
+              </a:defRPr>
+            </a:lvl3pPr>
+            <a:lvl4pPr marL="1600200" indent="-228600" algn="l" defTabSz="914400" rtl="0" eaLnBrk="1" latinLnBrk="0" hangingPunct="1">
+              <a:lnSpc>
+                <a:spcPct val="90000"/>
+              </a:lnSpc>
+              <a:spcBef>
+                <a:spcPts val="500"/>
+              </a:spcBef>
+              <a:buFont typeface="Arial" panose="020B0604020202020204" pitchFamily="34" charset="0"/>
+              <a:buChar char="•"/>
+              <a:defRPr sz="1800" kern="1200">
+                <a:solidFill>
+                  <a:schemeClr val="tx1"/>
+                </a:solidFill>
+                <a:latin typeface="+mn-lt"/>
+                <a:ea typeface="+mn-ea"/>
+                <a:cs typeface="+mn-cs"/>
+              </a:defRPr>
+            </a:lvl4pPr>
+            <a:lvl5pPr marL="2057400" indent="-228600" algn="l" defTabSz="914400" rtl="0" eaLnBrk="1" latinLnBrk="0" hangingPunct="1">
+              <a:lnSpc>
+                <a:spcPct val="90000"/>
+              </a:lnSpc>
+              <a:spcBef>
+                <a:spcPts val="500"/>
+              </a:spcBef>
+              <a:buFont typeface="Arial" panose="020B0604020202020204" pitchFamily="34" charset="0"/>
+              <a:buChar char="•"/>
+              <a:defRPr sz="1800" kern="1200">
+                <a:solidFill>
+                  <a:schemeClr val="tx1"/>
+                </a:solidFill>
+                <a:latin typeface="+mn-lt"/>
+                <a:ea typeface="+mn-ea"/>
+                <a:cs typeface="+mn-cs"/>
+              </a:defRPr>
+            </a:lvl5pPr>
+            <a:lvl6pPr marL="2514600" indent="-228600" algn="l" defTabSz="914400" rtl="0" eaLnBrk="1" latinLnBrk="0" hangingPunct="1">
+              <a:lnSpc>
+                <a:spcPct val="90000"/>
+              </a:lnSpc>
+              <a:spcBef>
+                <a:spcPts val="500"/>
+              </a:spcBef>
+              <a:buFont typeface="Arial" panose="020B0604020202020204" pitchFamily="34" charset="0"/>
+              <a:buChar char="•"/>
+              <a:defRPr sz="1800" kern="1200">
+                <a:solidFill>
+                  <a:schemeClr val="tx1"/>
+                </a:solidFill>
+                <a:latin typeface="+mn-lt"/>
+                <a:ea typeface="+mn-ea"/>
+                <a:cs typeface="+mn-cs"/>
+              </a:defRPr>
+            </a:lvl6pPr>
+            <a:lvl7pPr marL="2971800" indent="-228600" algn="l" defTabSz="914400" rtl="0" eaLnBrk="1" latinLnBrk="0" hangingPunct="1">
+              <a:lnSpc>
+                <a:spcPct val="90000"/>
+              </a:lnSpc>
+              <a:spcBef>
+                <a:spcPts val="500"/>
+              </a:spcBef>
+              <a:buFont typeface="Arial" panose="020B0604020202020204" pitchFamily="34" charset="0"/>
+              <a:buChar char="•"/>
+              <a:defRPr sz="1800" kern="1200">
+                <a:solidFill>
+                  <a:schemeClr val="tx1"/>
+                </a:solidFill>
+                <a:latin typeface="+mn-lt"/>
+                <a:ea typeface="+mn-ea"/>
+                <a:cs typeface="+mn-cs"/>
+              </a:defRPr>
+            </a:lvl7pPr>
+            <a:lvl8pPr marL="3429000" indent="-228600" algn="l" defTabSz="914400" rtl="0" eaLnBrk="1" latinLnBrk="0" hangingPunct="1">
+              <a:lnSpc>
+                <a:spcPct val="90000"/>
+              </a:lnSpc>
+              <a:spcBef>
+                <a:spcPts val="500"/>
+              </a:spcBef>
+              <a:buFont typeface="Arial" panose="020B0604020202020204" pitchFamily="34" charset="0"/>
+              <a:buChar char="•"/>
+              <a:defRPr sz="1800" kern="1200">
+                <a:solidFill>
+                  <a:schemeClr val="tx1"/>
+                </a:solidFill>
+                <a:latin typeface="+mn-lt"/>
+                <a:ea typeface="+mn-ea"/>
+                <a:cs typeface="+mn-cs"/>
+              </a:defRPr>
+            </a:lvl8pPr>
+            <a:lvl9pPr marL="3886200" indent="-228600" algn="l" defTabSz="914400" rtl="0" eaLnBrk="1" latinLnBrk="0" hangingPunct="1">
+              <a:lnSpc>
+                <a:spcPct val="90000"/>
+              </a:lnSpc>
+              <a:spcBef>
+                <a:spcPts val="500"/>
+              </a:spcBef>
+              <a:buFont typeface="Arial" panose="020B0604020202020204" pitchFamily="34" charset="0"/>
+              <a:buChar char="•"/>
+              <a:defRPr sz="1800" kern="1200">
+                <a:solidFill>
+                  <a:schemeClr val="tx1"/>
+                </a:solidFill>
+                <a:latin typeface="+mn-lt"/>
+                <a:ea typeface="+mn-ea"/>
+                <a:cs typeface="+mn-cs"/>
+              </a:defRPr>
+            </a:lvl9pPr>
+          </a:lstStyle>
+          <a:p>
+            <a:pPr marL="0" indent="0">
+              <a:lnSpc>
+                <a:spcPct val="80000"/>
+              </a:lnSpc>
+              <a:buNone/>
+            </a:pPr>
+            <a:r>
+              <a:rPr lang="es-CO" sz="5400">
+                <a:solidFill>
+                  <a:srgbClr val="2C2A29"/>
+                </a:solidFill>
+                <a:latin typeface="CIBFont Sans" panose="020B0603020202020104" pitchFamily="34" charset="77"/>
+              </a:rPr>
+              <a:t>3</a:t>
+            </a:r>
+          </a:p>
+        </p:txBody>
+      </p:sp>
+    </p:spTree>
+    <p:extLst>
+      <p:ext uri="{BB962C8B-B14F-4D97-AF65-F5344CB8AC3E}">
+        <p14:creationId xmlns:p14="http://schemas.microsoft.com/office/powerpoint/2010/main" val="2444986129"/>
+      </p:ext>
+    </p:extLst>
+  </p:cSld>
+  <p:clrMapOvr>
+    <a:masterClrMapping/>
+  </p:clrMapOvr>
+</p:sld>
+</file>
+
+<file path=ppt/slides/slide12.xml><?xml version="1.0" encoding="utf-8"?>
+<p:sld xmlns:a="http://schemas.openxmlformats.org/drawingml/2006/main" xmlns:r="http://schemas.openxmlformats.org/officeDocument/2006/relationships" xmlns:p="http://schemas.openxmlformats.org/presentationml/2006/main">
+  <p:cSld>
+    <p:spTree>
+      <p:nvGrpSpPr>
+        <p:cNvPr id="1" name="">
+          <a:extLst>
+            <a:ext uri="{FF2B5EF4-FFF2-40B4-BE49-F238E27FC236}">
+              <a16:creationId xmlns:a16="http://schemas.microsoft.com/office/drawing/2014/main" id="{04E3B629-1B0D-E467-144D-D11CCDBE2E41}"/>
+            </a:ext>
+          </a:extLst>
+        </p:cNvPr>
+        <p:cNvGrpSpPr/>
+        <p:nvPr/>
+      </p:nvGrpSpPr>
+      <p:grpSpPr>
+        <a:xfrm>
+          <a:off x="0" y="0"/>
+          <a:ext cx="0" cy="0"/>
+          <a:chOff x="0" y="0"/>
+          <a:chExt cx="0" cy="0"/>
+        </a:xfrm>
+      </p:grpSpPr>
+      <p:grpSp>
+        <p:nvGrpSpPr>
+          <p:cNvPr id="6" name="Grupo 5">
+            <a:extLst>
+              <a:ext uri="{FF2B5EF4-FFF2-40B4-BE49-F238E27FC236}">
+                <a16:creationId xmlns:a16="http://schemas.microsoft.com/office/drawing/2014/main" id="{8389DC73-3AD1-FD95-18B6-878AE94657DB}"/>
+              </a:ext>
+            </a:extLst>
+          </p:cNvPr>
+          <p:cNvGrpSpPr/>
+          <p:nvPr/>
+        </p:nvGrpSpPr>
+        <p:grpSpPr>
+          <a:xfrm>
+            <a:off x="706170" y="2404233"/>
+            <a:ext cx="1572899" cy="2009539"/>
+            <a:chOff x="706170" y="2418801"/>
+            <a:chExt cx="1572899" cy="2009539"/>
+          </a:xfrm>
+        </p:grpSpPr>
+        <p:pic>
+          <p:nvPicPr>
+            <p:cNvPr id="7" name="Gráfico 6">
+              <a:extLst>
+                <a:ext uri="{FF2B5EF4-FFF2-40B4-BE49-F238E27FC236}">
+                  <a16:creationId xmlns:a16="http://schemas.microsoft.com/office/drawing/2014/main" id="{C9B7B195-D2CA-130D-1ED2-2E36C09FF2E8}"/>
+                </a:ext>
+              </a:extLst>
+            </p:cNvPr>
+            <p:cNvPicPr>
+              <a:picLocks noChangeAspect="1"/>
+            </p:cNvPicPr>
+            <p:nvPr/>
+          </p:nvPicPr>
+          <p:blipFill>
+            <a:blip r:embed="rId3">
+              <a:extLst>
+                <a:ext uri="{96DAC541-7B7A-43D3-8B79-37D633B846F1}">
+                  <asvg:svgBlip xmlns:asvg="http://schemas.microsoft.com/office/drawing/2016/SVG/main" r:embed="rId4"/>
+                </a:ext>
+              </a:extLst>
+            </a:blip>
+            <a:stretch>
+              <a:fillRect/>
+            </a:stretch>
+          </p:blipFill>
+          <p:spPr>
+            <a:xfrm>
+              <a:off x="770323" y="2418801"/>
+              <a:ext cx="1396104" cy="1396104"/>
+            </a:xfrm>
+            <a:prstGeom prst="rect">
+              <a:avLst/>
+            </a:prstGeom>
+          </p:spPr>
+        </p:pic>
+        <p:sp>
+          <p:nvSpPr>
+            <p:cNvPr id="8" name="Rectángulo 7">
+              <a:extLst>
+                <a:ext uri="{FF2B5EF4-FFF2-40B4-BE49-F238E27FC236}">
+                  <a16:creationId xmlns:a16="http://schemas.microsoft.com/office/drawing/2014/main" id="{E8665114-67F8-062D-1F18-74812F25DDEE}"/>
+                </a:ext>
+              </a:extLst>
+            </p:cNvPr>
+            <p:cNvSpPr/>
+            <p:nvPr/>
+          </p:nvSpPr>
+          <p:spPr>
+            <a:xfrm>
+              <a:off x="706170" y="3812787"/>
+              <a:ext cx="1572899" cy="615553"/>
+            </a:xfrm>
+            <a:prstGeom prst="rect">
+              <a:avLst/>
+            </a:prstGeom>
+          </p:spPr>
+          <p:txBody>
+            <a:bodyPr wrap="square">
+              <a:spAutoFit/>
+            </a:bodyPr>
+            <a:lstStyle/>
+            <a:p>
+              <a:r>
+                <a:rPr lang="es-CO" sz="3400" b="1" dirty="0" err="1">
+                  <a:latin typeface="CIBFont Sans" panose="020B0603020202020104" pitchFamily="34" charset="77"/>
+                </a:rPr>
+                <a:t>Source</a:t>
+              </a:r>
+              <a:endParaRPr lang="es-CO" sz="3400" dirty="0"/>
+            </a:p>
+          </p:txBody>
+        </p:sp>
+      </p:grpSp>
+      <p:sp>
+        <p:nvSpPr>
+          <p:cNvPr id="4" name="CuadroTexto 3">
+            <a:extLst>
+              <a:ext uri="{FF2B5EF4-FFF2-40B4-BE49-F238E27FC236}">
+                <a16:creationId xmlns:a16="http://schemas.microsoft.com/office/drawing/2014/main" id="{0C2A553D-A3C1-3425-BA0D-AC121506CEA2}"/>
+              </a:ext>
+            </a:extLst>
+          </p:cNvPr>
+          <p:cNvSpPr txBox="1"/>
+          <p:nvPr/>
+        </p:nvSpPr>
+        <p:spPr>
+          <a:xfrm>
+            <a:off x="4555780" y="5408565"/>
+            <a:ext cx="5090310" cy="369332"/>
+          </a:xfrm>
+          <a:prstGeom prst="rect">
+            <a:avLst/>
+          </a:prstGeom>
+          <a:noFill/>
+        </p:spPr>
+        <p:txBody>
+          <a:bodyPr wrap="square">
+            <a:spAutoFit/>
+          </a:bodyPr>
+          <a:lstStyle/>
+          <a:p>
+            <a:r>
+              <a:rPr lang="es-CO" dirty="0">
+                <a:hlinkClick r:id="rId5"/>
+              </a:rPr>
+              <a:t>https://github.com/cde-aia-bc/curso-api-openhouse</a:t>
+            </a:r>
+            <a:endParaRPr lang="es-CO" dirty="0"/>
+          </a:p>
+        </p:txBody>
+      </p:sp>
+      <p:pic>
+        <p:nvPicPr>
+          <p:cNvPr id="9" name="Imagen 8">
+            <a:extLst>
+              <a:ext uri="{FF2B5EF4-FFF2-40B4-BE49-F238E27FC236}">
+                <a16:creationId xmlns:a16="http://schemas.microsoft.com/office/drawing/2014/main" id="{ECB6DAB2-08D4-6B61-95C4-700CE2E5EA1D}"/>
+              </a:ext>
+            </a:extLst>
+          </p:cNvPr>
+          <p:cNvPicPr>
+            <a:picLocks noChangeAspect="1"/>
+          </p:cNvPicPr>
+          <p:nvPr/>
+        </p:nvPicPr>
+        <p:blipFill>
+          <a:blip r:embed="rId6"/>
+          <a:stretch>
+            <a:fillRect/>
+          </a:stretch>
+        </p:blipFill>
+        <p:spPr>
+          <a:xfrm>
+            <a:off x="5605510" y="2138939"/>
+            <a:ext cx="2990850" cy="3038475"/>
+          </a:xfrm>
+          <a:prstGeom prst="rect">
+            <a:avLst/>
+          </a:prstGeom>
+        </p:spPr>
+      </p:pic>
+      <p:pic>
+        <p:nvPicPr>
+          <p:cNvPr id="1028" name="Picture 4" descr="Github Logo - Free social media icons">
+            <a:extLst>
+              <a:ext uri="{FF2B5EF4-FFF2-40B4-BE49-F238E27FC236}">
+                <a16:creationId xmlns:a16="http://schemas.microsoft.com/office/drawing/2014/main" id="{C57FB562-9C30-D5FE-B804-01900075920B}"/>
+              </a:ext>
+            </a:extLst>
+          </p:cNvPr>
+          <p:cNvPicPr>
+            <a:picLocks noChangeAspect="1" noChangeArrowheads="1"/>
+          </p:cNvPicPr>
+          <p:nvPr/>
+        </p:nvPicPr>
+        <p:blipFill>
+          <a:blip r:embed="rId7">
+            <a:extLst>
+              <a:ext uri="{28A0092B-C50C-407E-A947-70E740481C1C}">
+                <a14:useLocalDpi xmlns:a14="http://schemas.microsoft.com/office/drawing/2010/main" val="0"/>
+              </a:ext>
+            </a:extLst>
+          </a:blip>
+          <a:srcRect/>
+          <a:stretch>
+            <a:fillRect/>
+          </a:stretch>
+        </p:blipFill>
+        <p:spPr bwMode="auto">
+          <a:xfrm>
+            <a:off x="6501496" y="708911"/>
+            <a:ext cx="1198878" cy="1198878"/>
+          </a:xfrm>
+          <a:prstGeom prst="rect">
+            <a:avLst/>
+          </a:prstGeom>
+          <a:noFill/>
+          <a:extLst>
+            <a:ext uri="{909E8E84-426E-40DD-AFC4-6F175D3DCCD1}">
+              <a14:hiddenFill xmlns:a14="http://schemas.microsoft.com/office/drawing/2010/main">
+                <a:solidFill>
+                  <a:srgbClr val="FFFFFF"/>
+                </a:solidFill>
+              </a14:hiddenFill>
+            </a:ext>
+          </a:extLst>
+        </p:spPr>
+      </p:pic>
+    </p:spTree>
+    <p:extLst>
+      <p:ext uri="{BB962C8B-B14F-4D97-AF65-F5344CB8AC3E}">
+        <p14:creationId xmlns:p14="http://schemas.microsoft.com/office/powerpoint/2010/main" val="2299536983"/>
+      </p:ext>
+    </p:extLst>
+  </p:cSld>
+  <p:clrMapOvr>
+    <a:masterClrMapping/>
+  </p:clrMapOvr>
+</p:sld>
+</file>
+
+<file path=ppt/slides/slide13.xml><?xml version="1.0" encoding="utf-8"?>
+<p:sld xmlns:a="http://schemas.openxmlformats.org/drawingml/2006/main" xmlns:r="http://schemas.openxmlformats.org/officeDocument/2006/relationships" xmlns:p="http://schemas.openxmlformats.org/presentationml/2006/main">
+  <p:cSld>
+    <p:bg>
+      <p:bgPr>
+        <a:solidFill>
+          <a:srgbClr val="FFD600"/>
+        </a:solidFill>
+        <a:effectLst/>
+      </p:bgPr>
+    </p:bg>
+    <p:spTree>
+      <p:nvGrpSpPr>
+        <p:cNvPr id="1" name=""/>
+        <p:cNvGrpSpPr/>
+        <p:nvPr/>
+      </p:nvGrpSpPr>
+      <p:grpSpPr>
+        <a:xfrm>
+          <a:off x="0" y="0"/>
+          <a:ext cx="0" cy="0"/>
+          <a:chOff x="0" y="0"/>
+          <a:chExt cx="0" cy="0"/>
+        </a:xfrm>
+      </p:grpSpPr>
+      <p:pic>
+        <p:nvPicPr>
+          <p:cNvPr id="12" name="Gráfico 11">
+            <a:extLst>
+              <a:ext uri="{FF2B5EF4-FFF2-40B4-BE49-F238E27FC236}">
+                <a16:creationId xmlns:a16="http://schemas.microsoft.com/office/drawing/2014/main" id="{DE6EB43A-01FA-2A59-1251-0DA598DF4008}"/>
+              </a:ext>
+            </a:extLst>
+          </p:cNvPr>
+          <p:cNvPicPr>
+            <a:picLocks noChangeAspect="1"/>
+          </p:cNvPicPr>
+          <p:nvPr/>
+        </p:nvPicPr>
+        <p:blipFill>
+          <a:blip r:embed="rId2">
+            <a:extLst>
+              <a:ext uri="{28A0092B-C50C-407E-A947-70E740481C1C}">
+                <a14:useLocalDpi xmlns:a14="http://schemas.microsoft.com/office/drawing/2010/main" val="0"/>
+              </a:ext>
+              <a:ext uri="{96DAC541-7B7A-43D3-8B79-37D633B846F1}">
+                <asvg:svgBlip xmlns:asvg="http://schemas.microsoft.com/office/drawing/2016/SVG/main" r:embed="rId3"/>
+              </a:ext>
+            </a:extLst>
+          </a:blip>
+          <a:stretch>
+            <a:fillRect/>
+          </a:stretch>
+        </p:blipFill>
+        <p:spPr>
+          <a:xfrm>
+            <a:off x="7643928" y="1533178"/>
+            <a:ext cx="3641694" cy="3791644"/>
+          </a:xfrm>
+          <a:prstGeom prst="rect">
+            <a:avLst/>
+          </a:prstGeom>
+        </p:spPr>
+      </p:pic>
+      <p:sp>
+        <p:nvSpPr>
+          <p:cNvPr id="13" name="Título 1">
+            <a:extLst>
+              <a:ext uri="{FF2B5EF4-FFF2-40B4-BE49-F238E27FC236}">
+                <a16:creationId xmlns:a16="http://schemas.microsoft.com/office/drawing/2014/main" id="{9EEFE3EC-542F-AAAC-A6B0-A4D56980C2F1}"/>
+              </a:ext>
+            </a:extLst>
+          </p:cNvPr>
+          <p:cNvSpPr>
+            <a:spLocks noGrp="1"/>
+          </p:cNvSpPr>
+          <p:nvPr>
+            <p:ph type="ctrTitle"/>
+          </p:nvPr>
+        </p:nvSpPr>
+        <p:spPr>
+          <a:xfrm>
+            <a:off x="906378" y="3364344"/>
+            <a:ext cx="6283161" cy="1103124"/>
+          </a:xfrm>
+        </p:spPr>
+        <p:txBody>
+          <a:bodyPr>
+            <a:noAutofit/>
+          </a:bodyPr>
+          <a:lstStyle/>
+          <a:p>
+            <a:pPr algn="l"/>
+            <a:r>
+              <a:rPr lang="es-CO" sz="4400" dirty="0">
+                <a:solidFill>
+                  <a:srgbClr val="2A2624"/>
+                </a:solidFill>
+                <a:latin typeface="CIBFont Sans" panose="020B0603020202020104" pitchFamily="34" charset="0"/>
+              </a:rPr>
+              <a:t>Gracias por unirte a este espacio y </a:t>
+            </a:r>
+            <a:r>
+              <a:rPr lang="es-CO" sz="4400" b="1" dirty="0">
+                <a:solidFill>
+                  <a:srgbClr val="2A2624"/>
+                </a:solidFill>
+                <a:latin typeface="CIBFont Sans" panose="020B0603020202020104" pitchFamily="34" charset="0"/>
+              </a:rPr>
+              <a:t>pensar en grande </a:t>
+            </a:r>
+            <a:r>
+              <a:rPr lang="es-CO" sz="4400" dirty="0">
+                <a:solidFill>
+                  <a:srgbClr val="2A2624"/>
+                </a:solidFill>
+                <a:latin typeface="CIBFont Sans" panose="020B0603020202020104" pitchFamily="34" charset="0"/>
+              </a:rPr>
+              <a:t>con nosotros.</a:t>
+            </a:r>
+          </a:p>
+        </p:txBody>
+      </p:sp>
+      <p:pic>
+        <p:nvPicPr>
+          <p:cNvPr id="15" name="Gráfico 14">
+            <a:extLst>
+              <a:ext uri="{FF2B5EF4-FFF2-40B4-BE49-F238E27FC236}">
+                <a16:creationId xmlns:a16="http://schemas.microsoft.com/office/drawing/2014/main" id="{AF4182AA-A423-2763-9157-FB53FBF8478D}"/>
+              </a:ext>
+            </a:extLst>
+          </p:cNvPr>
+          <p:cNvPicPr>
+            <a:picLocks noChangeAspect="1"/>
+          </p:cNvPicPr>
+          <p:nvPr/>
+        </p:nvPicPr>
+        <p:blipFill>
+          <a:blip r:embed="rId4">
+            <a:extLst>
+              <a:ext uri="{28A0092B-C50C-407E-A947-70E740481C1C}">
+                <a14:useLocalDpi xmlns:a14="http://schemas.microsoft.com/office/drawing/2010/main" val="0"/>
+              </a:ext>
+              <a:ext uri="{96DAC541-7B7A-43D3-8B79-37D633B846F1}">
+                <asvg:svgBlip xmlns:asvg="http://schemas.microsoft.com/office/drawing/2016/SVG/main" r:embed="rId5"/>
+              </a:ext>
+            </a:extLst>
+          </a:blip>
+          <a:stretch>
+            <a:fillRect/>
+          </a:stretch>
+        </p:blipFill>
+        <p:spPr>
+          <a:xfrm>
+            <a:off x="4951039" y="5935520"/>
+            <a:ext cx="2289923" cy="289019"/>
+          </a:xfrm>
+          <a:prstGeom prst="rect">
+            <a:avLst/>
+          </a:prstGeom>
+        </p:spPr>
+      </p:pic>
+    </p:spTree>
+    <p:extLst>
+      <p:ext uri="{BB962C8B-B14F-4D97-AF65-F5344CB8AC3E}">
+        <p14:creationId xmlns:p14="http://schemas.microsoft.com/office/powerpoint/2010/main" val="126629256"/>
+      </p:ext>
+    </p:extLst>
+  </p:cSld>
+  <p:clrMapOvr>
+    <a:masterClrMapping/>
+  </p:clrMapOvr>
+</p:sld>
+</file>
+
 <file path=ppt/slides/slide2.xml><?xml version="1.0" encoding="utf-8"?>
 <p:sld xmlns:a="http://schemas.openxmlformats.org/drawingml/2006/main" xmlns:r="http://schemas.openxmlformats.org/officeDocument/2006/relationships" xmlns:p="http://schemas.openxmlformats.org/presentationml/2006/main">
   <p:cSld>
@@ -4814,6 +7695,1239 @@
   <p:cSld>
     <p:spTree>
       <p:nvGrpSpPr>
+        <p:cNvPr id="1" name="">
+          <a:extLst>
+            <a:ext uri="{FF2B5EF4-FFF2-40B4-BE49-F238E27FC236}">
+              <a16:creationId xmlns:a16="http://schemas.microsoft.com/office/drawing/2014/main" id="{1A0BB004-B75E-76A0-52BA-54B7D00D39B5}"/>
+            </a:ext>
+          </a:extLst>
+        </p:cNvPr>
+        <p:cNvGrpSpPr/>
+        <p:nvPr/>
+      </p:nvGrpSpPr>
+      <p:grpSpPr>
+        <a:xfrm>
+          <a:off x="0" y="0"/>
+          <a:ext cx="0" cy="0"/>
+          <a:chOff x="0" y="0"/>
+          <a:chExt cx="0" cy="0"/>
+        </a:xfrm>
+      </p:grpSpPr>
+      <p:grpSp>
+        <p:nvGrpSpPr>
+          <p:cNvPr id="6" name="Grupo 5">
+            <a:extLst>
+              <a:ext uri="{FF2B5EF4-FFF2-40B4-BE49-F238E27FC236}">
+                <a16:creationId xmlns:a16="http://schemas.microsoft.com/office/drawing/2014/main" id="{E9AB3954-5427-A91D-A0C5-5A86561FDFF3}"/>
+              </a:ext>
+            </a:extLst>
+          </p:cNvPr>
+          <p:cNvGrpSpPr/>
+          <p:nvPr/>
+        </p:nvGrpSpPr>
+        <p:grpSpPr>
+          <a:xfrm>
+            <a:off x="770323" y="2404233"/>
+            <a:ext cx="1396104" cy="2011657"/>
+            <a:chOff x="770323" y="2418801"/>
+            <a:chExt cx="1396104" cy="2011657"/>
+          </a:xfrm>
+        </p:grpSpPr>
+        <p:pic>
+          <p:nvPicPr>
+            <p:cNvPr id="7" name="Gráfico 6">
+              <a:extLst>
+                <a:ext uri="{FF2B5EF4-FFF2-40B4-BE49-F238E27FC236}">
+                  <a16:creationId xmlns:a16="http://schemas.microsoft.com/office/drawing/2014/main" id="{F2C20C07-37BA-3649-BF04-2463F470A3D7}"/>
+                </a:ext>
+              </a:extLst>
+            </p:cNvPr>
+            <p:cNvPicPr>
+              <a:picLocks noChangeAspect="1"/>
+            </p:cNvPicPr>
+            <p:nvPr/>
+          </p:nvPicPr>
+          <p:blipFill>
+            <a:blip r:embed="rId3">
+              <a:extLst>
+                <a:ext uri="{96DAC541-7B7A-43D3-8B79-37D633B846F1}">
+                  <asvg:svgBlip xmlns:asvg="http://schemas.microsoft.com/office/drawing/2016/SVG/main" r:embed="rId4"/>
+                </a:ext>
+              </a:extLst>
+            </a:blip>
+            <a:stretch>
+              <a:fillRect/>
+            </a:stretch>
+          </p:blipFill>
+          <p:spPr>
+            <a:xfrm>
+              <a:off x="770323" y="2418801"/>
+              <a:ext cx="1396104" cy="1396104"/>
+            </a:xfrm>
+            <a:prstGeom prst="rect">
+              <a:avLst/>
+            </a:prstGeom>
+          </p:spPr>
+        </p:pic>
+        <p:sp>
+          <p:nvSpPr>
+            <p:cNvPr id="8" name="Rectángulo 7">
+              <a:extLst>
+                <a:ext uri="{FF2B5EF4-FFF2-40B4-BE49-F238E27FC236}">
+                  <a16:creationId xmlns:a16="http://schemas.microsoft.com/office/drawing/2014/main" id="{E23F3016-187D-D40C-3023-42F10C8FFC2F}"/>
+                </a:ext>
+              </a:extLst>
+            </p:cNvPr>
+            <p:cNvSpPr/>
+            <p:nvPr/>
+          </p:nvSpPr>
+          <p:spPr>
+            <a:xfrm>
+              <a:off x="1052235" y="3814905"/>
+              <a:ext cx="832279" cy="615553"/>
+            </a:xfrm>
+            <a:prstGeom prst="rect">
+              <a:avLst/>
+            </a:prstGeom>
+          </p:spPr>
+          <p:txBody>
+            <a:bodyPr wrap="none">
+              <a:spAutoFit/>
+            </a:bodyPr>
+            <a:lstStyle/>
+            <a:p>
+              <a:r>
+                <a:rPr lang="es-CO" sz="3400" b="1" dirty="0">
+                  <a:latin typeface="CIBFont Sans" panose="020B0603020202020104" pitchFamily="34" charset="77"/>
+                </a:rPr>
+                <a:t>API</a:t>
+              </a:r>
+              <a:endParaRPr lang="es-CO" sz="3400" dirty="0"/>
+            </a:p>
+          </p:txBody>
+        </p:sp>
+      </p:grpSp>
+      <p:sp>
+        <p:nvSpPr>
+          <p:cNvPr id="4" name="CuadroTexto 3">
+            <a:extLst>
+              <a:ext uri="{FF2B5EF4-FFF2-40B4-BE49-F238E27FC236}">
+                <a16:creationId xmlns:a16="http://schemas.microsoft.com/office/drawing/2014/main" id="{E3EDFE5B-F759-6D32-255D-4074DBB50454}"/>
+              </a:ext>
+            </a:extLst>
+          </p:cNvPr>
+          <p:cNvSpPr txBox="1"/>
+          <p:nvPr/>
+        </p:nvSpPr>
+        <p:spPr>
+          <a:xfrm>
+            <a:off x="3828815" y="788253"/>
+            <a:ext cx="6872381" cy="584775"/>
+          </a:xfrm>
+          <a:prstGeom prst="rect">
+            <a:avLst/>
+          </a:prstGeom>
+          <a:noFill/>
+        </p:spPr>
+        <p:txBody>
+          <a:bodyPr wrap="square">
+            <a:spAutoFit/>
+          </a:bodyPr>
+          <a:lstStyle/>
+          <a:p>
+            <a:r>
+              <a:rPr lang="es-CO" sz="3200" b="1" dirty="0" err="1">
+                <a:latin typeface="CIBFont Sans" panose="020B0603020202020104" pitchFamily="34" charset="0"/>
+              </a:rPr>
+              <a:t>Application</a:t>
+            </a:r>
+            <a:r>
+              <a:rPr lang="es-CO" sz="3200" b="1" dirty="0">
+                <a:latin typeface="CIBFont Sans" panose="020B0603020202020104" pitchFamily="34" charset="0"/>
+              </a:rPr>
+              <a:t> </a:t>
+            </a:r>
+            <a:r>
+              <a:rPr lang="es-CO" sz="3200" b="1" dirty="0" err="1">
+                <a:latin typeface="CIBFont Sans" panose="020B0603020202020104" pitchFamily="34" charset="0"/>
+              </a:rPr>
+              <a:t>Programming</a:t>
+            </a:r>
+            <a:r>
+              <a:rPr lang="es-CO" sz="3200" b="1" dirty="0">
+                <a:latin typeface="CIBFont Sans" panose="020B0603020202020104" pitchFamily="34" charset="0"/>
+              </a:rPr>
+              <a:t> Interface</a:t>
+            </a:r>
+          </a:p>
+        </p:txBody>
+      </p:sp>
+      <p:pic>
+        <p:nvPicPr>
+          <p:cNvPr id="1032" name="Picture 8" descr="Cuáles son los riesgos de seguridad de las API? | Akamai">
+            <a:extLst>
+              <a:ext uri="{FF2B5EF4-FFF2-40B4-BE49-F238E27FC236}">
+                <a16:creationId xmlns:a16="http://schemas.microsoft.com/office/drawing/2014/main" id="{B187189C-6CEE-49D7-FA50-0D620C11D195}"/>
+              </a:ext>
+            </a:extLst>
+          </p:cNvPr>
+          <p:cNvPicPr>
+            <a:picLocks noChangeAspect="1" noChangeArrowheads="1"/>
+          </p:cNvPicPr>
+          <p:nvPr/>
+        </p:nvPicPr>
+        <p:blipFill rotWithShape="1">
+          <a:blip r:embed="rId5">
+            <a:extLst>
+              <a:ext uri="{28A0092B-C50C-407E-A947-70E740481C1C}">
+                <a14:useLocalDpi xmlns:a14="http://schemas.microsoft.com/office/drawing/2010/main" val="0"/>
+              </a:ext>
+            </a:extLst>
+          </a:blip>
+          <a:srcRect t="28700" b="26233"/>
+          <a:stretch/>
+        </p:blipFill>
+        <p:spPr bwMode="auto">
+          <a:xfrm>
+            <a:off x="3314740" y="2404233"/>
+            <a:ext cx="8106937" cy="2055135"/>
+          </a:xfrm>
+          <a:prstGeom prst="rect">
+            <a:avLst/>
+          </a:prstGeom>
+          <a:noFill/>
+          <a:extLst>
+            <a:ext uri="{909E8E84-426E-40DD-AFC4-6F175D3DCCD1}">
+              <a14:hiddenFill xmlns:a14="http://schemas.microsoft.com/office/drawing/2010/main">
+                <a:solidFill>
+                  <a:srgbClr val="FFFFFF"/>
+                </a:solidFill>
+              </a14:hiddenFill>
+            </a:ext>
+          </a:extLst>
+        </p:spPr>
+      </p:pic>
+    </p:spTree>
+    <p:extLst>
+      <p:ext uri="{BB962C8B-B14F-4D97-AF65-F5344CB8AC3E}">
+        <p14:creationId xmlns:p14="http://schemas.microsoft.com/office/powerpoint/2010/main" val="3506473409"/>
+      </p:ext>
+    </p:extLst>
+  </p:cSld>
+  <p:clrMapOvr>
+    <a:masterClrMapping/>
+  </p:clrMapOvr>
+</p:sld>
+</file>
+
+<file path=ppt/slides/slide4.xml><?xml version="1.0" encoding="utf-8"?>
+<p:sld xmlns:a="http://schemas.openxmlformats.org/drawingml/2006/main" xmlns:r="http://schemas.openxmlformats.org/officeDocument/2006/relationships" xmlns:p="http://schemas.openxmlformats.org/presentationml/2006/main">
+  <p:cSld>
+    <p:spTree>
+      <p:nvGrpSpPr>
+        <p:cNvPr id="1" name="">
+          <a:extLst>
+            <a:ext uri="{FF2B5EF4-FFF2-40B4-BE49-F238E27FC236}">
+              <a16:creationId xmlns:a16="http://schemas.microsoft.com/office/drawing/2014/main" id="{A175212A-1F13-0A1E-BDC3-0001F18A77BA}"/>
+            </a:ext>
+          </a:extLst>
+        </p:cNvPr>
+        <p:cNvGrpSpPr/>
+        <p:nvPr/>
+      </p:nvGrpSpPr>
+      <p:grpSpPr>
+        <a:xfrm>
+          <a:off x="0" y="0"/>
+          <a:ext cx="0" cy="0"/>
+          <a:chOff x="0" y="0"/>
+          <a:chExt cx="0" cy="0"/>
+        </a:xfrm>
+      </p:grpSpPr>
+      <p:grpSp>
+        <p:nvGrpSpPr>
+          <p:cNvPr id="6" name="Grupo 5">
+            <a:extLst>
+              <a:ext uri="{FF2B5EF4-FFF2-40B4-BE49-F238E27FC236}">
+                <a16:creationId xmlns:a16="http://schemas.microsoft.com/office/drawing/2014/main" id="{6D58231E-5CB4-3D6E-27F2-A61EB153F4F0}"/>
+              </a:ext>
+            </a:extLst>
+          </p:cNvPr>
+          <p:cNvGrpSpPr/>
+          <p:nvPr/>
+        </p:nvGrpSpPr>
+        <p:grpSpPr>
+          <a:xfrm>
+            <a:off x="770323" y="2404233"/>
+            <a:ext cx="1396104" cy="2011657"/>
+            <a:chOff x="770323" y="2418801"/>
+            <a:chExt cx="1396104" cy="2011657"/>
+          </a:xfrm>
+        </p:grpSpPr>
+        <p:pic>
+          <p:nvPicPr>
+            <p:cNvPr id="7" name="Gráfico 6">
+              <a:extLst>
+                <a:ext uri="{FF2B5EF4-FFF2-40B4-BE49-F238E27FC236}">
+                  <a16:creationId xmlns:a16="http://schemas.microsoft.com/office/drawing/2014/main" id="{71FB9D25-F1D8-7A4C-9119-D2E9BE4AB673}"/>
+                </a:ext>
+              </a:extLst>
+            </p:cNvPr>
+            <p:cNvPicPr>
+              <a:picLocks noChangeAspect="1"/>
+            </p:cNvPicPr>
+            <p:nvPr/>
+          </p:nvPicPr>
+          <p:blipFill>
+            <a:blip r:embed="rId3">
+              <a:extLst>
+                <a:ext uri="{96DAC541-7B7A-43D3-8B79-37D633B846F1}">
+                  <asvg:svgBlip xmlns:asvg="http://schemas.microsoft.com/office/drawing/2016/SVG/main" r:embed="rId4"/>
+                </a:ext>
+              </a:extLst>
+            </a:blip>
+            <a:stretch>
+              <a:fillRect/>
+            </a:stretch>
+          </p:blipFill>
+          <p:spPr>
+            <a:xfrm>
+              <a:off x="770323" y="2418801"/>
+              <a:ext cx="1396104" cy="1396104"/>
+            </a:xfrm>
+            <a:prstGeom prst="rect">
+              <a:avLst/>
+            </a:prstGeom>
+          </p:spPr>
+        </p:pic>
+        <p:sp>
+          <p:nvSpPr>
+            <p:cNvPr id="8" name="Rectángulo 7">
+              <a:extLst>
+                <a:ext uri="{FF2B5EF4-FFF2-40B4-BE49-F238E27FC236}">
+                  <a16:creationId xmlns:a16="http://schemas.microsoft.com/office/drawing/2014/main" id="{13F1CF0B-50A4-A5A4-BBC5-A96B18E3E756}"/>
+                </a:ext>
+              </a:extLst>
+            </p:cNvPr>
+            <p:cNvSpPr/>
+            <p:nvPr/>
+          </p:nvSpPr>
+          <p:spPr>
+            <a:xfrm>
+              <a:off x="1052235" y="3814905"/>
+              <a:ext cx="832279" cy="615553"/>
+            </a:xfrm>
+            <a:prstGeom prst="rect">
+              <a:avLst/>
+            </a:prstGeom>
+          </p:spPr>
+          <p:txBody>
+            <a:bodyPr wrap="none">
+              <a:spAutoFit/>
+            </a:bodyPr>
+            <a:lstStyle/>
+            <a:p>
+              <a:r>
+                <a:rPr lang="es-CO" sz="3400" b="1" dirty="0">
+                  <a:latin typeface="CIBFont Sans" panose="020B0603020202020104" pitchFamily="34" charset="77"/>
+                </a:rPr>
+                <a:t>API</a:t>
+              </a:r>
+              <a:endParaRPr lang="es-CO" sz="3400" dirty="0"/>
+            </a:p>
+          </p:txBody>
+        </p:sp>
+      </p:grpSp>
+      <p:pic>
+        <p:nvPicPr>
+          <p:cNvPr id="2" name="Picture 2" descr="OptimalBI | We do cool sh!t with data">
+            <a:extLst>
+              <a:ext uri="{FF2B5EF4-FFF2-40B4-BE49-F238E27FC236}">
+                <a16:creationId xmlns:a16="http://schemas.microsoft.com/office/drawing/2014/main" id="{2D15BB17-40EB-A20B-609A-03479788637A}"/>
+              </a:ext>
+            </a:extLst>
+          </p:cNvPr>
+          <p:cNvPicPr>
+            <a:picLocks noChangeAspect="1" noChangeArrowheads="1"/>
+          </p:cNvPicPr>
+          <p:nvPr/>
+        </p:nvPicPr>
+        <p:blipFill>
+          <a:blip r:embed="rId5">
+            <a:extLst>
+              <a:ext uri="{28A0092B-C50C-407E-A947-70E740481C1C}">
+                <a14:useLocalDpi xmlns:a14="http://schemas.microsoft.com/office/drawing/2010/main" val="0"/>
+              </a:ext>
+            </a:extLst>
+          </a:blip>
+          <a:srcRect/>
+          <a:stretch>
+            <a:fillRect/>
+          </a:stretch>
+        </p:blipFill>
+        <p:spPr bwMode="auto">
+          <a:xfrm>
+            <a:off x="3232116" y="763764"/>
+            <a:ext cx="8262738" cy="5164211"/>
+          </a:xfrm>
+          <a:prstGeom prst="rect">
+            <a:avLst/>
+          </a:prstGeom>
+          <a:noFill/>
+          <a:extLst>
+            <a:ext uri="{909E8E84-426E-40DD-AFC4-6F175D3DCCD1}">
+              <a14:hiddenFill xmlns:a14="http://schemas.microsoft.com/office/drawing/2010/main">
+                <a:solidFill>
+                  <a:srgbClr val="FFFFFF"/>
+                </a:solidFill>
+              </a14:hiddenFill>
+            </a:ext>
+          </a:extLst>
+        </p:spPr>
+      </p:pic>
+    </p:spTree>
+    <p:extLst>
+      <p:ext uri="{BB962C8B-B14F-4D97-AF65-F5344CB8AC3E}">
+        <p14:creationId xmlns:p14="http://schemas.microsoft.com/office/powerpoint/2010/main" val="4145547736"/>
+      </p:ext>
+    </p:extLst>
+  </p:cSld>
+  <p:clrMapOvr>
+    <a:masterClrMapping/>
+  </p:clrMapOvr>
+</p:sld>
+</file>
+
+<file path=ppt/slides/slide5.xml><?xml version="1.0" encoding="utf-8"?>
+<p:sld xmlns:a="http://schemas.openxmlformats.org/drawingml/2006/main" xmlns:r="http://schemas.openxmlformats.org/officeDocument/2006/relationships" xmlns:p="http://schemas.openxmlformats.org/presentationml/2006/main">
+  <p:cSld>
+    <p:spTree>
+      <p:nvGrpSpPr>
+        <p:cNvPr id="1" name="">
+          <a:extLst>
+            <a:ext uri="{FF2B5EF4-FFF2-40B4-BE49-F238E27FC236}">
+              <a16:creationId xmlns:a16="http://schemas.microsoft.com/office/drawing/2014/main" id="{DE288B30-BBD5-9857-D945-E1D4E5CA4337}"/>
+            </a:ext>
+          </a:extLst>
+        </p:cNvPr>
+        <p:cNvGrpSpPr/>
+        <p:nvPr/>
+      </p:nvGrpSpPr>
+      <p:grpSpPr>
+        <a:xfrm>
+          <a:off x="0" y="0"/>
+          <a:ext cx="0" cy="0"/>
+          <a:chOff x="0" y="0"/>
+          <a:chExt cx="0" cy="0"/>
+        </a:xfrm>
+      </p:grpSpPr>
+      <p:grpSp>
+        <p:nvGrpSpPr>
+          <p:cNvPr id="6" name="Grupo 5">
+            <a:extLst>
+              <a:ext uri="{FF2B5EF4-FFF2-40B4-BE49-F238E27FC236}">
+                <a16:creationId xmlns:a16="http://schemas.microsoft.com/office/drawing/2014/main" id="{0347DA51-6D73-60ED-B82B-89CDF74125DA}"/>
+              </a:ext>
+            </a:extLst>
+          </p:cNvPr>
+          <p:cNvGrpSpPr/>
+          <p:nvPr/>
+        </p:nvGrpSpPr>
+        <p:grpSpPr>
+          <a:xfrm>
+            <a:off x="770323" y="2404233"/>
+            <a:ext cx="1396104" cy="2011657"/>
+            <a:chOff x="770323" y="2418801"/>
+            <a:chExt cx="1396104" cy="2011657"/>
+          </a:xfrm>
+        </p:grpSpPr>
+        <p:pic>
+          <p:nvPicPr>
+            <p:cNvPr id="7" name="Gráfico 6">
+              <a:extLst>
+                <a:ext uri="{FF2B5EF4-FFF2-40B4-BE49-F238E27FC236}">
+                  <a16:creationId xmlns:a16="http://schemas.microsoft.com/office/drawing/2014/main" id="{A00812E4-DEDE-03F0-2EF4-02E8C1A8DB2B}"/>
+                </a:ext>
+              </a:extLst>
+            </p:cNvPr>
+            <p:cNvPicPr>
+              <a:picLocks noChangeAspect="1"/>
+            </p:cNvPicPr>
+            <p:nvPr/>
+          </p:nvPicPr>
+          <p:blipFill>
+            <a:blip r:embed="rId3">
+              <a:extLst>
+                <a:ext uri="{96DAC541-7B7A-43D3-8B79-37D633B846F1}">
+                  <asvg:svgBlip xmlns:asvg="http://schemas.microsoft.com/office/drawing/2016/SVG/main" r:embed="rId4"/>
+                </a:ext>
+              </a:extLst>
+            </a:blip>
+            <a:stretch>
+              <a:fillRect/>
+            </a:stretch>
+          </p:blipFill>
+          <p:spPr>
+            <a:xfrm>
+              <a:off x="770323" y="2418801"/>
+              <a:ext cx="1396104" cy="1396104"/>
+            </a:xfrm>
+            <a:prstGeom prst="rect">
+              <a:avLst/>
+            </a:prstGeom>
+          </p:spPr>
+        </p:pic>
+        <p:sp>
+          <p:nvSpPr>
+            <p:cNvPr id="8" name="Rectángulo 7">
+              <a:extLst>
+                <a:ext uri="{FF2B5EF4-FFF2-40B4-BE49-F238E27FC236}">
+                  <a16:creationId xmlns:a16="http://schemas.microsoft.com/office/drawing/2014/main" id="{46489DCC-12B5-0D06-60AA-A12A4B598166}"/>
+                </a:ext>
+              </a:extLst>
+            </p:cNvPr>
+            <p:cNvSpPr/>
+            <p:nvPr/>
+          </p:nvSpPr>
+          <p:spPr>
+            <a:xfrm>
+              <a:off x="1052235" y="3814905"/>
+              <a:ext cx="832279" cy="615553"/>
+            </a:xfrm>
+            <a:prstGeom prst="rect">
+              <a:avLst/>
+            </a:prstGeom>
+          </p:spPr>
+          <p:txBody>
+            <a:bodyPr wrap="none">
+              <a:spAutoFit/>
+            </a:bodyPr>
+            <a:lstStyle/>
+            <a:p>
+              <a:r>
+                <a:rPr lang="es-CO" sz="3400" b="1" dirty="0">
+                  <a:latin typeface="CIBFont Sans" panose="020B0603020202020104" pitchFamily="34" charset="77"/>
+                </a:rPr>
+                <a:t>API</a:t>
+              </a:r>
+              <a:endParaRPr lang="es-CO" sz="3400" dirty="0"/>
+            </a:p>
+          </p:txBody>
+        </p:sp>
+      </p:grpSp>
+      <p:pic>
+        <p:nvPicPr>
+          <p:cNvPr id="3" name="Picture 2" descr="Forethought Hires Creator of FastAPI | Forethought">
+            <a:extLst>
+              <a:ext uri="{FF2B5EF4-FFF2-40B4-BE49-F238E27FC236}">
+                <a16:creationId xmlns:a16="http://schemas.microsoft.com/office/drawing/2014/main" id="{4AE746A7-4439-8C12-9DC7-E748BC70B71E}"/>
+              </a:ext>
+            </a:extLst>
+          </p:cNvPr>
+          <p:cNvPicPr>
+            <a:picLocks noChangeAspect="1" noChangeArrowheads="1"/>
+          </p:cNvPicPr>
+          <p:nvPr/>
+        </p:nvPicPr>
+        <p:blipFill>
+          <a:blip r:embed="rId5">
+            <a:extLst>
+              <a:ext uri="{28A0092B-C50C-407E-A947-70E740481C1C}">
+                <a14:useLocalDpi xmlns:a14="http://schemas.microsoft.com/office/drawing/2010/main" val="0"/>
+              </a:ext>
+            </a:extLst>
+          </a:blip>
+          <a:srcRect/>
+          <a:stretch>
+            <a:fillRect/>
+          </a:stretch>
+        </p:blipFill>
+        <p:spPr bwMode="auto">
+          <a:xfrm>
+            <a:off x="6376139" y="2829458"/>
+            <a:ext cx="2612413" cy="2612413"/>
+          </a:xfrm>
+          <a:prstGeom prst="rect">
+            <a:avLst/>
+          </a:prstGeom>
+          <a:noFill/>
+          <a:extLst>
+            <a:ext uri="{909E8E84-426E-40DD-AFC4-6F175D3DCCD1}">
+              <a14:hiddenFill xmlns:a14="http://schemas.microsoft.com/office/drawing/2010/main">
+                <a:solidFill>
+                  <a:srgbClr val="FFFFFF"/>
+                </a:solidFill>
+              </a14:hiddenFill>
+            </a:ext>
+          </a:extLst>
+        </p:spPr>
+      </p:pic>
+      <p:pic>
+        <p:nvPicPr>
+          <p:cNvPr id="4" name="Picture 4" descr="FastAPI">
+            <a:extLst>
+              <a:ext uri="{FF2B5EF4-FFF2-40B4-BE49-F238E27FC236}">
+                <a16:creationId xmlns:a16="http://schemas.microsoft.com/office/drawing/2014/main" id="{959E563F-D04A-E511-9075-5598E5C3FC58}"/>
+              </a:ext>
+            </a:extLst>
+          </p:cNvPr>
+          <p:cNvPicPr>
+            <a:picLocks noChangeAspect="1" noChangeArrowheads="1"/>
+          </p:cNvPicPr>
+          <p:nvPr/>
+        </p:nvPicPr>
+        <p:blipFill>
+          <a:blip r:embed="rId6">
+            <a:extLst>
+              <a:ext uri="{28A0092B-C50C-407E-A947-70E740481C1C}">
+                <a14:useLocalDpi xmlns:a14="http://schemas.microsoft.com/office/drawing/2010/main" val="0"/>
+              </a:ext>
+            </a:extLst>
+          </a:blip>
+          <a:srcRect/>
+          <a:stretch>
+            <a:fillRect/>
+          </a:stretch>
+        </p:blipFill>
+        <p:spPr bwMode="auto">
+          <a:xfrm>
+            <a:off x="2734520" y="234977"/>
+            <a:ext cx="9111528" cy="3286563"/>
+          </a:xfrm>
+          <a:prstGeom prst="rect">
+            <a:avLst/>
+          </a:prstGeom>
+          <a:noFill/>
+          <a:extLst>
+            <a:ext uri="{909E8E84-426E-40DD-AFC4-6F175D3DCCD1}">
+              <a14:hiddenFill xmlns:a14="http://schemas.microsoft.com/office/drawing/2010/main">
+                <a:solidFill>
+                  <a:srgbClr val="FFFFFF"/>
+                </a:solidFill>
+              </a14:hiddenFill>
+            </a:ext>
+          </a:extLst>
+        </p:spPr>
+      </p:pic>
+      <p:sp>
+        <p:nvSpPr>
+          <p:cNvPr id="5" name="CuadroTexto 4">
+            <a:extLst>
+              <a:ext uri="{FF2B5EF4-FFF2-40B4-BE49-F238E27FC236}">
+                <a16:creationId xmlns:a16="http://schemas.microsoft.com/office/drawing/2014/main" id="{7FA864E5-CA6C-B9DC-BC76-C7B0FC436A03}"/>
+              </a:ext>
+            </a:extLst>
+          </p:cNvPr>
+          <p:cNvSpPr txBox="1"/>
+          <p:nvPr/>
+        </p:nvSpPr>
+        <p:spPr>
+          <a:xfrm>
+            <a:off x="6261984" y="5478689"/>
+            <a:ext cx="2974108" cy="369332"/>
+          </a:xfrm>
+          <a:prstGeom prst="rect">
+            <a:avLst/>
+          </a:prstGeom>
+          <a:noFill/>
+        </p:spPr>
+        <p:txBody>
+          <a:bodyPr wrap="square">
+            <a:spAutoFit/>
+          </a:bodyPr>
+          <a:lstStyle/>
+          <a:p>
+            <a:r>
+              <a:rPr lang="es-CO" dirty="0">
+                <a:hlinkClick r:id="rId7"/>
+              </a:rPr>
+              <a:t>https://fastapi.tiangolo.com/</a:t>
+            </a:r>
+            <a:r>
+              <a:rPr lang="es-CO" dirty="0"/>
+              <a:t> </a:t>
+            </a:r>
+          </a:p>
+        </p:txBody>
+      </p:sp>
+    </p:spTree>
+    <p:extLst>
+      <p:ext uri="{BB962C8B-B14F-4D97-AF65-F5344CB8AC3E}">
+        <p14:creationId xmlns:p14="http://schemas.microsoft.com/office/powerpoint/2010/main" val="1244888317"/>
+      </p:ext>
+    </p:extLst>
+  </p:cSld>
+  <p:clrMapOvr>
+    <a:masterClrMapping/>
+  </p:clrMapOvr>
+</p:sld>
+</file>
+
+<file path=ppt/slides/slide6.xml><?xml version="1.0" encoding="utf-8"?>
+<p:sld xmlns:a="http://schemas.openxmlformats.org/drawingml/2006/main" xmlns:r="http://schemas.openxmlformats.org/officeDocument/2006/relationships" xmlns:p="http://schemas.openxmlformats.org/presentationml/2006/main">
+  <p:cSld>
+    <p:spTree>
+      <p:nvGrpSpPr>
+        <p:cNvPr id="1" name="">
+          <a:extLst>
+            <a:ext uri="{FF2B5EF4-FFF2-40B4-BE49-F238E27FC236}">
+              <a16:creationId xmlns:a16="http://schemas.microsoft.com/office/drawing/2014/main" id="{EAC216F2-F44A-3D54-9F4A-794D6FF029EF}"/>
+            </a:ext>
+          </a:extLst>
+        </p:cNvPr>
+        <p:cNvGrpSpPr/>
+        <p:nvPr/>
+      </p:nvGrpSpPr>
+      <p:grpSpPr>
+        <a:xfrm>
+          <a:off x="0" y="0"/>
+          <a:ext cx="0" cy="0"/>
+          <a:chOff x="0" y="0"/>
+          <a:chExt cx="0" cy="0"/>
+        </a:xfrm>
+      </p:grpSpPr>
+      <p:grpSp>
+        <p:nvGrpSpPr>
+          <p:cNvPr id="6" name="Grupo 5">
+            <a:extLst>
+              <a:ext uri="{FF2B5EF4-FFF2-40B4-BE49-F238E27FC236}">
+                <a16:creationId xmlns:a16="http://schemas.microsoft.com/office/drawing/2014/main" id="{455B3677-8EE0-9BC1-2CD2-0C42C48F8E15}"/>
+              </a:ext>
+            </a:extLst>
+          </p:cNvPr>
+          <p:cNvGrpSpPr/>
+          <p:nvPr/>
+        </p:nvGrpSpPr>
+        <p:grpSpPr>
+          <a:xfrm>
+            <a:off x="681942" y="2404233"/>
+            <a:ext cx="1572866" cy="1991432"/>
+            <a:chOff x="681942" y="2418801"/>
+            <a:chExt cx="1572866" cy="1991432"/>
+          </a:xfrm>
+        </p:grpSpPr>
+        <p:pic>
+          <p:nvPicPr>
+            <p:cNvPr id="7" name="Gráfico 6">
+              <a:extLst>
+                <a:ext uri="{FF2B5EF4-FFF2-40B4-BE49-F238E27FC236}">
+                  <a16:creationId xmlns:a16="http://schemas.microsoft.com/office/drawing/2014/main" id="{0B6A141A-AB55-6FC8-0F3B-B76FC30323E2}"/>
+                </a:ext>
+              </a:extLst>
+            </p:cNvPr>
+            <p:cNvPicPr>
+              <a:picLocks noChangeAspect="1"/>
+            </p:cNvPicPr>
+            <p:nvPr/>
+          </p:nvPicPr>
+          <p:blipFill>
+            <a:blip r:embed="rId3">
+              <a:extLst>
+                <a:ext uri="{96DAC541-7B7A-43D3-8B79-37D633B846F1}">
+                  <asvg:svgBlip xmlns:asvg="http://schemas.microsoft.com/office/drawing/2016/SVG/main" r:embed="rId4"/>
+                </a:ext>
+              </a:extLst>
+            </a:blip>
+            <a:stretch>
+              <a:fillRect/>
+            </a:stretch>
+          </p:blipFill>
+          <p:spPr>
+            <a:xfrm>
+              <a:off x="770323" y="2418801"/>
+              <a:ext cx="1396104" cy="1396104"/>
+            </a:xfrm>
+            <a:prstGeom prst="rect">
+              <a:avLst/>
+            </a:prstGeom>
+          </p:spPr>
+        </p:pic>
+        <p:sp>
+          <p:nvSpPr>
+            <p:cNvPr id="8" name="Rectángulo 7">
+              <a:extLst>
+                <a:ext uri="{FF2B5EF4-FFF2-40B4-BE49-F238E27FC236}">
+                  <a16:creationId xmlns:a16="http://schemas.microsoft.com/office/drawing/2014/main" id="{42F2062F-0129-53B9-D676-86BE95E94BD9}"/>
+                </a:ext>
+              </a:extLst>
+            </p:cNvPr>
+            <p:cNvSpPr/>
+            <p:nvPr/>
+          </p:nvSpPr>
+          <p:spPr>
+            <a:xfrm>
+              <a:off x="681942" y="3794680"/>
+              <a:ext cx="1572866" cy="615553"/>
+            </a:xfrm>
+            <a:prstGeom prst="rect">
+              <a:avLst/>
+            </a:prstGeom>
+          </p:spPr>
+          <p:txBody>
+            <a:bodyPr wrap="none">
+              <a:spAutoFit/>
+            </a:bodyPr>
+            <a:lstStyle/>
+            <a:p>
+              <a:r>
+                <a:rPr lang="es-CO" sz="3400" b="1" dirty="0">
+                  <a:latin typeface="CIBFont Sans" panose="020B0603020202020104" pitchFamily="34" charset="77"/>
+                </a:rPr>
+                <a:t>Docker</a:t>
+              </a:r>
+              <a:endParaRPr lang="es-CO" sz="3400" dirty="0"/>
+            </a:p>
+          </p:txBody>
+        </p:sp>
+      </p:grpSp>
+      <p:pic>
+        <p:nvPicPr>
+          <p:cNvPr id="2050" name="Picture 2" descr="Design and Implementation of Cloud Docker Application Architecture Based on  Machine Learning in Container Management for Smart Manufacturing">
+            <a:extLst>
+              <a:ext uri="{FF2B5EF4-FFF2-40B4-BE49-F238E27FC236}">
+                <a16:creationId xmlns:a16="http://schemas.microsoft.com/office/drawing/2014/main" id="{0705077B-6769-3C60-7D88-4DAA8478320C}"/>
+              </a:ext>
+            </a:extLst>
+          </p:cNvPr>
+          <p:cNvPicPr>
+            <a:picLocks noChangeAspect="1" noChangeArrowheads="1"/>
+          </p:cNvPicPr>
+          <p:nvPr/>
+        </p:nvPicPr>
+        <p:blipFill>
+          <a:blip r:embed="rId5">
+            <a:extLst>
+              <a:ext uri="{28A0092B-C50C-407E-A947-70E740481C1C}">
+                <a14:useLocalDpi xmlns:a14="http://schemas.microsoft.com/office/drawing/2010/main" val="0"/>
+              </a:ext>
+            </a:extLst>
+          </a:blip>
+          <a:srcRect/>
+          <a:stretch>
+            <a:fillRect/>
+          </a:stretch>
+        </p:blipFill>
+        <p:spPr bwMode="auto">
+          <a:xfrm>
+            <a:off x="2851841" y="1172403"/>
+            <a:ext cx="9340159" cy="4513194"/>
+          </a:xfrm>
+          <a:prstGeom prst="rect">
+            <a:avLst/>
+          </a:prstGeom>
+          <a:noFill/>
+          <a:extLst>
+            <a:ext uri="{909E8E84-426E-40DD-AFC4-6F175D3DCCD1}">
+              <a14:hiddenFill xmlns:a14="http://schemas.microsoft.com/office/drawing/2010/main">
+                <a:solidFill>
+                  <a:srgbClr val="FFFFFF"/>
+                </a:solidFill>
+              </a14:hiddenFill>
+            </a:ext>
+          </a:extLst>
+        </p:spPr>
+      </p:pic>
+    </p:spTree>
+    <p:extLst>
+      <p:ext uri="{BB962C8B-B14F-4D97-AF65-F5344CB8AC3E}">
+        <p14:creationId xmlns:p14="http://schemas.microsoft.com/office/powerpoint/2010/main" val="1865095273"/>
+      </p:ext>
+    </p:extLst>
+  </p:cSld>
+  <p:clrMapOvr>
+    <a:masterClrMapping/>
+  </p:clrMapOvr>
+</p:sld>
+</file>
+
+<file path=ppt/slides/slide7.xml><?xml version="1.0" encoding="utf-8"?>
+<p:sld xmlns:a="http://schemas.openxmlformats.org/drawingml/2006/main" xmlns:r="http://schemas.openxmlformats.org/officeDocument/2006/relationships" xmlns:p="http://schemas.openxmlformats.org/presentationml/2006/main">
+  <p:cSld>
+    <p:spTree>
+      <p:nvGrpSpPr>
+        <p:cNvPr id="1" name="">
+          <a:extLst>
+            <a:ext uri="{FF2B5EF4-FFF2-40B4-BE49-F238E27FC236}">
+              <a16:creationId xmlns:a16="http://schemas.microsoft.com/office/drawing/2014/main" id="{4EB2CE6A-C7DB-F32D-5E2D-E7DBC4686201}"/>
+            </a:ext>
+          </a:extLst>
+        </p:cNvPr>
+        <p:cNvGrpSpPr/>
+        <p:nvPr/>
+      </p:nvGrpSpPr>
+      <p:grpSpPr>
+        <a:xfrm>
+          <a:off x="0" y="0"/>
+          <a:ext cx="0" cy="0"/>
+          <a:chOff x="0" y="0"/>
+          <a:chExt cx="0" cy="0"/>
+        </a:xfrm>
+      </p:grpSpPr>
+      <p:grpSp>
+        <p:nvGrpSpPr>
+          <p:cNvPr id="6" name="Grupo 5">
+            <a:extLst>
+              <a:ext uri="{FF2B5EF4-FFF2-40B4-BE49-F238E27FC236}">
+                <a16:creationId xmlns:a16="http://schemas.microsoft.com/office/drawing/2014/main" id="{E95F73B5-87E6-E6B8-977D-083385420B84}"/>
+              </a:ext>
+            </a:extLst>
+          </p:cNvPr>
+          <p:cNvGrpSpPr/>
+          <p:nvPr/>
+        </p:nvGrpSpPr>
+        <p:grpSpPr>
+          <a:xfrm>
+            <a:off x="770323" y="1080226"/>
+            <a:ext cx="1396104" cy="2000485"/>
+            <a:chOff x="770323" y="2418801"/>
+            <a:chExt cx="1396104" cy="2000485"/>
+          </a:xfrm>
+        </p:grpSpPr>
+        <p:pic>
+          <p:nvPicPr>
+            <p:cNvPr id="7" name="Gráfico 6">
+              <a:extLst>
+                <a:ext uri="{FF2B5EF4-FFF2-40B4-BE49-F238E27FC236}">
+                  <a16:creationId xmlns:a16="http://schemas.microsoft.com/office/drawing/2014/main" id="{DD05F234-61DF-475A-04EE-ED773F6D9F33}"/>
+                </a:ext>
+              </a:extLst>
+            </p:cNvPr>
+            <p:cNvPicPr>
+              <a:picLocks noChangeAspect="1"/>
+            </p:cNvPicPr>
+            <p:nvPr/>
+          </p:nvPicPr>
+          <p:blipFill>
+            <a:blip r:embed="rId3">
+              <a:extLst>
+                <a:ext uri="{96DAC541-7B7A-43D3-8B79-37D633B846F1}">
+                  <asvg:svgBlip xmlns:asvg="http://schemas.microsoft.com/office/drawing/2016/SVG/main" r:embed="rId4"/>
+                </a:ext>
+              </a:extLst>
+            </a:blip>
+            <a:stretch>
+              <a:fillRect/>
+            </a:stretch>
+          </p:blipFill>
+          <p:spPr>
+            <a:xfrm>
+              <a:off x="770323" y="2418801"/>
+              <a:ext cx="1396104" cy="1396104"/>
+            </a:xfrm>
+            <a:prstGeom prst="rect">
+              <a:avLst/>
+            </a:prstGeom>
+          </p:spPr>
+        </p:pic>
+        <p:sp>
+          <p:nvSpPr>
+            <p:cNvPr id="8" name="Rectángulo 7">
+              <a:extLst>
+                <a:ext uri="{FF2B5EF4-FFF2-40B4-BE49-F238E27FC236}">
+                  <a16:creationId xmlns:a16="http://schemas.microsoft.com/office/drawing/2014/main" id="{86C120DB-7F21-7BA3-4224-1B094C3AC4E5}"/>
+                </a:ext>
+              </a:extLst>
+            </p:cNvPr>
+            <p:cNvSpPr/>
+            <p:nvPr/>
+          </p:nvSpPr>
+          <p:spPr>
+            <a:xfrm>
+              <a:off x="923193" y="3803733"/>
+              <a:ext cx="1090363" cy="615553"/>
+            </a:xfrm>
+            <a:prstGeom prst="rect">
+              <a:avLst/>
+            </a:prstGeom>
+          </p:spPr>
+          <p:txBody>
+            <a:bodyPr wrap="none">
+              <a:spAutoFit/>
+            </a:bodyPr>
+            <a:lstStyle/>
+            <a:p>
+              <a:r>
+                <a:rPr lang="es-CO" sz="3400" b="1" dirty="0">
+                  <a:latin typeface="CIBFont Sans" panose="020B0603020202020104" pitchFamily="34" charset="77"/>
+                </a:rPr>
+                <a:t>AWS</a:t>
+              </a:r>
+              <a:endParaRPr lang="es-CO" sz="3400" dirty="0"/>
+            </a:p>
+          </p:txBody>
+        </p:sp>
+      </p:grpSp>
+      <p:pic>
+        <p:nvPicPr>
+          <p:cNvPr id="3" name="Imagen 2">
+            <a:extLst>
+              <a:ext uri="{FF2B5EF4-FFF2-40B4-BE49-F238E27FC236}">
+                <a16:creationId xmlns:a16="http://schemas.microsoft.com/office/drawing/2014/main" id="{85984847-17FE-2392-21FF-52BE01A2245C}"/>
+              </a:ext>
+            </a:extLst>
+          </p:cNvPr>
+          <p:cNvPicPr>
+            <a:picLocks noChangeAspect="1"/>
+          </p:cNvPicPr>
+          <p:nvPr/>
+        </p:nvPicPr>
+        <p:blipFill>
+          <a:blip r:embed="rId5"/>
+          <a:stretch>
+            <a:fillRect/>
+          </a:stretch>
+        </p:blipFill>
+        <p:spPr>
+          <a:xfrm>
+            <a:off x="6103776" y="0"/>
+            <a:ext cx="6088224" cy="6858000"/>
+          </a:xfrm>
+          <a:prstGeom prst="rect">
+            <a:avLst/>
+          </a:prstGeom>
+        </p:spPr>
+      </p:pic>
+      <p:pic>
+        <p:nvPicPr>
+          <p:cNvPr id="6148" name="Picture 4" descr="Servicios web de Amazon - Unimedia Technology">
+            <a:extLst>
+              <a:ext uri="{FF2B5EF4-FFF2-40B4-BE49-F238E27FC236}">
+                <a16:creationId xmlns:a16="http://schemas.microsoft.com/office/drawing/2014/main" id="{4376F1C6-D4FF-0261-E0ED-B2069378511D}"/>
+              </a:ext>
+            </a:extLst>
+          </p:cNvPr>
+          <p:cNvPicPr>
+            <a:picLocks noChangeAspect="1" noChangeArrowheads="1"/>
+          </p:cNvPicPr>
+          <p:nvPr/>
+        </p:nvPicPr>
+        <p:blipFill>
+          <a:blip r:embed="rId6">
+            <a:extLst>
+              <a:ext uri="{28A0092B-C50C-407E-A947-70E740481C1C}">
+                <a14:useLocalDpi xmlns:a14="http://schemas.microsoft.com/office/drawing/2010/main" val="0"/>
+              </a:ext>
+            </a:extLst>
+          </a:blip>
+          <a:srcRect/>
+          <a:stretch>
+            <a:fillRect/>
+          </a:stretch>
+        </p:blipFill>
+        <p:spPr bwMode="auto">
+          <a:xfrm>
+            <a:off x="571147" y="3429000"/>
+            <a:ext cx="5065200" cy="1903671"/>
+          </a:xfrm>
+          <a:prstGeom prst="rect">
+            <a:avLst/>
+          </a:prstGeom>
+          <a:noFill/>
+          <a:extLst>
+            <a:ext uri="{909E8E84-426E-40DD-AFC4-6F175D3DCCD1}">
+              <a14:hiddenFill xmlns:a14="http://schemas.microsoft.com/office/drawing/2010/main">
+                <a:solidFill>
+                  <a:srgbClr val="FFFFFF"/>
+                </a:solidFill>
+              </a14:hiddenFill>
+            </a:ext>
+          </a:extLst>
+        </p:spPr>
+      </p:pic>
+    </p:spTree>
+    <p:extLst>
+      <p:ext uri="{BB962C8B-B14F-4D97-AF65-F5344CB8AC3E}">
+        <p14:creationId xmlns:p14="http://schemas.microsoft.com/office/powerpoint/2010/main" val="2707966997"/>
+      </p:ext>
+    </p:extLst>
+  </p:cSld>
+  <p:clrMapOvr>
+    <a:masterClrMapping/>
+  </p:clrMapOvr>
+</p:sld>
+</file>
+
+<file path=ppt/slides/slide8.xml><?xml version="1.0" encoding="utf-8"?>
+<p:sld xmlns:a="http://schemas.openxmlformats.org/drawingml/2006/main" xmlns:r="http://schemas.openxmlformats.org/officeDocument/2006/relationships" xmlns:p="http://schemas.openxmlformats.org/presentationml/2006/main">
+  <p:cSld>
+    <p:spTree>
+      <p:nvGrpSpPr>
+        <p:cNvPr id="1" name="">
+          <a:extLst>
+            <a:ext uri="{FF2B5EF4-FFF2-40B4-BE49-F238E27FC236}">
+              <a16:creationId xmlns:a16="http://schemas.microsoft.com/office/drawing/2014/main" id="{6C9B2943-A271-13C2-F035-2F04F886D102}"/>
+            </a:ext>
+          </a:extLst>
+        </p:cNvPr>
+        <p:cNvGrpSpPr/>
+        <p:nvPr/>
+      </p:nvGrpSpPr>
+      <p:grpSpPr>
+        <a:xfrm>
+          <a:off x="0" y="0"/>
+          <a:ext cx="0" cy="0"/>
+          <a:chOff x="0" y="0"/>
+          <a:chExt cx="0" cy="0"/>
+        </a:xfrm>
+      </p:grpSpPr>
+      <p:grpSp>
+        <p:nvGrpSpPr>
+          <p:cNvPr id="6" name="Grupo 5">
+            <a:extLst>
+              <a:ext uri="{FF2B5EF4-FFF2-40B4-BE49-F238E27FC236}">
+                <a16:creationId xmlns:a16="http://schemas.microsoft.com/office/drawing/2014/main" id="{A4908DB3-C181-00F9-A695-C4E6782DA98D}"/>
+              </a:ext>
+            </a:extLst>
+          </p:cNvPr>
+          <p:cNvGrpSpPr/>
+          <p:nvPr/>
+        </p:nvGrpSpPr>
+        <p:grpSpPr>
+          <a:xfrm>
+            <a:off x="770323" y="2404233"/>
+            <a:ext cx="1396104" cy="2000485"/>
+            <a:chOff x="770323" y="2418801"/>
+            <a:chExt cx="1396104" cy="2000485"/>
+          </a:xfrm>
+        </p:grpSpPr>
+        <p:pic>
+          <p:nvPicPr>
+            <p:cNvPr id="7" name="Gráfico 6">
+              <a:extLst>
+                <a:ext uri="{FF2B5EF4-FFF2-40B4-BE49-F238E27FC236}">
+                  <a16:creationId xmlns:a16="http://schemas.microsoft.com/office/drawing/2014/main" id="{4B5B09CF-D626-986A-05F0-93844F1CEE42}"/>
+                </a:ext>
+              </a:extLst>
+            </p:cNvPr>
+            <p:cNvPicPr>
+              <a:picLocks noChangeAspect="1"/>
+            </p:cNvPicPr>
+            <p:nvPr/>
+          </p:nvPicPr>
+          <p:blipFill>
+            <a:blip r:embed="rId3">
+              <a:extLst>
+                <a:ext uri="{96DAC541-7B7A-43D3-8B79-37D633B846F1}">
+                  <asvg:svgBlip xmlns:asvg="http://schemas.microsoft.com/office/drawing/2016/SVG/main" r:embed="rId4"/>
+                </a:ext>
+              </a:extLst>
+            </a:blip>
+            <a:stretch>
+              <a:fillRect/>
+            </a:stretch>
+          </p:blipFill>
+          <p:spPr>
+            <a:xfrm>
+              <a:off x="770323" y="2418801"/>
+              <a:ext cx="1396104" cy="1396104"/>
+            </a:xfrm>
+            <a:prstGeom prst="rect">
+              <a:avLst/>
+            </a:prstGeom>
+          </p:spPr>
+        </p:pic>
+        <p:sp>
+          <p:nvSpPr>
+            <p:cNvPr id="8" name="Rectángulo 7">
+              <a:extLst>
+                <a:ext uri="{FF2B5EF4-FFF2-40B4-BE49-F238E27FC236}">
+                  <a16:creationId xmlns:a16="http://schemas.microsoft.com/office/drawing/2014/main" id="{8576AB30-6917-25D9-9EED-47D461573A67}"/>
+                </a:ext>
+              </a:extLst>
+            </p:cNvPr>
+            <p:cNvSpPr/>
+            <p:nvPr/>
+          </p:nvSpPr>
+          <p:spPr>
+            <a:xfrm>
+              <a:off x="992122" y="3803733"/>
+              <a:ext cx="952505" cy="615553"/>
+            </a:xfrm>
+            <a:prstGeom prst="rect">
+              <a:avLst/>
+            </a:prstGeom>
+          </p:spPr>
+          <p:txBody>
+            <a:bodyPr wrap="none">
+              <a:spAutoFit/>
+            </a:bodyPr>
+            <a:lstStyle/>
+            <a:p>
+              <a:r>
+                <a:rPr lang="es-CO" sz="3400" b="1" dirty="0">
+                  <a:latin typeface="CIBFont Sans" panose="020B0603020202020104" pitchFamily="34" charset="77"/>
+                </a:rPr>
+                <a:t>EC2</a:t>
+              </a:r>
+              <a:endParaRPr lang="es-CO" sz="3400" dirty="0"/>
+            </a:p>
+          </p:txBody>
+        </p:sp>
+      </p:grpSp>
+      <p:pic>
+        <p:nvPicPr>
+          <p:cNvPr id="5122" name="Picture 2" descr="AWS | Community | Introduction to Amazon EC2">
+            <a:extLst>
+              <a:ext uri="{FF2B5EF4-FFF2-40B4-BE49-F238E27FC236}">
+                <a16:creationId xmlns:a16="http://schemas.microsoft.com/office/drawing/2014/main" id="{326983E2-8255-0B2D-C09B-59F55830ECFC}"/>
+              </a:ext>
+            </a:extLst>
+          </p:cNvPr>
+          <p:cNvPicPr>
+            <a:picLocks noChangeAspect="1" noChangeArrowheads="1"/>
+          </p:cNvPicPr>
+          <p:nvPr/>
+        </p:nvPicPr>
+        <p:blipFill>
+          <a:blip r:embed="rId5">
+            <a:extLst>
+              <a:ext uri="{28A0092B-C50C-407E-A947-70E740481C1C}">
+                <a14:useLocalDpi xmlns:a14="http://schemas.microsoft.com/office/drawing/2010/main" val="0"/>
+              </a:ext>
+            </a:extLst>
+          </a:blip>
+          <a:srcRect/>
+          <a:stretch>
+            <a:fillRect/>
+          </a:stretch>
+        </p:blipFill>
+        <p:spPr bwMode="auto">
+          <a:xfrm>
+            <a:off x="4154646" y="1540704"/>
+            <a:ext cx="6419802" cy="3604590"/>
+          </a:xfrm>
+          <a:prstGeom prst="rect">
+            <a:avLst/>
+          </a:prstGeom>
+          <a:noFill/>
+          <a:extLst>
+            <a:ext uri="{909E8E84-426E-40DD-AFC4-6F175D3DCCD1}">
+              <a14:hiddenFill xmlns:a14="http://schemas.microsoft.com/office/drawing/2010/main">
+                <a:solidFill>
+                  <a:srgbClr val="FFFFFF"/>
+                </a:solidFill>
+              </a14:hiddenFill>
+            </a:ext>
+          </a:extLst>
+        </p:spPr>
+      </p:pic>
+    </p:spTree>
+    <p:extLst>
+      <p:ext uri="{BB962C8B-B14F-4D97-AF65-F5344CB8AC3E}">
+        <p14:creationId xmlns:p14="http://schemas.microsoft.com/office/powerpoint/2010/main" val="3933849820"/>
+      </p:ext>
+    </p:extLst>
+  </p:cSld>
+  <p:clrMapOvr>
+    <a:masterClrMapping/>
+  </p:clrMapOvr>
+</p:sld>
+</file>
+
+<file path=ppt/slides/slide9.xml><?xml version="1.0" encoding="utf-8"?>
+<p:sld xmlns:a="http://schemas.openxmlformats.org/drawingml/2006/main" xmlns:r="http://schemas.openxmlformats.org/officeDocument/2006/relationships" xmlns:p="http://schemas.openxmlformats.org/presentationml/2006/main">
+  <p:cSld>
+    <p:spTree>
+      <p:nvGrpSpPr>
         <p:cNvPr id="1" name=""/>
         <p:cNvGrpSpPr/>
         <p:nvPr/>
@@ -4840,8 +8954,8 @@
         </p:nvSpPr>
         <p:spPr>
           <a:xfrm>
-            <a:off x="3621417" y="1566952"/>
-            <a:ext cx="7579983" cy="3724096"/>
+            <a:off x="3684816" y="951398"/>
+            <a:ext cx="7579983" cy="4955203"/>
           </a:xfrm>
           <a:prstGeom prst="rect">
             <a:avLst/>
@@ -4859,21 +8973,21 @@
               <a:buChar char="•"/>
             </a:pPr>
             <a:r>
-              <a:rPr lang="es-CO" dirty="0"/>
+              <a:rPr lang="es-CO" sz="2400" dirty="0"/>
               <a:t>Hola mundo con </a:t>
             </a:r>
             <a:r>
-              <a:rPr lang="es-CO" dirty="0" err="1"/>
+              <a:rPr lang="es-CO" sz="2400" dirty="0" err="1"/>
               <a:t>FastAPI</a:t>
             </a:r>
-            <a:endParaRPr lang="es-CO" dirty="0"/>
+            <a:endParaRPr lang="es-CO" sz="2400" dirty="0"/>
           </a:p>
           <a:p>
             <a:pPr marL="342900" indent="-342900">
               <a:buFont typeface="Arial" panose="020B0604020202020204" pitchFamily="34" charset="0"/>
               <a:buChar char="•"/>
             </a:pPr>
-            <a:endParaRPr lang="es-CO" dirty="0"/>
+            <a:endParaRPr lang="es-CO" sz="2400" dirty="0"/>
           </a:p>
           <a:p>
             <a:pPr marL="342900" indent="-342900">
@@ -4881,7 +8995,7 @@
               <a:buChar char="•"/>
             </a:pPr>
             <a:r>
-              <a:rPr lang="es-CO" dirty="0"/>
+              <a:rPr lang="es-CO" sz="2400" dirty="0"/>
               <a:t>Cuenta AWS</a:t>
             </a:r>
           </a:p>
@@ -4890,7 +9004,7 @@
               <a:buFont typeface="Arial" panose="020B0604020202020204" pitchFamily="34" charset="0"/>
               <a:buChar char="•"/>
             </a:pPr>
-            <a:endParaRPr lang="es-CO" dirty="0"/>
+            <a:endParaRPr lang="es-CO" sz="2400" dirty="0"/>
           </a:p>
           <a:p>
             <a:pPr marL="342900" indent="-342900">
@@ -4898,21 +9012,21 @@
               <a:buChar char="•"/>
             </a:pPr>
             <a:r>
-              <a:rPr lang="es-CO" dirty="0"/>
+              <a:rPr lang="es-CO" sz="2400" dirty="0"/>
               <a:t>Crear tabla en </a:t>
             </a:r>
             <a:r>
-              <a:rPr lang="es-CO" dirty="0" err="1"/>
+              <a:rPr lang="es-CO" sz="2400" dirty="0" err="1"/>
               <a:t>DynamoDB</a:t>
             </a:r>
-            <a:endParaRPr lang="es-CO" dirty="0"/>
+            <a:endParaRPr lang="es-CO" sz="2400" dirty="0"/>
           </a:p>
           <a:p>
             <a:pPr marL="342900" indent="-342900">
               <a:buFont typeface="Arial" panose="020B0604020202020204" pitchFamily="34" charset="0"/>
               <a:buChar char="•"/>
             </a:pPr>
-            <a:endParaRPr lang="es-CO" dirty="0"/>
+            <a:endParaRPr lang="es-CO" sz="2400" dirty="0"/>
           </a:p>
           <a:p>
             <a:pPr marL="342900" indent="-342900">
@@ -4920,29 +9034,29 @@
               <a:buChar char="•"/>
             </a:pPr>
             <a:r>
-              <a:rPr lang="es-CO" dirty="0"/>
+              <a:rPr lang="es-CO" sz="2400" dirty="0"/>
               <a:t>Consulta de datos en </a:t>
             </a:r>
             <a:r>
-              <a:rPr lang="es-CO" dirty="0" err="1"/>
+              <a:rPr lang="es-CO" sz="2400" dirty="0" err="1"/>
               <a:t>DynamoDB</a:t>
             </a:r>
             <a:r>
-              <a:rPr lang="es-CO" dirty="0"/>
+              <a:rPr lang="es-CO" sz="2400" dirty="0"/>
               <a:t> con </a:t>
             </a:r>
             <a:r>
-              <a:rPr lang="es-CO" dirty="0" err="1"/>
+              <a:rPr lang="es-CO" sz="2400" dirty="0" err="1"/>
               <a:t>FastAPI</a:t>
             </a:r>
-            <a:endParaRPr lang="es-CO" dirty="0"/>
+            <a:endParaRPr lang="es-CO" sz="2400" dirty="0"/>
           </a:p>
           <a:p>
             <a:pPr marL="342900" indent="-342900">
               <a:buFont typeface="Arial" panose="020B0604020202020204" pitchFamily="34" charset="0"/>
               <a:buChar char="•"/>
             </a:pPr>
-            <a:endParaRPr lang="es-CO" dirty="0"/>
+            <a:endParaRPr lang="es-CO" sz="2400" dirty="0"/>
           </a:p>
           <a:p>
             <a:pPr marL="342900" indent="-342900">
@@ -4950,7 +9064,7 @@
               <a:buChar char="•"/>
             </a:pPr>
             <a:r>
-              <a:rPr lang="es-CO" dirty="0"/>
+              <a:rPr lang="es-CO" sz="2400" dirty="0"/>
               <a:t>Crear y configurar servidor EC2</a:t>
             </a:r>
           </a:p>
@@ -4959,7 +9073,7 @@
               <a:buFont typeface="Arial" panose="020B0604020202020204" pitchFamily="34" charset="0"/>
               <a:buChar char="•"/>
             </a:pPr>
-            <a:endParaRPr lang="es-CO" sz="2000" dirty="0"/>
+            <a:endParaRPr lang="es-CO" sz="2800" dirty="0"/>
           </a:p>
           <a:p>
             <a:pPr marL="342900" indent="-342900">
@@ -4967,7 +9081,7 @@
               <a:buChar char="•"/>
             </a:pPr>
             <a:r>
-              <a:rPr lang="es-CO" dirty="0"/>
+              <a:rPr lang="es-CO" sz="2400" dirty="0"/>
               <a:t>Desplegar API con Docker</a:t>
             </a:r>
           </a:p>
@@ -4976,7 +9090,7 @@
               <a:buFont typeface="Arial" panose="020B0604020202020204" pitchFamily="34" charset="0"/>
               <a:buChar char="•"/>
             </a:pPr>
-            <a:endParaRPr lang="es-CO" dirty="0"/>
+            <a:endParaRPr lang="es-CO" sz="2400" dirty="0"/>
           </a:p>
           <a:p>
             <a:pPr marL="342900" indent="-342900">
@@ -4984,7 +9098,7 @@
               <a:buChar char="•"/>
             </a:pPr>
             <a:r>
-              <a:rPr lang="es-CO" dirty="0"/>
+              <a:rPr lang="es-CO" sz="2400" dirty="0"/>
               <a:t>Conclusiones</a:t>
             </a:r>
           </a:p>
@@ -5005,9 +9119,9 @@
         <p:grpSpPr>
           <a:xfrm>
             <a:off x="770323" y="2404233"/>
-            <a:ext cx="1396104" cy="2011657"/>
+            <a:ext cx="1396104" cy="2018592"/>
             <a:chOff x="770323" y="2418801"/>
-            <a:chExt cx="1396104" cy="2011657"/>
+            <a:chExt cx="1396104" cy="2018592"/>
           </a:xfrm>
         </p:grpSpPr>
         <p:pic>
@@ -5060,8 +9174,8 @@
           </p:nvSpPr>
           <p:spPr>
             <a:xfrm>
-              <a:off x="927201" y="3814905"/>
-              <a:ext cx="1101584" cy="615553"/>
+              <a:off x="827815" y="3821840"/>
+              <a:ext cx="1281120" cy="615553"/>
             </a:xfrm>
             <a:prstGeom prst="rect">
               <a:avLst/>
@@ -5077,7 +9191,7 @@
                 <a:rPr lang="es-CO" sz="3400" b="1" dirty="0">
                   <a:latin typeface="CIBFont Sans" panose="020B0603020202020104" pitchFamily="34" charset="77"/>
                 </a:rPr>
-                <a:t>Ruta</a:t>
+                <a:t>Taller</a:t>
               </a:r>
               <a:endParaRPr lang="es-CO" sz="3400" dirty="0"/>
             </a:p>
@@ -5088,1879 +9202,6 @@
     <p:extLst>
       <p:ext uri="{BB962C8B-B14F-4D97-AF65-F5344CB8AC3E}">
         <p14:creationId xmlns:p14="http://schemas.microsoft.com/office/powerpoint/2010/main" val="4134973130"/>
-      </p:ext>
-    </p:extLst>
-  </p:cSld>
-  <p:clrMapOvr>
-    <a:masterClrMapping/>
-  </p:clrMapOvr>
-</p:sld>
-</file>
-
-<file path=ppt/slides/slide4.xml><?xml version="1.0" encoding="utf-8"?>
-<p:sld xmlns:a="http://schemas.openxmlformats.org/drawingml/2006/main" xmlns:r="http://schemas.openxmlformats.org/officeDocument/2006/relationships" xmlns:p="http://schemas.openxmlformats.org/presentationml/2006/main">
-  <p:cSld>
-    <p:bg>
-      <p:bgPr>
-        <a:solidFill>
-          <a:srgbClr val="A85FD7"/>
-        </a:solidFill>
-        <a:effectLst/>
-      </p:bgPr>
-    </p:bg>
-    <p:spTree>
-      <p:nvGrpSpPr>
-        <p:cNvPr id="1" name=""/>
-        <p:cNvGrpSpPr/>
-        <p:nvPr/>
-      </p:nvGrpSpPr>
-      <p:grpSpPr>
-        <a:xfrm>
-          <a:off x="0" y="0"/>
-          <a:ext cx="0" cy="0"/>
-          <a:chOff x="0" y="0"/>
-          <a:chExt cx="0" cy="0"/>
-        </a:xfrm>
-      </p:grpSpPr>
-      <p:pic>
-        <p:nvPicPr>
-          <p:cNvPr id="14" name="Gráfico 13">
-            <a:extLst>
-              <a:ext uri="{FF2B5EF4-FFF2-40B4-BE49-F238E27FC236}">
-                <a16:creationId xmlns:a16="http://schemas.microsoft.com/office/drawing/2014/main" id="{D540A892-0C6B-6F0A-17CB-7A4912E979D1}"/>
-              </a:ext>
-            </a:extLst>
-          </p:cNvPr>
-          <p:cNvPicPr>
-            <a:picLocks noChangeAspect="1"/>
-          </p:cNvPicPr>
-          <p:nvPr/>
-        </p:nvPicPr>
-        <p:blipFill>
-          <a:blip r:embed="rId2">
-            <a:extLst>
-              <a:ext uri="{28A0092B-C50C-407E-A947-70E740481C1C}">
-                <a14:useLocalDpi xmlns:a14="http://schemas.microsoft.com/office/drawing/2010/main" val="0"/>
-              </a:ext>
-              <a:ext uri="{96DAC541-7B7A-43D3-8B79-37D633B846F1}">
-                <asvg:svgBlip xmlns:asvg="http://schemas.microsoft.com/office/drawing/2016/SVG/main" r:embed="rId3"/>
-              </a:ext>
-            </a:extLst>
-          </a:blip>
-          <a:stretch>
-            <a:fillRect/>
-          </a:stretch>
-        </p:blipFill>
-        <p:spPr>
-          <a:xfrm>
-            <a:off x="-159808" y="1531345"/>
-            <a:ext cx="3361493" cy="2719541"/>
-          </a:xfrm>
-          <a:prstGeom prst="rect">
-            <a:avLst/>
-          </a:prstGeom>
-        </p:spPr>
-      </p:pic>
-      <p:pic>
-        <p:nvPicPr>
-          <p:cNvPr id="16" name="Gráfico 15">
-            <a:extLst>
-              <a:ext uri="{FF2B5EF4-FFF2-40B4-BE49-F238E27FC236}">
-                <a16:creationId xmlns:a16="http://schemas.microsoft.com/office/drawing/2014/main" id="{8AED6F10-2816-5A12-4A72-0AF6631A54A9}"/>
-              </a:ext>
-            </a:extLst>
-          </p:cNvPr>
-          <p:cNvPicPr>
-            <a:picLocks noChangeAspect="1"/>
-          </p:cNvPicPr>
-          <p:nvPr/>
-        </p:nvPicPr>
-        <p:blipFill>
-          <a:blip r:embed="rId4">
-            <a:extLst>
-              <a:ext uri="{28A0092B-C50C-407E-A947-70E740481C1C}">
-                <a14:useLocalDpi xmlns:a14="http://schemas.microsoft.com/office/drawing/2010/main" val="0"/>
-              </a:ext>
-              <a:ext uri="{96DAC541-7B7A-43D3-8B79-37D633B846F1}">
-                <asvg:svgBlip xmlns:asvg="http://schemas.microsoft.com/office/drawing/2016/SVG/main" r:embed="rId5"/>
-              </a:ext>
-            </a:extLst>
-          </a:blip>
-          <a:stretch>
-            <a:fillRect/>
-          </a:stretch>
-        </p:blipFill>
-        <p:spPr>
-          <a:xfrm>
-            <a:off x="9503475" y="2533880"/>
-            <a:ext cx="4271344" cy="1329491"/>
-          </a:xfrm>
-          <a:prstGeom prst="rect">
-            <a:avLst/>
-          </a:prstGeom>
-        </p:spPr>
-      </p:pic>
-      <p:pic>
-        <p:nvPicPr>
-          <p:cNvPr id="18" name="Gráfico 17">
-            <a:extLst>
-              <a:ext uri="{FF2B5EF4-FFF2-40B4-BE49-F238E27FC236}">
-                <a16:creationId xmlns:a16="http://schemas.microsoft.com/office/drawing/2014/main" id="{019CCCEE-0575-D36A-15E3-722A18A98899}"/>
-              </a:ext>
-            </a:extLst>
-          </p:cNvPr>
-          <p:cNvPicPr>
-            <a:picLocks noChangeAspect="1"/>
-          </p:cNvPicPr>
-          <p:nvPr/>
-        </p:nvPicPr>
-        <p:blipFill>
-          <a:blip r:embed="rId6">
-            <a:extLst>
-              <a:ext uri="{28A0092B-C50C-407E-A947-70E740481C1C}">
-                <a14:useLocalDpi xmlns:a14="http://schemas.microsoft.com/office/drawing/2010/main" val="0"/>
-              </a:ext>
-              <a:ext uri="{96DAC541-7B7A-43D3-8B79-37D633B846F1}">
-                <asvg:svgBlip xmlns:asvg="http://schemas.microsoft.com/office/drawing/2016/SVG/main" r:embed="rId7"/>
-              </a:ext>
-            </a:extLst>
-          </a:blip>
-          <a:stretch>
-            <a:fillRect/>
-          </a:stretch>
-        </p:blipFill>
-        <p:spPr>
-          <a:xfrm>
-            <a:off x="4830528" y="6191480"/>
-            <a:ext cx="2279026" cy="287644"/>
-          </a:xfrm>
-          <a:prstGeom prst="rect">
-            <a:avLst/>
-          </a:prstGeom>
-        </p:spPr>
-      </p:pic>
-      <p:sp>
-        <p:nvSpPr>
-          <p:cNvPr id="2" name="Marcador de texto 6">
-            <a:extLst>
-              <a:ext uri="{FF2B5EF4-FFF2-40B4-BE49-F238E27FC236}">
-                <a16:creationId xmlns:a16="http://schemas.microsoft.com/office/drawing/2014/main" id="{82EB9762-B08C-F680-992B-DFCE37A15943}"/>
-              </a:ext>
-            </a:extLst>
-          </p:cNvPr>
-          <p:cNvSpPr txBox="1">
-            <a:spLocks/>
-          </p:cNvSpPr>
-          <p:nvPr/>
-        </p:nvSpPr>
-        <p:spPr>
-          <a:xfrm>
-            <a:off x="4391538" y="3303121"/>
-            <a:ext cx="3922084" cy="644190"/>
-          </a:xfrm>
-          <a:prstGeom prst="rect">
-            <a:avLst/>
-          </a:prstGeom>
-          <a:effectLst>
-            <a:outerShdw blurRad="304800" dir="2700000" sx="110000" sy="110000" algn="tl" rotWithShape="0">
-              <a:prstClr val="black">
-                <a:alpha val="40000"/>
-              </a:prstClr>
-            </a:outerShdw>
-          </a:effectLst>
-        </p:spPr>
-        <p:txBody>
-          <a:bodyPr/>
-          <a:lstStyle>
-            <a:lvl1pPr marL="228600" indent="-228600" algn="l" defTabSz="914400" rtl="0" eaLnBrk="1" latinLnBrk="0" hangingPunct="1">
-              <a:lnSpc>
-                <a:spcPct val="90000"/>
-              </a:lnSpc>
-              <a:spcBef>
-                <a:spcPts val="1000"/>
-              </a:spcBef>
-              <a:buFont typeface="Arial" panose="020B0604020202020204" pitchFamily="34" charset="0"/>
-              <a:buChar char="•"/>
-              <a:defRPr sz="2800" kern="1200">
-                <a:solidFill>
-                  <a:schemeClr val="tx1"/>
-                </a:solidFill>
-                <a:latin typeface="+mn-lt"/>
-                <a:ea typeface="+mn-ea"/>
-                <a:cs typeface="+mn-cs"/>
-              </a:defRPr>
-            </a:lvl1pPr>
-            <a:lvl2pPr marL="685800" indent="-228600" algn="l" defTabSz="914400" rtl="0" eaLnBrk="1" latinLnBrk="0" hangingPunct="1">
-              <a:lnSpc>
-                <a:spcPct val="90000"/>
-              </a:lnSpc>
-              <a:spcBef>
-                <a:spcPts val="500"/>
-              </a:spcBef>
-              <a:buFont typeface="Arial" panose="020B0604020202020204" pitchFamily="34" charset="0"/>
-              <a:buChar char="•"/>
-              <a:defRPr sz="2400" kern="1200">
-                <a:solidFill>
-                  <a:schemeClr val="tx1"/>
-                </a:solidFill>
-                <a:latin typeface="+mn-lt"/>
-                <a:ea typeface="+mn-ea"/>
-                <a:cs typeface="+mn-cs"/>
-              </a:defRPr>
-            </a:lvl2pPr>
-            <a:lvl3pPr marL="1143000" indent="-228600" algn="l" defTabSz="914400" rtl="0" eaLnBrk="1" latinLnBrk="0" hangingPunct="1">
-              <a:lnSpc>
-                <a:spcPct val="90000"/>
-              </a:lnSpc>
-              <a:spcBef>
-                <a:spcPts val="500"/>
-              </a:spcBef>
-              <a:buFont typeface="Arial" panose="020B0604020202020204" pitchFamily="34" charset="0"/>
-              <a:buChar char="•"/>
-              <a:defRPr sz="2000" kern="1200">
-                <a:solidFill>
-                  <a:schemeClr val="tx1"/>
-                </a:solidFill>
-                <a:latin typeface="+mn-lt"/>
-                <a:ea typeface="+mn-ea"/>
-                <a:cs typeface="+mn-cs"/>
-              </a:defRPr>
-            </a:lvl3pPr>
-            <a:lvl4pPr marL="1600200" indent="-228600" algn="l" defTabSz="914400" rtl="0" eaLnBrk="1" latinLnBrk="0" hangingPunct="1">
-              <a:lnSpc>
-                <a:spcPct val="90000"/>
-              </a:lnSpc>
-              <a:spcBef>
-                <a:spcPts val="500"/>
-              </a:spcBef>
-              <a:buFont typeface="Arial" panose="020B0604020202020204" pitchFamily="34" charset="0"/>
-              <a:buChar char="•"/>
-              <a:defRPr sz="1800" kern="1200">
-                <a:solidFill>
-                  <a:schemeClr val="tx1"/>
-                </a:solidFill>
-                <a:latin typeface="+mn-lt"/>
-                <a:ea typeface="+mn-ea"/>
-                <a:cs typeface="+mn-cs"/>
-              </a:defRPr>
-            </a:lvl4pPr>
-            <a:lvl5pPr marL="2057400" indent="-228600" algn="l" defTabSz="914400" rtl="0" eaLnBrk="1" latinLnBrk="0" hangingPunct="1">
-              <a:lnSpc>
-                <a:spcPct val="90000"/>
-              </a:lnSpc>
-              <a:spcBef>
-                <a:spcPts val="500"/>
-              </a:spcBef>
-              <a:buFont typeface="Arial" panose="020B0604020202020204" pitchFamily="34" charset="0"/>
-              <a:buChar char="•"/>
-              <a:defRPr sz="1800" kern="1200">
-                <a:solidFill>
-                  <a:schemeClr val="tx1"/>
-                </a:solidFill>
-                <a:latin typeface="+mn-lt"/>
-                <a:ea typeface="+mn-ea"/>
-                <a:cs typeface="+mn-cs"/>
-              </a:defRPr>
-            </a:lvl5pPr>
-            <a:lvl6pPr marL="2514600" indent="-228600" algn="l" defTabSz="914400" rtl="0" eaLnBrk="1" latinLnBrk="0" hangingPunct="1">
-              <a:lnSpc>
-                <a:spcPct val="90000"/>
-              </a:lnSpc>
-              <a:spcBef>
-                <a:spcPts val="500"/>
-              </a:spcBef>
-              <a:buFont typeface="Arial" panose="020B0604020202020204" pitchFamily="34" charset="0"/>
-              <a:buChar char="•"/>
-              <a:defRPr sz="1800" kern="1200">
-                <a:solidFill>
-                  <a:schemeClr val="tx1"/>
-                </a:solidFill>
-                <a:latin typeface="+mn-lt"/>
-                <a:ea typeface="+mn-ea"/>
-                <a:cs typeface="+mn-cs"/>
-              </a:defRPr>
-            </a:lvl6pPr>
-            <a:lvl7pPr marL="2971800" indent="-228600" algn="l" defTabSz="914400" rtl="0" eaLnBrk="1" latinLnBrk="0" hangingPunct="1">
-              <a:lnSpc>
-                <a:spcPct val="90000"/>
-              </a:lnSpc>
-              <a:spcBef>
-                <a:spcPts val="500"/>
-              </a:spcBef>
-              <a:buFont typeface="Arial" panose="020B0604020202020204" pitchFamily="34" charset="0"/>
-              <a:buChar char="•"/>
-              <a:defRPr sz="1800" kern="1200">
-                <a:solidFill>
-                  <a:schemeClr val="tx1"/>
-                </a:solidFill>
-                <a:latin typeface="+mn-lt"/>
-                <a:ea typeface="+mn-ea"/>
-                <a:cs typeface="+mn-cs"/>
-              </a:defRPr>
-            </a:lvl7pPr>
-            <a:lvl8pPr marL="3429000" indent="-228600" algn="l" defTabSz="914400" rtl="0" eaLnBrk="1" latinLnBrk="0" hangingPunct="1">
-              <a:lnSpc>
-                <a:spcPct val="90000"/>
-              </a:lnSpc>
-              <a:spcBef>
-                <a:spcPts val="500"/>
-              </a:spcBef>
-              <a:buFont typeface="Arial" panose="020B0604020202020204" pitchFamily="34" charset="0"/>
-              <a:buChar char="•"/>
-              <a:defRPr sz="1800" kern="1200">
-                <a:solidFill>
-                  <a:schemeClr val="tx1"/>
-                </a:solidFill>
-                <a:latin typeface="+mn-lt"/>
-                <a:ea typeface="+mn-ea"/>
-                <a:cs typeface="+mn-cs"/>
-              </a:defRPr>
-            </a:lvl8pPr>
-            <a:lvl9pPr marL="3886200" indent="-228600" algn="l" defTabSz="914400" rtl="0" eaLnBrk="1" latinLnBrk="0" hangingPunct="1">
-              <a:lnSpc>
-                <a:spcPct val="90000"/>
-              </a:lnSpc>
-              <a:spcBef>
-                <a:spcPts val="500"/>
-              </a:spcBef>
-              <a:buFont typeface="Arial" panose="020B0604020202020204" pitchFamily="34" charset="0"/>
-              <a:buChar char="•"/>
-              <a:defRPr sz="1800" kern="1200">
-                <a:solidFill>
-                  <a:schemeClr val="tx1"/>
-                </a:solidFill>
-                <a:latin typeface="+mn-lt"/>
-                <a:ea typeface="+mn-ea"/>
-                <a:cs typeface="+mn-cs"/>
-              </a:defRPr>
-            </a:lvl9pPr>
-          </a:lstStyle>
-          <a:p>
-            <a:pPr marL="0" indent="0">
-              <a:lnSpc>
-                <a:spcPct val="80000"/>
-              </a:lnSpc>
-              <a:buNone/>
-            </a:pPr>
-            <a:r>
-              <a:rPr lang="es-CO" sz="6000" b="1" dirty="0">
-                <a:solidFill>
-                  <a:schemeClr val="bg1"/>
-                </a:solidFill>
-                <a:latin typeface="CIBFont Sans" panose="020B0603020202020104" pitchFamily="34" charset="77"/>
-              </a:rPr>
-              <a:t>Démosle!</a:t>
-            </a:r>
-          </a:p>
-        </p:txBody>
-      </p:sp>
-    </p:spTree>
-    <p:extLst>
-      <p:ext uri="{BB962C8B-B14F-4D97-AF65-F5344CB8AC3E}">
-        <p14:creationId xmlns:p14="http://schemas.microsoft.com/office/powerpoint/2010/main" val="2576267983"/>
-      </p:ext>
-    </p:extLst>
-  </p:cSld>
-  <p:clrMapOvr>
-    <a:masterClrMapping/>
-  </p:clrMapOvr>
-</p:sld>
-</file>
-
-<file path=ppt/slides/slide5.xml><?xml version="1.0" encoding="utf-8"?>
-<p:sld xmlns:a="http://schemas.openxmlformats.org/drawingml/2006/main" xmlns:r="http://schemas.openxmlformats.org/officeDocument/2006/relationships" xmlns:p="http://schemas.openxmlformats.org/presentationml/2006/main">
-  <p:cSld>
-    <p:spTree>
-      <p:nvGrpSpPr>
-        <p:cNvPr id="1" name=""/>
-        <p:cNvGrpSpPr/>
-        <p:nvPr/>
-      </p:nvGrpSpPr>
-      <p:grpSpPr>
-        <a:xfrm>
-          <a:off x="0" y="0"/>
-          <a:ext cx="0" cy="0"/>
-          <a:chOff x="0" y="0"/>
-          <a:chExt cx="0" cy="0"/>
-        </a:xfrm>
-      </p:grpSpPr>
-      <p:sp>
-        <p:nvSpPr>
-          <p:cNvPr id="15" name="Marcador de texto 5">
-            <a:extLst>
-              <a:ext uri="{FF2B5EF4-FFF2-40B4-BE49-F238E27FC236}">
-                <a16:creationId xmlns:a16="http://schemas.microsoft.com/office/drawing/2014/main" id="{4DF9F568-773D-EF4E-B00F-98A1C1057DD6}"/>
-              </a:ext>
-            </a:extLst>
-          </p:cNvPr>
-          <p:cNvSpPr txBox="1">
-            <a:spLocks/>
-          </p:cNvSpPr>
-          <p:nvPr/>
-        </p:nvSpPr>
-        <p:spPr>
-          <a:xfrm>
-            <a:off x="6344526" y="1640149"/>
-            <a:ext cx="5009271" cy="344033"/>
-          </a:xfrm>
-          <a:prstGeom prst="rect">
-            <a:avLst/>
-          </a:prstGeom>
-          <a:noFill/>
-        </p:spPr>
-        <p:txBody>
-          <a:bodyPr anchor="t"/>
-          <a:lstStyle>
-            <a:defPPr>
-              <a:defRPr lang="es-CO"/>
-            </a:defPPr>
-            <a:lvl1pPr marL="0" algn="l" defTabSz="914400" rtl="0" eaLnBrk="1" latinLnBrk="0" hangingPunct="1">
-              <a:defRPr lang="es-CO" sz="1100" kern="1200">
-                <a:solidFill>
-                  <a:srgbClr val="2C2A29"/>
-                </a:solidFill>
-                <a:latin typeface="CIBFont Sans Book" panose="020B0603020202020104" pitchFamily="34" charset="77"/>
-                <a:ea typeface="+mn-ea"/>
-                <a:cs typeface="+mn-cs"/>
-              </a:defRPr>
-            </a:lvl1pPr>
-            <a:lvl2pPr marL="457200" algn="l" defTabSz="914400" rtl="0" eaLnBrk="1" latinLnBrk="0" hangingPunct="1">
-              <a:defRPr sz="1800" kern="1200">
-                <a:solidFill>
-                  <a:schemeClr val="tx1"/>
-                </a:solidFill>
-                <a:latin typeface="+mn-lt"/>
-                <a:ea typeface="+mn-ea"/>
-                <a:cs typeface="+mn-cs"/>
-              </a:defRPr>
-            </a:lvl2pPr>
-            <a:lvl3pPr marL="914400" algn="l" defTabSz="914400" rtl="0" eaLnBrk="1" latinLnBrk="0" hangingPunct="1">
-              <a:defRPr sz="1800" kern="1200">
-                <a:solidFill>
-                  <a:schemeClr val="tx1"/>
-                </a:solidFill>
-                <a:latin typeface="+mn-lt"/>
-                <a:ea typeface="+mn-ea"/>
-                <a:cs typeface="+mn-cs"/>
-              </a:defRPr>
-            </a:lvl3pPr>
-            <a:lvl4pPr marL="1371600" algn="l" defTabSz="914400" rtl="0" eaLnBrk="1" latinLnBrk="0" hangingPunct="1">
-              <a:defRPr sz="1800" kern="1200">
-                <a:solidFill>
-                  <a:schemeClr val="tx1"/>
-                </a:solidFill>
-                <a:latin typeface="+mn-lt"/>
-                <a:ea typeface="+mn-ea"/>
-                <a:cs typeface="+mn-cs"/>
-              </a:defRPr>
-            </a:lvl4pPr>
-            <a:lvl5pPr marL="1828800" algn="l" defTabSz="914400" rtl="0" eaLnBrk="1" latinLnBrk="0" hangingPunct="1">
-              <a:defRPr sz="1800" kern="1200">
-                <a:solidFill>
-                  <a:schemeClr val="tx1"/>
-                </a:solidFill>
-                <a:latin typeface="+mn-lt"/>
-                <a:ea typeface="+mn-ea"/>
-                <a:cs typeface="+mn-cs"/>
-              </a:defRPr>
-            </a:lvl5pPr>
-            <a:lvl6pPr marL="2286000" algn="l" defTabSz="914400" rtl="0" eaLnBrk="1" latinLnBrk="0" hangingPunct="1">
-              <a:defRPr sz="1800" kern="1200">
-                <a:solidFill>
-                  <a:schemeClr val="tx1"/>
-                </a:solidFill>
-                <a:latin typeface="+mn-lt"/>
-                <a:ea typeface="+mn-ea"/>
-                <a:cs typeface="+mn-cs"/>
-              </a:defRPr>
-            </a:lvl6pPr>
-            <a:lvl7pPr marL="2743200" algn="l" defTabSz="914400" rtl="0" eaLnBrk="1" latinLnBrk="0" hangingPunct="1">
-              <a:defRPr sz="1800" kern="1200">
-                <a:solidFill>
-                  <a:schemeClr val="tx1"/>
-                </a:solidFill>
-                <a:latin typeface="+mn-lt"/>
-                <a:ea typeface="+mn-ea"/>
-                <a:cs typeface="+mn-cs"/>
-              </a:defRPr>
-            </a:lvl7pPr>
-            <a:lvl8pPr marL="3200400" algn="l" defTabSz="914400" rtl="0" eaLnBrk="1" latinLnBrk="0" hangingPunct="1">
-              <a:defRPr sz="1800" kern="1200">
-                <a:solidFill>
-                  <a:schemeClr val="tx1"/>
-                </a:solidFill>
-                <a:latin typeface="+mn-lt"/>
-                <a:ea typeface="+mn-ea"/>
-                <a:cs typeface="+mn-cs"/>
-              </a:defRPr>
-            </a:lvl8pPr>
-            <a:lvl9pPr marL="3657600" algn="l" defTabSz="914400" rtl="0" eaLnBrk="1" latinLnBrk="0" hangingPunct="1">
-              <a:defRPr sz="1800" kern="1200">
-                <a:solidFill>
-                  <a:schemeClr val="tx1"/>
-                </a:solidFill>
-                <a:latin typeface="+mn-lt"/>
-                <a:ea typeface="+mn-ea"/>
-                <a:cs typeface="+mn-cs"/>
-              </a:defRPr>
-            </a:lvl9pPr>
-          </a:lstStyle>
-          <a:p>
-            <a:r>
-              <a:rPr lang="es-CO" sz="1400" dirty="0">
-                <a:latin typeface="CIBFont Sans Light" panose="020B0603020202020104" pitchFamily="34" charset="77"/>
-              </a:rPr>
-              <a:t>Crear una API muy sencilla con Python y el </a:t>
-            </a:r>
-            <a:r>
-              <a:rPr lang="es-CO" sz="1400" dirty="0" err="1">
-                <a:latin typeface="CIBFont Sans Light" panose="020B0603020202020104" pitchFamily="34" charset="77"/>
-              </a:rPr>
-              <a:t>framework</a:t>
-            </a:r>
-            <a:r>
-              <a:rPr lang="es-CO" sz="1400" dirty="0">
-                <a:latin typeface="CIBFont Sans Light" panose="020B0603020202020104" pitchFamily="34" charset="77"/>
-              </a:rPr>
-              <a:t> </a:t>
-            </a:r>
-            <a:r>
-              <a:rPr lang="es-CO" sz="1400" dirty="0" err="1">
-                <a:latin typeface="CIBFont Sans Light" panose="020B0603020202020104" pitchFamily="34" charset="77"/>
-              </a:rPr>
-              <a:t>FastAPI</a:t>
-            </a:r>
-            <a:endParaRPr lang="es-CO" sz="1400" dirty="0">
-              <a:latin typeface="CIBFont Sans Light" panose="020B0603020202020104" pitchFamily="34" charset="77"/>
-            </a:endParaRPr>
-          </a:p>
-        </p:txBody>
-      </p:sp>
-      <p:sp>
-        <p:nvSpPr>
-          <p:cNvPr id="39" name="Marcador de texto 5">
-            <a:extLst>
-              <a:ext uri="{FF2B5EF4-FFF2-40B4-BE49-F238E27FC236}">
-                <a16:creationId xmlns:a16="http://schemas.microsoft.com/office/drawing/2014/main" id="{A6190A93-4C5E-6D4E-8979-013613A616D9}"/>
-              </a:ext>
-            </a:extLst>
-          </p:cNvPr>
-          <p:cNvSpPr txBox="1">
-            <a:spLocks/>
-          </p:cNvSpPr>
-          <p:nvPr/>
-        </p:nvSpPr>
-        <p:spPr>
-          <a:xfrm>
-            <a:off x="6344527" y="3197652"/>
-            <a:ext cx="5009271" cy="704391"/>
-          </a:xfrm>
-          <a:prstGeom prst="rect">
-            <a:avLst/>
-          </a:prstGeom>
-          <a:noFill/>
-        </p:spPr>
-        <p:txBody>
-          <a:bodyPr anchor="t"/>
-          <a:lstStyle>
-            <a:defPPr>
-              <a:defRPr lang="es-CO"/>
-            </a:defPPr>
-            <a:lvl1pPr marL="0" algn="l" defTabSz="914400" rtl="0" eaLnBrk="1" latinLnBrk="0" hangingPunct="1">
-              <a:defRPr lang="es-CO" sz="1100" kern="1200">
-                <a:solidFill>
-                  <a:srgbClr val="2C2A29"/>
-                </a:solidFill>
-                <a:latin typeface="CIBFont Sans Book" panose="020B0603020202020104" pitchFamily="34" charset="77"/>
-                <a:ea typeface="+mn-ea"/>
-                <a:cs typeface="+mn-cs"/>
-              </a:defRPr>
-            </a:lvl1pPr>
-            <a:lvl2pPr marL="457200" algn="l" defTabSz="914400" rtl="0" eaLnBrk="1" latinLnBrk="0" hangingPunct="1">
-              <a:defRPr sz="1800" kern="1200">
-                <a:solidFill>
-                  <a:schemeClr val="tx1"/>
-                </a:solidFill>
-                <a:latin typeface="+mn-lt"/>
-                <a:ea typeface="+mn-ea"/>
-                <a:cs typeface="+mn-cs"/>
-              </a:defRPr>
-            </a:lvl2pPr>
-            <a:lvl3pPr marL="914400" algn="l" defTabSz="914400" rtl="0" eaLnBrk="1" latinLnBrk="0" hangingPunct="1">
-              <a:defRPr sz="1800" kern="1200">
-                <a:solidFill>
-                  <a:schemeClr val="tx1"/>
-                </a:solidFill>
-                <a:latin typeface="+mn-lt"/>
-                <a:ea typeface="+mn-ea"/>
-                <a:cs typeface="+mn-cs"/>
-              </a:defRPr>
-            </a:lvl3pPr>
-            <a:lvl4pPr marL="1371600" algn="l" defTabSz="914400" rtl="0" eaLnBrk="1" latinLnBrk="0" hangingPunct="1">
-              <a:defRPr sz="1800" kern="1200">
-                <a:solidFill>
-                  <a:schemeClr val="tx1"/>
-                </a:solidFill>
-                <a:latin typeface="+mn-lt"/>
-                <a:ea typeface="+mn-ea"/>
-                <a:cs typeface="+mn-cs"/>
-              </a:defRPr>
-            </a:lvl4pPr>
-            <a:lvl5pPr marL="1828800" algn="l" defTabSz="914400" rtl="0" eaLnBrk="1" latinLnBrk="0" hangingPunct="1">
-              <a:defRPr sz="1800" kern="1200">
-                <a:solidFill>
-                  <a:schemeClr val="tx1"/>
-                </a:solidFill>
-                <a:latin typeface="+mn-lt"/>
-                <a:ea typeface="+mn-ea"/>
-                <a:cs typeface="+mn-cs"/>
-              </a:defRPr>
-            </a:lvl5pPr>
-            <a:lvl6pPr marL="2286000" algn="l" defTabSz="914400" rtl="0" eaLnBrk="1" latinLnBrk="0" hangingPunct="1">
-              <a:defRPr sz="1800" kern="1200">
-                <a:solidFill>
-                  <a:schemeClr val="tx1"/>
-                </a:solidFill>
-                <a:latin typeface="+mn-lt"/>
-                <a:ea typeface="+mn-ea"/>
-                <a:cs typeface="+mn-cs"/>
-              </a:defRPr>
-            </a:lvl6pPr>
-            <a:lvl7pPr marL="2743200" algn="l" defTabSz="914400" rtl="0" eaLnBrk="1" latinLnBrk="0" hangingPunct="1">
-              <a:defRPr sz="1800" kern="1200">
-                <a:solidFill>
-                  <a:schemeClr val="tx1"/>
-                </a:solidFill>
-                <a:latin typeface="+mn-lt"/>
-                <a:ea typeface="+mn-ea"/>
-                <a:cs typeface="+mn-cs"/>
-              </a:defRPr>
-            </a:lvl7pPr>
-            <a:lvl8pPr marL="3200400" algn="l" defTabSz="914400" rtl="0" eaLnBrk="1" latinLnBrk="0" hangingPunct="1">
-              <a:defRPr sz="1800" kern="1200">
-                <a:solidFill>
-                  <a:schemeClr val="tx1"/>
-                </a:solidFill>
-                <a:latin typeface="+mn-lt"/>
-                <a:ea typeface="+mn-ea"/>
-                <a:cs typeface="+mn-cs"/>
-              </a:defRPr>
-            </a:lvl8pPr>
-            <a:lvl9pPr marL="3657600" algn="l" defTabSz="914400" rtl="0" eaLnBrk="1" latinLnBrk="0" hangingPunct="1">
-              <a:defRPr sz="1800" kern="1200">
-                <a:solidFill>
-                  <a:schemeClr val="tx1"/>
-                </a:solidFill>
-                <a:latin typeface="+mn-lt"/>
-                <a:ea typeface="+mn-ea"/>
-                <a:cs typeface="+mn-cs"/>
-              </a:defRPr>
-            </a:lvl9pPr>
-          </a:lstStyle>
-          <a:p>
-            <a:r>
-              <a:rPr lang="es-CO" sz="1400" dirty="0">
-                <a:latin typeface="CIBFont Sans Light" panose="020B0603020202020104" pitchFamily="34" charset="77"/>
-              </a:rPr>
-              <a:t>Usar una cuenta “gratuita” de AWS para crear una base de datos NoSQL </a:t>
-            </a:r>
-            <a:r>
-              <a:rPr lang="es-CO" sz="1400" dirty="0" err="1">
-                <a:latin typeface="CIBFont Sans Light" panose="020B0603020202020104" pitchFamily="34" charset="77"/>
-              </a:rPr>
-              <a:t>DynamoDB</a:t>
-            </a:r>
-            <a:r>
-              <a:rPr lang="es-CO" sz="1400" dirty="0">
-                <a:latin typeface="CIBFont Sans Light" panose="020B0603020202020104" pitchFamily="34" charset="77"/>
-              </a:rPr>
-              <a:t> y un servidor EC2 para desplegar lo que queramos ahí</a:t>
-            </a:r>
-          </a:p>
-        </p:txBody>
-      </p:sp>
-      <p:sp>
-        <p:nvSpPr>
-          <p:cNvPr id="47" name="Marcador de texto 5">
-            <a:extLst>
-              <a:ext uri="{FF2B5EF4-FFF2-40B4-BE49-F238E27FC236}">
-                <a16:creationId xmlns:a16="http://schemas.microsoft.com/office/drawing/2014/main" id="{58312F98-0CDE-FC4C-A7E2-9F8DAD7CB04B}"/>
-              </a:ext>
-            </a:extLst>
-          </p:cNvPr>
-          <p:cNvSpPr txBox="1">
-            <a:spLocks/>
-          </p:cNvSpPr>
-          <p:nvPr/>
-        </p:nvSpPr>
-        <p:spPr>
-          <a:xfrm>
-            <a:off x="6344528" y="4605489"/>
-            <a:ext cx="5009271" cy="861398"/>
-          </a:xfrm>
-          <a:prstGeom prst="rect">
-            <a:avLst/>
-          </a:prstGeom>
-          <a:noFill/>
-        </p:spPr>
-        <p:txBody>
-          <a:bodyPr anchor="t"/>
-          <a:lstStyle>
-            <a:defPPr>
-              <a:defRPr lang="es-CO"/>
-            </a:defPPr>
-            <a:lvl1pPr marL="0" algn="l" defTabSz="914400" rtl="0" eaLnBrk="1" latinLnBrk="0" hangingPunct="1">
-              <a:defRPr lang="es-CO" sz="1100" kern="1200">
-                <a:solidFill>
-                  <a:srgbClr val="2C2A29"/>
-                </a:solidFill>
-                <a:latin typeface="CIBFont Sans Book" panose="020B0603020202020104" pitchFamily="34" charset="77"/>
-                <a:ea typeface="+mn-ea"/>
-                <a:cs typeface="+mn-cs"/>
-              </a:defRPr>
-            </a:lvl1pPr>
-            <a:lvl2pPr marL="457200" algn="l" defTabSz="914400" rtl="0" eaLnBrk="1" latinLnBrk="0" hangingPunct="1">
-              <a:defRPr sz="1800" kern="1200">
-                <a:solidFill>
-                  <a:schemeClr val="tx1"/>
-                </a:solidFill>
-                <a:latin typeface="+mn-lt"/>
-                <a:ea typeface="+mn-ea"/>
-                <a:cs typeface="+mn-cs"/>
-              </a:defRPr>
-            </a:lvl2pPr>
-            <a:lvl3pPr marL="914400" algn="l" defTabSz="914400" rtl="0" eaLnBrk="1" latinLnBrk="0" hangingPunct="1">
-              <a:defRPr sz="1800" kern="1200">
-                <a:solidFill>
-                  <a:schemeClr val="tx1"/>
-                </a:solidFill>
-                <a:latin typeface="+mn-lt"/>
-                <a:ea typeface="+mn-ea"/>
-                <a:cs typeface="+mn-cs"/>
-              </a:defRPr>
-            </a:lvl3pPr>
-            <a:lvl4pPr marL="1371600" algn="l" defTabSz="914400" rtl="0" eaLnBrk="1" latinLnBrk="0" hangingPunct="1">
-              <a:defRPr sz="1800" kern="1200">
-                <a:solidFill>
-                  <a:schemeClr val="tx1"/>
-                </a:solidFill>
-                <a:latin typeface="+mn-lt"/>
-                <a:ea typeface="+mn-ea"/>
-                <a:cs typeface="+mn-cs"/>
-              </a:defRPr>
-            </a:lvl4pPr>
-            <a:lvl5pPr marL="1828800" algn="l" defTabSz="914400" rtl="0" eaLnBrk="1" latinLnBrk="0" hangingPunct="1">
-              <a:defRPr sz="1800" kern="1200">
-                <a:solidFill>
-                  <a:schemeClr val="tx1"/>
-                </a:solidFill>
-                <a:latin typeface="+mn-lt"/>
-                <a:ea typeface="+mn-ea"/>
-                <a:cs typeface="+mn-cs"/>
-              </a:defRPr>
-            </a:lvl5pPr>
-            <a:lvl6pPr marL="2286000" algn="l" defTabSz="914400" rtl="0" eaLnBrk="1" latinLnBrk="0" hangingPunct="1">
-              <a:defRPr sz="1800" kern="1200">
-                <a:solidFill>
-                  <a:schemeClr val="tx1"/>
-                </a:solidFill>
-                <a:latin typeface="+mn-lt"/>
-                <a:ea typeface="+mn-ea"/>
-                <a:cs typeface="+mn-cs"/>
-              </a:defRPr>
-            </a:lvl6pPr>
-            <a:lvl7pPr marL="2743200" algn="l" defTabSz="914400" rtl="0" eaLnBrk="1" latinLnBrk="0" hangingPunct="1">
-              <a:defRPr sz="1800" kern="1200">
-                <a:solidFill>
-                  <a:schemeClr val="tx1"/>
-                </a:solidFill>
-                <a:latin typeface="+mn-lt"/>
-                <a:ea typeface="+mn-ea"/>
-                <a:cs typeface="+mn-cs"/>
-              </a:defRPr>
-            </a:lvl7pPr>
-            <a:lvl8pPr marL="3200400" algn="l" defTabSz="914400" rtl="0" eaLnBrk="1" latinLnBrk="0" hangingPunct="1">
-              <a:defRPr sz="1800" kern="1200">
-                <a:solidFill>
-                  <a:schemeClr val="tx1"/>
-                </a:solidFill>
-                <a:latin typeface="+mn-lt"/>
-                <a:ea typeface="+mn-ea"/>
-                <a:cs typeface="+mn-cs"/>
-              </a:defRPr>
-            </a:lvl8pPr>
-            <a:lvl9pPr marL="3657600" algn="l" defTabSz="914400" rtl="0" eaLnBrk="1" latinLnBrk="0" hangingPunct="1">
-              <a:defRPr sz="1800" kern="1200">
-                <a:solidFill>
-                  <a:schemeClr val="tx1"/>
-                </a:solidFill>
-                <a:latin typeface="+mn-lt"/>
-                <a:ea typeface="+mn-ea"/>
-                <a:cs typeface="+mn-cs"/>
-              </a:defRPr>
-            </a:lvl9pPr>
-          </a:lstStyle>
-          <a:p>
-            <a:r>
-              <a:rPr lang="es-CO" sz="1400" dirty="0">
-                <a:latin typeface="CIBFont Sans Light" panose="020B0603020202020104" pitchFamily="34" charset="77"/>
-              </a:rPr>
-              <a:t>Desplegar una API en el EC2 mediante Docker para </a:t>
-            </a:r>
-            <a:r>
-              <a:rPr lang="es-CO" sz="1400" dirty="0" err="1">
-                <a:latin typeface="CIBFont Sans Light" panose="020B0603020202020104" pitchFamily="34" charset="77"/>
-              </a:rPr>
-              <a:t>disponibilizarla</a:t>
-            </a:r>
-            <a:r>
-              <a:rPr lang="es-CO" sz="1400" dirty="0">
-                <a:latin typeface="CIBFont Sans Light" panose="020B0603020202020104" pitchFamily="34" charset="77"/>
-              </a:rPr>
-              <a:t> en internet y se pueda consumir desde todas partes</a:t>
-            </a:r>
-          </a:p>
-        </p:txBody>
-      </p:sp>
-      <p:sp>
-        <p:nvSpPr>
-          <p:cNvPr id="11" name="Marcador de texto 6">
-            <a:extLst>
-              <a:ext uri="{FF2B5EF4-FFF2-40B4-BE49-F238E27FC236}">
-                <a16:creationId xmlns:a16="http://schemas.microsoft.com/office/drawing/2014/main" id="{46A26600-C063-AC46-8407-1FC4B0214BB2}"/>
-              </a:ext>
-            </a:extLst>
-          </p:cNvPr>
-          <p:cNvSpPr txBox="1">
-            <a:spLocks/>
-          </p:cNvSpPr>
-          <p:nvPr/>
-        </p:nvSpPr>
-        <p:spPr>
-          <a:xfrm>
-            <a:off x="838201" y="1546749"/>
-            <a:ext cx="3922084" cy="2645288"/>
-          </a:xfrm>
-          <a:prstGeom prst="rect">
-            <a:avLst/>
-          </a:prstGeom>
-          <a:effectLst>
-            <a:outerShdw blurRad="304800" dir="2700000" sx="110000" sy="110000" algn="tl" rotWithShape="0">
-              <a:prstClr val="black">
-                <a:alpha val="40000"/>
-              </a:prstClr>
-            </a:outerShdw>
-          </a:effectLst>
-        </p:spPr>
-        <p:txBody>
-          <a:bodyPr/>
-          <a:lstStyle>
-            <a:lvl1pPr marL="228600" indent="-228600" algn="l" defTabSz="914400" rtl="0" eaLnBrk="1" latinLnBrk="0" hangingPunct="1">
-              <a:lnSpc>
-                <a:spcPct val="90000"/>
-              </a:lnSpc>
-              <a:spcBef>
-                <a:spcPts val="1000"/>
-              </a:spcBef>
-              <a:buFont typeface="Arial" panose="020B0604020202020204" pitchFamily="34" charset="0"/>
-              <a:buChar char="•"/>
-              <a:defRPr sz="2800" kern="1200">
-                <a:solidFill>
-                  <a:schemeClr val="tx1"/>
-                </a:solidFill>
-                <a:latin typeface="+mn-lt"/>
-                <a:ea typeface="+mn-ea"/>
-                <a:cs typeface="+mn-cs"/>
-              </a:defRPr>
-            </a:lvl1pPr>
-            <a:lvl2pPr marL="685800" indent="-228600" algn="l" defTabSz="914400" rtl="0" eaLnBrk="1" latinLnBrk="0" hangingPunct="1">
-              <a:lnSpc>
-                <a:spcPct val="90000"/>
-              </a:lnSpc>
-              <a:spcBef>
-                <a:spcPts val="500"/>
-              </a:spcBef>
-              <a:buFont typeface="Arial" panose="020B0604020202020204" pitchFamily="34" charset="0"/>
-              <a:buChar char="•"/>
-              <a:defRPr sz="2400" kern="1200">
-                <a:solidFill>
-                  <a:schemeClr val="tx1"/>
-                </a:solidFill>
-                <a:latin typeface="+mn-lt"/>
-                <a:ea typeface="+mn-ea"/>
-                <a:cs typeface="+mn-cs"/>
-              </a:defRPr>
-            </a:lvl2pPr>
-            <a:lvl3pPr marL="1143000" indent="-228600" algn="l" defTabSz="914400" rtl="0" eaLnBrk="1" latinLnBrk="0" hangingPunct="1">
-              <a:lnSpc>
-                <a:spcPct val="90000"/>
-              </a:lnSpc>
-              <a:spcBef>
-                <a:spcPts val="500"/>
-              </a:spcBef>
-              <a:buFont typeface="Arial" panose="020B0604020202020204" pitchFamily="34" charset="0"/>
-              <a:buChar char="•"/>
-              <a:defRPr sz="2000" kern="1200">
-                <a:solidFill>
-                  <a:schemeClr val="tx1"/>
-                </a:solidFill>
-                <a:latin typeface="+mn-lt"/>
-                <a:ea typeface="+mn-ea"/>
-                <a:cs typeface="+mn-cs"/>
-              </a:defRPr>
-            </a:lvl3pPr>
-            <a:lvl4pPr marL="1600200" indent="-228600" algn="l" defTabSz="914400" rtl="0" eaLnBrk="1" latinLnBrk="0" hangingPunct="1">
-              <a:lnSpc>
-                <a:spcPct val="90000"/>
-              </a:lnSpc>
-              <a:spcBef>
-                <a:spcPts val="500"/>
-              </a:spcBef>
-              <a:buFont typeface="Arial" panose="020B0604020202020204" pitchFamily="34" charset="0"/>
-              <a:buChar char="•"/>
-              <a:defRPr sz="1800" kern="1200">
-                <a:solidFill>
-                  <a:schemeClr val="tx1"/>
-                </a:solidFill>
-                <a:latin typeface="+mn-lt"/>
-                <a:ea typeface="+mn-ea"/>
-                <a:cs typeface="+mn-cs"/>
-              </a:defRPr>
-            </a:lvl4pPr>
-            <a:lvl5pPr marL="2057400" indent="-228600" algn="l" defTabSz="914400" rtl="0" eaLnBrk="1" latinLnBrk="0" hangingPunct="1">
-              <a:lnSpc>
-                <a:spcPct val="90000"/>
-              </a:lnSpc>
-              <a:spcBef>
-                <a:spcPts val="500"/>
-              </a:spcBef>
-              <a:buFont typeface="Arial" panose="020B0604020202020204" pitchFamily="34" charset="0"/>
-              <a:buChar char="•"/>
-              <a:defRPr sz="1800" kern="1200">
-                <a:solidFill>
-                  <a:schemeClr val="tx1"/>
-                </a:solidFill>
-                <a:latin typeface="+mn-lt"/>
-                <a:ea typeface="+mn-ea"/>
-                <a:cs typeface="+mn-cs"/>
-              </a:defRPr>
-            </a:lvl5pPr>
-            <a:lvl6pPr marL="2514600" indent="-228600" algn="l" defTabSz="914400" rtl="0" eaLnBrk="1" latinLnBrk="0" hangingPunct="1">
-              <a:lnSpc>
-                <a:spcPct val="90000"/>
-              </a:lnSpc>
-              <a:spcBef>
-                <a:spcPts val="500"/>
-              </a:spcBef>
-              <a:buFont typeface="Arial" panose="020B0604020202020204" pitchFamily="34" charset="0"/>
-              <a:buChar char="•"/>
-              <a:defRPr sz="1800" kern="1200">
-                <a:solidFill>
-                  <a:schemeClr val="tx1"/>
-                </a:solidFill>
-                <a:latin typeface="+mn-lt"/>
-                <a:ea typeface="+mn-ea"/>
-                <a:cs typeface="+mn-cs"/>
-              </a:defRPr>
-            </a:lvl6pPr>
-            <a:lvl7pPr marL="2971800" indent="-228600" algn="l" defTabSz="914400" rtl="0" eaLnBrk="1" latinLnBrk="0" hangingPunct="1">
-              <a:lnSpc>
-                <a:spcPct val="90000"/>
-              </a:lnSpc>
-              <a:spcBef>
-                <a:spcPts val="500"/>
-              </a:spcBef>
-              <a:buFont typeface="Arial" panose="020B0604020202020204" pitchFamily="34" charset="0"/>
-              <a:buChar char="•"/>
-              <a:defRPr sz="1800" kern="1200">
-                <a:solidFill>
-                  <a:schemeClr val="tx1"/>
-                </a:solidFill>
-                <a:latin typeface="+mn-lt"/>
-                <a:ea typeface="+mn-ea"/>
-                <a:cs typeface="+mn-cs"/>
-              </a:defRPr>
-            </a:lvl7pPr>
-            <a:lvl8pPr marL="3429000" indent="-228600" algn="l" defTabSz="914400" rtl="0" eaLnBrk="1" latinLnBrk="0" hangingPunct="1">
-              <a:lnSpc>
-                <a:spcPct val="90000"/>
-              </a:lnSpc>
-              <a:spcBef>
-                <a:spcPts val="500"/>
-              </a:spcBef>
-              <a:buFont typeface="Arial" panose="020B0604020202020204" pitchFamily="34" charset="0"/>
-              <a:buChar char="•"/>
-              <a:defRPr sz="1800" kern="1200">
-                <a:solidFill>
-                  <a:schemeClr val="tx1"/>
-                </a:solidFill>
-                <a:latin typeface="+mn-lt"/>
-                <a:ea typeface="+mn-ea"/>
-                <a:cs typeface="+mn-cs"/>
-              </a:defRPr>
-            </a:lvl8pPr>
-            <a:lvl9pPr marL="3886200" indent="-228600" algn="l" defTabSz="914400" rtl="0" eaLnBrk="1" latinLnBrk="0" hangingPunct="1">
-              <a:lnSpc>
-                <a:spcPct val="90000"/>
-              </a:lnSpc>
-              <a:spcBef>
-                <a:spcPts val="500"/>
-              </a:spcBef>
-              <a:buFont typeface="Arial" panose="020B0604020202020204" pitchFamily="34" charset="0"/>
-              <a:buChar char="•"/>
-              <a:defRPr sz="1800" kern="1200">
-                <a:solidFill>
-                  <a:schemeClr val="tx1"/>
-                </a:solidFill>
-                <a:latin typeface="+mn-lt"/>
-                <a:ea typeface="+mn-ea"/>
-                <a:cs typeface="+mn-cs"/>
-              </a:defRPr>
-            </a:lvl9pPr>
-          </a:lstStyle>
-          <a:p>
-            <a:pPr marL="0" indent="0">
-              <a:lnSpc>
-                <a:spcPct val="80000"/>
-              </a:lnSpc>
-              <a:buNone/>
-            </a:pPr>
-            <a:r>
-              <a:rPr lang="es-CO" sz="4800" b="1" dirty="0">
-                <a:solidFill>
-                  <a:srgbClr val="2C2A29"/>
-                </a:solidFill>
-                <a:latin typeface="CIBFont Sans" panose="020B0603020202020104" pitchFamily="34" charset="77"/>
-              </a:rPr>
-              <a:t>¿Qué aprendimos?</a:t>
-            </a:r>
-          </a:p>
-        </p:txBody>
-      </p:sp>
-      <p:sp>
-        <p:nvSpPr>
-          <p:cNvPr id="14" name="Marcador de texto 6">
-            <a:extLst>
-              <a:ext uri="{FF2B5EF4-FFF2-40B4-BE49-F238E27FC236}">
-                <a16:creationId xmlns:a16="http://schemas.microsoft.com/office/drawing/2014/main" id="{C98FFB53-46AC-3841-802D-AF6BDA31BCF9}"/>
-              </a:ext>
-            </a:extLst>
-          </p:cNvPr>
-          <p:cNvSpPr txBox="1">
-            <a:spLocks/>
-          </p:cNvSpPr>
-          <p:nvPr/>
-        </p:nvSpPr>
-        <p:spPr>
-          <a:xfrm>
-            <a:off x="5604653" y="1512608"/>
-            <a:ext cx="680883" cy="943148"/>
-          </a:xfrm>
-          <a:prstGeom prst="rect">
-            <a:avLst/>
-          </a:prstGeom>
-          <a:effectLst>
-            <a:outerShdw blurRad="304800" dir="2700000" sx="110000" sy="110000" algn="tl" rotWithShape="0">
-              <a:prstClr val="black">
-                <a:alpha val="40000"/>
-              </a:prstClr>
-            </a:outerShdw>
-          </a:effectLst>
-        </p:spPr>
-        <p:txBody>
-          <a:bodyPr/>
-          <a:lstStyle>
-            <a:lvl1pPr marL="228600" indent="-228600" algn="l" defTabSz="914400" rtl="0" eaLnBrk="1" latinLnBrk="0" hangingPunct="1">
-              <a:lnSpc>
-                <a:spcPct val="90000"/>
-              </a:lnSpc>
-              <a:spcBef>
-                <a:spcPts val="1000"/>
-              </a:spcBef>
-              <a:buFont typeface="Arial" panose="020B0604020202020204" pitchFamily="34" charset="0"/>
-              <a:buChar char="•"/>
-              <a:defRPr sz="2800" kern="1200">
-                <a:solidFill>
-                  <a:schemeClr val="tx1"/>
-                </a:solidFill>
-                <a:latin typeface="+mn-lt"/>
-                <a:ea typeface="+mn-ea"/>
-                <a:cs typeface="+mn-cs"/>
-              </a:defRPr>
-            </a:lvl1pPr>
-            <a:lvl2pPr marL="685800" indent="-228600" algn="l" defTabSz="914400" rtl="0" eaLnBrk="1" latinLnBrk="0" hangingPunct="1">
-              <a:lnSpc>
-                <a:spcPct val="90000"/>
-              </a:lnSpc>
-              <a:spcBef>
-                <a:spcPts val="500"/>
-              </a:spcBef>
-              <a:buFont typeface="Arial" panose="020B0604020202020204" pitchFamily="34" charset="0"/>
-              <a:buChar char="•"/>
-              <a:defRPr sz="2400" kern="1200">
-                <a:solidFill>
-                  <a:schemeClr val="tx1"/>
-                </a:solidFill>
-                <a:latin typeface="+mn-lt"/>
-                <a:ea typeface="+mn-ea"/>
-                <a:cs typeface="+mn-cs"/>
-              </a:defRPr>
-            </a:lvl2pPr>
-            <a:lvl3pPr marL="1143000" indent="-228600" algn="l" defTabSz="914400" rtl="0" eaLnBrk="1" latinLnBrk="0" hangingPunct="1">
-              <a:lnSpc>
-                <a:spcPct val="90000"/>
-              </a:lnSpc>
-              <a:spcBef>
-                <a:spcPts val="500"/>
-              </a:spcBef>
-              <a:buFont typeface="Arial" panose="020B0604020202020204" pitchFamily="34" charset="0"/>
-              <a:buChar char="•"/>
-              <a:defRPr sz="2000" kern="1200">
-                <a:solidFill>
-                  <a:schemeClr val="tx1"/>
-                </a:solidFill>
-                <a:latin typeface="+mn-lt"/>
-                <a:ea typeface="+mn-ea"/>
-                <a:cs typeface="+mn-cs"/>
-              </a:defRPr>
-            </a:lvl3pPr>
-            <a:lvl4pPr marL="1600200" indent="-228600" algn="l" defTabSz="914400" rtl="0" eaLnBrk="1" latinLnBrk="0" hangingPunct="1">
-              <a:lnSpc>
-                <a:spcPct val="90000"/>
-              </a:lnSpc>
-              <a:spcBef>
-                <a:spcPts val="500"/>
-              </a:spcBef>
-              <a:buFont typeface="Arial" panose="020B0604020202020204" pitchFamily="34" charset="0"/>
-              <a:buChar char="•"/>
-              <a:defRPr sz="1800" kern="1200">
-                <a:solidFill>
-                  <a:schemeClr val="tx1"/>
-                </a:solidFill>
-                <a:latin typeface="+mn-lt"/>
-                <a:ea typeface="+mn-ea"/>
-                <a:cs typeface="+mn-cs"/>
-              </a:defRPr>
-            </a:lvl4pPr>
-            <a:lvl5pPr marL="2057400" indent="-228600" algn="l" defTabSz="914400" rtl="0" eaLnBrk="1" latinLnBrk="0" hangingPunct="1">
-              <a:lnSpc>
-                <a:spcPct val="90000"/>
-              </a:lnSpc>
-              <a:spcBef>
-                <a:spcPts val="500"/>
-              </a:spcBef>
-              <a:buFont typeface="Arial" panose="020B0604020202020204" pitchFamily="34" charset="0"/>
-              <a:buChar char="•"/>
-              <a:defRPr sz="1800" kern="1200">
-                <a:solidFill>
-                  <a:schemeClr val="tx1"/>
-                </a:solidFill>
-                <a:latin typeface="+mn-lt"/>
-                <a:ea typeface="+mn-ea"/>
-                <a:cs typeface="+mn-cs"/>
-              </a:defRPr>
-            </a:lvl5pPr>
-            <a:lvl6pPr marL="2514600" indent="-228600" algn="l" defTabSz="914400" rtl="0" eaLnBrk="1" latinLnBrk="0" hangingPunct="1">
-              <a:lnSpc>
-                <a:spcPct val="90000"/>
-              </a:lnSpc>
-              <a:spcBef>
-                <a:spcPts val="500"/>
-              </a:spcBef>
-              <a:buFont typeface="Arial" panose="020B0604020202020204" pitchFamily="34" charset="0"/>
-              <a:buChar char="•"/>
-              <a:defRPr sz="1800" kern="1200">
-                <a:solidFill>
-                  <a:schemeClr val="tx1"/>
-                </a:solidFill>
-                <a:latin typeface="+mn-lt"/>
-                <a:ea typeface="+mn-ea"/>
-                <a:cs typeface="+mn-cs"/>
-              </a:defRPr>
-            </a:lvl6pPr>
-            <a:lvl7pPr marL="2971800" indent="-228600" algn="l" defTabSz="914400" rtl="0" eaLnBrk="1" latinLnBrk="0" hangingPunct="1">
-              <a:lnSpc>
-                <a:spcPct val="90000"/>
-              </a:lnSpc>
-              <a:spcBef>
-                <a:spcPts val="500"/>
-              </a:spcBef>
-              <a:buFont typeface="Arial" panose="020B0604020202020204" pitchFamily="34" charset="0"/>
-              <a:buChar char="•"/>
-              <a:defRPr sz="1800" kern="1200">
-                <a:solidFill>
-                  <a:schemeClr val="tx1"/>
-                </a:solidFill>
-                <a:latin typeface="+mn-lt"/>
-                <a:ea typeface="+mn-ea"/>
-                <a:cs typeface="+mn-cs"/>
-              </a:defRPr>
-            </a:lvl7pPr>
-            <a:lvl8pPr marL="3429000" indent="-228600" algn="l" defTabSz="914400" rtl="0" eaLnBrk="1" latinLnBrk="0" hangingPunct="1">
-              <a:lnSpc>
-                <a:spcPct val="90000"/>
-              </a:lnSpc>
-              <a:spcBef>
-                <a:spcPts val="500"/>
-              </a:spcBef>
-              <a:buFont typeface="Arial" panose="020B0604020202020204" pitchFamily="34" charset="0"/>
-              <a:buChar char="•"/>
-              <a:defRPr sz="1800" kern="1200">
-                <a:solidFill>
-                  <a:schemeClr val="tx1"/>
-                </a:solidFill>
-                <a:latin typeface="+mn-lt"/>
-                <a:ea typeface="+mn-ea"/>
-                <a:cs typeface="+mn-cs"/>
-              </a:defRPr>
-            </a:lvl8pPr>
-            <a:lvl9pPr marL="3886200" indent="-228600" algn="l" defTabSz="914400" rtl="0" eaLnBrk="1" latinLnBrk="0" hangingPunct="1">
-              <a:lnSpc>
-                <a:spcPct val="90000"/>
-              </a:lnSpc>
-              <a:spcBef>
-                <a:spcPts val="500"/>
-              </a:spcBef>
-              <a:buFont typeface="Arial" panose="020B0604020202020204" pitchFamily="34" charset="0"/>
-              <a:buChar char="•"/>
-              <a:defRPr sz="1800" kern="1200">
-                <a:solidFill>
-                  <a:schemeClr val="tx1"/>
-                </a:solidFill>
-                <a:latin typeface="+mn-lt"/>
-                <a:ea typeface="+mn-ea"/>
-                <a:cs typeface="+mn-cs"/>
-              </a:defRPr>
-            </a:lvl9pPr>
-          </a:lstStyle>
-          <a:p>
-            <a:pPr marL="0" indent="0">
-              <a:lnSpc>
-                <a:spcPct val="80000"/>
-              </a:lnSpc>
-              <a:buNone/>
-            </a:pPr>
-            <a:r>
-              <a:rPr lang="es-CO" sz="5400">
-                <a:solidFill>
-                  <a:srgbClr val="2C2A29"/>
-                </a:solidFill>
-                <a:latin typeface="CIBFont Sans" panose="020B0603020202020104" pitchFamily="34" charset="77"/>
-              </a:rPr>
-              <a:t>1</a:t>
-            </a:r>
-          </a:p>
-        </p:txBody>
-      </p:sp>
-      <p:sp>
-        <p:nvSpPr>
-          <p:cNvPr id="16" name="Marcador de texto 6">
-            <a:extLst>
-              <a:ext uri="{FF2B5EF4-FFF2-40B4-BE49-F238E27FC236}">
-                <a16:creationId xmlns:a16="http://schemas.microsoft.com/office/drawing/2014/main" id="{965F4910-8317-2249-8F32-6222C7A51FBA}"/>
-              </a:ext>
-            </a:extLst>
-          </p:cNvPr>
-          <p:cNvSpPr txBox="1">
-            <a:spLocks/>
-          </p:cNvSpPr>
-          <p:nvPr/>
-        </p:nvSpPr>
-        <p:spPr>
-          <a:xfrm>
-            <a:off x="5604653" y="3197653"/>
-            <a:ext cx="680883" cy="943148"/>
-          </a:xfrm>
-          <a:prstGeom prst="rect">
-            <a:avLst/>
-          </a:prstGeom>
-          <a:effectLst>
-            <a:outerShdw blurRad="304800" dir="2700000" sx="110000" sy="110000" algn="tl" rotWithShape="0">
-              <a:prstClr val="black">
-                <a:alpha val="40000"/>
-              </a:prstClr>
-            </a:outerShdw>
-          </a:effectLst>
-        </p:spPr>
-        <p:txBody>
-          <a:bodyPr/>
-          <a:lstStyle>
-            <a:lvl1pPr marL="228600" indent="-228600" algn="l" defTabSz="914400" rtl="0" eaLnBrk="1" latinLnBrk="0" hangingPunct="1">
-              <a:lnSpc>
-                <a:spcPct val="90000"/>
-              </a:lnSpc>
-              <a:spcBef>
-                <a:spcPts val="1000"/>
-              </a:spcBef>
-              <a:buFont typeface="Arial" panose="020B0604020202020204" pitchFamily="34" charset="0"/>
-              <a:buChar char="•"/>
-              <a:defRPr sz="2800" kern="1200">
-                <a:solidFill>
-                  <a:schemeClr val="tx1"/>
-                </a:solidFill>
-                <a:latin typeface="+mn-lt"/>
-                <a:ea typeface="+mn-ea"/>
-                <a:cs typeface="+mn-cs"/>
-              </a:defRPr>
-            </a:lvl1pPr>
-            <a:lvl2pPr marL="685800" indent="-228600" algn="l" defTabSz="914400" rtl="0" eaLnBrk="1" latinLnBrk="0" hangingPunct="1">
-              <a:lnSpc>
-                <a:spcPct val="90000"/>
-              </a:lnSpc>
-              <a:spcBef>
-                <a:spcPts val="500"/>
-              </a:spcBef>
-              <a:buFont typeface="Arial" panose="020B0604020202020204" pitchFamily="34" charset="0"/>
-              <a:buChar char="•"/>
-              <a:defRPr sz="2400" kern="1200">
-                <a:solidFill>
-                  <a:schemeClr val="tx1"/>
-                </a:solidFill>
-                <a:latin typeface="+mn-lt"/>
-                <a:ea typeface="+mn-ea"/>
-                <a:cs typeface="+mn-cs"/>
-              </a:defRPr>
-            </a:lvl2pPr>
-            <a:lvl3pPr marL="1143000" indent="-228600" algn="l" defTabSz="914400" rtl="0" eaLnBrk="1" latinLnBrk="0" hangingPunct="1">
-              <a:lnSpc>
-                <a:spcPct val="90000"/>
-              </a:lnSpc>
-              <a:spcBef>
-                <a:spcPts val="500"/>
-              </a:spcBef>
-              <a:buFont typeface="Arial" panose="020B0604020202020204" pitchFamily="34" charset="0"/>
-              <a:buChar char="•"/>
-              <a:defRPr sz="2000" kern="1200">
-                <a:solidFill>
-                  <a:schemeClr val="tx1"/>
-                </a:solidFill>
-                <a:latin typeface="+mn-lt"/>
-                <a:ea typeface="+mn-ea"/>
-                <a:cs typeface="+mn-cs"/>
-              </a:defRPr>
-            </a:lvl3pPr>
-            <a:lvl4pPr marL="1600200" indent="-228600" algn="l" defTabSz="914400" rtl="0" eaLnBrk="1" latinLnBrk="0" hangingPunct="1">
-              <a:lnSpc>
-                <a:spcPct val="90000"/>
-              </a:lnSpc>
-              <a:spcBef>
-                <a:spcPts val="500"/>
-              </a:spcBef>
-              <a:buFont typeface="Arial" panose="020B0604020202020204" pitchFamily="34" charset="0"/>
-              <a:buChar char="•"/>
-              <a:defRPr sz="1800" kern="1200">
-                <a:solidFill>
-                  <a:schemeClr val="tx1"/>
-                </a:solidFill>
-                <a:latin typeface="+mn-lt"/>
-                <a:ea typeface="+mn-ea"/>
-                <a:cs typeface="+mn-cs"/>
-              </a:defRPr>
-            </a:lvl4pPr>
-            <a:lvl5pPr marL="2057400" indent="-228600" algn="l" defTabSz="914400" rtl="0" eaLnBrk="1" latinLnBrk="0" hangingPunct="1">
-              <a:lnSpc>
-                <a:spcPct val="90000"/>
-              </a:lnSpc>
-              <a:spcBef>
-                <a:spcPts val="500"/>
-              </a:spcBef>
-              <a:buFont typeface="Arial" panose="020B0604020202020204" pitchFamily="34" charset="0"/>
-              <a:buChar char="•"/>
-              <a:defRPr sz="1800" kern="1200">
-                <a:solidFill>
-                  <a:schemeClr val="tx1"/>
-                </a:solidFill>
-                <a:latin typeface="+mn-lt"/>
-                <a:ea typeface="+mn-ea"/>
-                <a:cs typeface="+mn-cs"/>
-              </a:defRPr>
-            </a:lvl5pPr>
-            <a:lvl6pPr marL="2514600" indent="-228600" algn="l" defTabSz="914400" rtl="0" eaLnBrk="1" latinLnBrk="0" hangingPunct="1">
-              <a:lnSpc>
-                <a:spcPct val="90000"/>
-              </a:lnSpc>
-              <a:spcBef>
-                <a:spcPts val="500"/>
-              </a:spcBef>
-              <a:buFont typeface="Arial" panose="020B0604020202020204" pitchFamily="34" charset="0"/>
-              <a:buChar char="•"/>
-              <a:defRPr sz="1800" kern="1200">
-                <a:solidFill>
-                  <a:schemeClr val="tx1"/>
-                </a:solidFill>
-                <a:latin typeface="+mn-lt"/>
-                <a:ea typeface="+mn-ea"/>
-                <a:cs typeface="+mn-cs"/>
-              </a:defRPr>
-            </a:lvl6pPr>
-            <a:lvl7pPr marL="2971800" indent="-228600" algn="l" defTabSz="914400" rtl="0" eaLnBrk="1" latinLnBrk="0" hangingPunct="1">
-              <a:lnSpc>
-                <a:spcPct val="90000"/>
-              </a:lnSpc>
-              <a:spcBef>
-                <a:spcPts val="500"/>
-              </a:spcBef>
-              <a:buFont typeface="Arial" panose="020B0604020202020204" pitchFamily="34" charset="0"/>
-              <a:buChar char="•"/>
-              <a:defRPr sz="1800" kern="1200">
-                <a:solidFill>
-                  <a:schemeClr val="tx1"/>
-                </a:solidFill>
-                <a:latin typeface="+mn-lt"/>
-                <a:ea typeface="+mn-ea"/>
-                <a:cs typeface="+mn-cs"/>
-              </a:defRPr>
-            </a:lvl7pPr>
-            <a:lvl8pPr marL="3429000" indent="-228600" algn="l" defTabSz="914400" rtl="0" eaLnBrk="1" latinLnBrk="0" hangingPunct="1">
-              <a:lnSpc>
-                <a:spcPct val="90000"/>
-              </a:lnSpc>
-              <a:spcBef>
-                <a:spcPts val="500"/>
-              </a:spcBef>
-              <a:buFont typeface="Arial" panose="020B0604020202020204" pitchFamily="34" charset="0"/>
-              <a:buChar char="•"/>
-              <a:defRPr sz="1800" kern="1200">
-                <a:solidFill>
-                  <a:schemeClr val="tx1"/>
-                </a:solidFill>
-                <a:latin typeface="+mn-lt"/>
-                <a:ea typeface="+mn-ea"/>
-                <a:cs typeface="+mn-cs"/>
-              </a:defRPr>
-            </a:lvl8pPr>
-            <a:lvl9pPr marL="3886200" indent="-228600" algn="l" defTabSz="914400" rtl="0" eaLnBrk="1" latinLnBrk="0" hangingPunct="1">
-              <a:lnSpc>
-                <a:spcPct val="90000"/>
-              </a:lnSpc>
-              <a:spcBef>
-                <a:spcPts val="500"/>
-              </a:spcBef>
-              <a:buFont typeface="Arial" panose="020B0604020202020204" pitchFamily="34" charset="0"/>
-              <a:buChar char="•"/>
-              <a:defRPr sz="1800" kern="1200">
-                <a:solidFill>
-                  <a:schemeClr val="tx1"/>
-                </a:solidFill>
-                <a:latin typeface="+mn-lt"/>
-                <a:ea typeface="+mn-ea"/>
-                <a:cs typeface="+mn-cs"/>
-              </a:defRPr>
-            </a:lvl9pPr>
-          </a:lstStyle>
-          <a:p>
-            <a:pPr marL="0" indent="0">
-              <a:lnSpc>
-                <a:spcPct val="80000"/>
-              </a:lnSpc>
-              <a:buNone/>
-            </a:pPr>
-            <a:r>
-              <a:rPr lang="es-CO" sz="5400">
-                <a:solidFill>
-                  <a:srgbClr val="2C2A29"/>
-                </a:solidFill>
-                <a:latin typeface="CIBFont Sans" panose="020B0603020202020104" pitchFamily="34" charset="77"/>
-              </a:rPr>
-              <a:t>2</a:t>
-            </a:r>
-          </a:p>
-        </p:txBody>
-      </p:sp>
-      <p:sp>
-        <p:nvSpPr>
-          <p:cNvPr id="17" name="Marcador de texto 6">
-            <a:extLst>
-              <a:ext uri="{FF2B5EF4-FFF2-40B4-BE49-F238E27FC236}">
-                <a16:creationId xmlns:a16="http://schemas.microsoft.com/office/drawing/2014/main" id="{E94527E2-A5B2-074A-A927-52FF923484A3}"/>
-              </a:ext>
-            </a:extLst>
-          </p:cNvPr>
-          <p:cNvSpPr txBox="1">
-            <a:spLocks/>
-          </p:cNvSpPr>
-          <p:nvPr/>
-        </p:nvSpPr>
-        <p:spPr>
-          <a:xfrm>
-            <a:off x="5604653" y="4659607"/>
-            <a:ext cx="680883" cy="943148"/>
-          </a:xfrm>
-          <a:prstGeom prst="rect">
-            <a:avLst/>
-          </a:prstGeom>
-          <a:effectLst>
-            <a:outerShdw blurRad="304800" dir="2700000" sx="110000" sy="110000" algn="tl" rotWithShape="0">
-              <a:prstClr val="black">
-                <a:alpha val="40000"/>
-              </a:prstClr>
-            </a:outerShdw>
-          </a:effectLst>
-        </p:spPr>
-        <p:txBody>
-          <a:bodyPr/>
-          <a:lstStyle>
-            <a:lvl1pPr marL="228600" indent="-228600" algn="l" defTabSz="914400" rtl="0" eaLnBrk="1" latinLnBrk="0" hangingPunct="1">
-              <a:lnSpc>
-                <a:spcPct val="90000"/>
-              </a:lnSpc>
-              <a:spcBef>
-                <a:spcPts val="1000"/>
-              </a:spcBef>
-              <a:buFont typeface="Arial" panose="020B0604020202020204" pitchFamily="34" charset="0"/>
-              <a:buChar char="•"/>
-              <a:defRPr sz="2800" kern="1200">
-                <a:solidFill>
-                  <a:schemeClr val="tx1"/>
-                </a:solidFill>
-                <a:latin typeface="+mn-lt"/>
-                <a:ea typeface="+mn-ea"/>
-                <a:cs typeface="+mn-cs"/>
-              </a:defRPr>
-            </a:lvl1pPr>
-            <a:lvl2pPr marL="685800" indent="-228600" algn="l" defTabSz="914400" rtl="0" eaLnBrk="1" latinLnBrk="0" hangingPunct="1">
-              <a:lnSpc>
-                <a:spcPct val="90000"/>
-              </a:lnSpc>
-              <a:spcBef>
-                <a:spcPts val="500"/>
-              </a:spcBef>
-              <a:buFont typeface="Arial" panose="020B0604020202020204" pitchFamily="34" charset="0"/>
-              <a:buChar char="•"/>
-              <a:defRPr sz="2400" kern="1200">
-                <a:solidFill>
-                  <a:schemeClr val="tx1"/>
-                </a:solidFill>
-                <a:latin typeface="+mn-lt"/>
-                <a:ea typeface="+mn-ea"/>
-                <a:cs typeface="+mn-cs"/>
-              </a:defRPr>
-            </a:lvl2pPr>
-            <a:lvl3pPr marL="1143000" indent="-228600" algn="l" defTabSz="914400" rtl="0" eaLnBrk="1" latinLnBrk="0" hangingPunct="1">
-              <a:lnSpc>
-                <a:spcPct val="90000"/>
-              </a:lnSpc>
-              <a:spcBef>
-                <a:spcPts val="500"/>
-              </a:spcBef>
-              <a:buFont typeface="Arial" panose="020B0604020202020204" pitchFamily="34" charset="0"/>
-              <a:buChar char="•"/>
-              <a:defRPr sz="2000" kern="1200">
-                <a:solidFill>
-                  <a:schemeClr val="tx1"/>
-                </a:solidFill>
-                <a:latin typeface="+mn-lt"/>
-                <a:ea typeface="+mn-ea"/>
-                <a:cs typeface="+mn-cs"/>
-              </a:defRPr>
-            </a:lvl3pPr>
-            <a:lvl4pPr marL="1600200" indent="-228600" algn="l" defTabSz="914400" rtl="0" eaLnBrk="1" latinLnBrk="0" hangingPunct="1">
-              <a:lnSpc>
-                <a:spcPct val="90000"/>
-              </a:lnSpc>
-              <a:spcBef>
-                <a:spcPts val="500"/>
-              </a:spcBef>
-              <a:buFont typeface="Arial" panose="020B0604020202020204" pitchFamily="34" charset="0"/>
-              <a:buChar char="•"/>
-              <a:defRPr sz="1800" kern="1200">
-                <a:solidFill>
-                  <a:schemeClr val="tx1"/>
-                </a:solidFill>
-                <a:latin typeface="+mn-lt"/>
-                <a:ea typeface="+mn-ea"/>
-                <a:cs typeface="+mn-cs"/>
-              </a:defRPr>
-            </a:lvl4pPr>
-            <a:lvl5pPr marL="2057400" indent="-228600" algn="l" defTabSz="914400" rtl="0" eaLnBrk="1" latinLnBrk="0" hangingPunct="1">
-              <a:lnSpc>
-                <a:spcPct val="90000"/>
-              </a:lnSpc>
-              <a:spcBef>
-                <a:spcPts val="500"/>
-              </a:spcBef>
-              <a:buFont typeface="Arial" panose="020B0604020202020204" pitchFamily="34" charset="0"/>
-              <a:buChar char="•"/>
-              <a:defRPr sz="1800" kern="1200">
-                <a:solidFill>
-                  <a:schemeClr val="tx1"/>
-                </a:solidFill>
-                <a:latin typeface="+mn-lt"/>
-                <a:ea typeface="+mn-ea"/>
-                <a:cs typeface="+mn-cs"/>
-              </a:defRPr>
-            </a:lvl5pPr>
-            <a:lvl6pPr marL="2514600" indent="-228600" algn="l" defTabSz="914400" rtl="0" eaLnBrk="1" latinLnBrk="0" hangingPunct="1">
-              <a:lnSpc>
-                <a:spcPct val="90000"/>
-              </a:lnSpc>
-              <a:spcBef>
-                <a:spcPts val="500"/>
-              </a:spcBef>
-              <a:buFont typeface="Arial" panose="020B0604020202020204" pitchFamily="34" charset="0"/>
-              <a:buChar char="•"/>
-              <a:defRPr sz="1800" kern="1200">
-                <a:solidFill>
-                  <a:schemeClr val="tx1"/>
-                </a:solidFill>
-                <a:latin typeface="+mn-lt"/>
-                <a:ea typeface="+mn-ea"/>
-                <a:cs typeface="+mn-cs"/>
-              </a:defRPr>
-            </a:lvl6pPr>
-            <a:lvl7pPr marL="2971800" indent="-228600" algn="l" defTabSz="914400" rtl="0" eaLnBrk="1" latinLnBrk="0" hangingPunct="1">
-              <a:lnSpc>
-                <a:spcPct val="90000"/>
-              </a:lnSpc>
-              <a:spcBef>
-                <a:spcPts val="500"/>
-              </a:spcBef>
-              <a:buFont typeface="Arial" panose="020B0604020202020204" pitchFamily="34" charset="0"/>
-              <a:buChar char="•"/>
-              <a:defRPr sz="1800" kern="1200">
-                <a:solidFill>
-                  <a:schemeClr val="tx1"/>
-                </a:solidFill>
-                <a:latin typeface="+mn-lt"/>
-                <a:ea typeface="+mn-ea"/>
-                <a:cs typeface="+mn-cs"/>
-              </a:defRPr>
-            </a:lvl7pPr>
-            <a:lvl8pPr marL="3429000" indent="-228600" algn="l" defTabSz="914400" rtl="0" eaLnBrk="1" latinLnBrk="0" hangingPunct="1">
-              <a:lnSpc>
-                <a:spcPct val="90000"/>
-              </a:lnSpc>
-              <a:spcBef>
-                <a:spcPts val="500"/>
-              </a:spcBef>
-              <a:buFont typeface="Arial" panose="020B0604020202020204" pitchFamily="34" charset="0"/>
-              <a:buChar char="•"/>
-              <a:defRPr sz="1800" kern="1200">
-                <a:solidFill>
-                  <a:schemeClr val="tx1"/>
-                </a:solidFill>
-                <a:latin typeface="+mn-lt"/>
-                <a:ea typeface="+mn-ea"/>
-                <a:cs typeface="+mn-cs"/>
-              </a:defRPr>
-            </a:lvl8pPr>
-            <a:lvl9pPr marL="3886200" indent="-228600" algn="l" defTabSz="914400" rtl="0" eaLnBrk="1" latinLnBrk="0" hangingPunct="1">
-              <a:lnSpc>
-                <a:spcPct val="90000"/>
-              </a:lnSpc>
-              <a:spcBef>
-                <a:spcPts val="500"/>
-              </a:spcBef>
-              <a:buFont typeface="Arial" panose="020B0604020202020204" pitchFamily="34" charset="0"/>
-              <a:buChar char="•"/>
-              <a:defRPr sz="1800" kern="1200">
-                <a:solidFill>
-                  <a:schemeClr val="tx1"/>
-                </a:solidFill>
-                <a:latin typeface="+mn-lt"/>
-                <a:ea typeface="+mn-ea"/>
-                <a:cs typeface="+mn-cs"/>
-              </a:defRPr>
-            </a:lvl9pPr>
-          </a:lstStyle>
-          <a:p>
-            <a:pPr marL="0" indent="0">
-              <a:lnSpc>
-                <a:spcPct val="80000"/>
-              </a:lnSpc>
-              <a:buNone/>
-            </a:pPr>
-            <a:r>
-              <a:rPr lang="es-CO" sz="5400">
-                <a:solidFill>
-                  <a:srgbClr val="2C2A29"/>
-                </a:solidFill>
-                <a:latin typeface="CIBFont Sans" panose="020B0603020202020104" pitchFamily="34" charset="77"/>
-              </a:rPr>
-              <a:t>3</a:t>
-            </a:r>
-          </a:p>
-        </p:txBody>
-      </p:sp>
-    </p:spTree>
-    <p:extLst>
-      <p:ext uri="{BB962C8B-B14F-4D97-AF65-F5344CB8AC3E}">
-        <p14:creationId xmlns:p14="http://schemas.microsoft.com/office/powerpoint/2010/main" val="2444986129"/>
-      </p:ext>
-    </p:extLst>
-  </p:cSld>
-  <p:clrMapOvr>
-    <a:masterClrMapping/>
-  </p:clrMapOvr>
-</p:sld>
-</file>
-
-<file path=ppt/slides/slide6.xml><?xml version="1.0" encoding="utf-8"?>
-<p:sld xmlns:a="http://schemas.openxmlformats.org/drawingml/2006/main" xmlns:r="http://schemas.openxmlformats.org/officeDocument/2006/relationships" xmlns:p="http://schemas.openxmlformats.org/presentationml/2006/main">
-  <p:cSld>
-    <p:bg>
-      <p:bgPr>
-        <a:solidFill>
-          <a:srgbClr val="FFD600"/>
-        </a:solidFill>
-        <a:effectLst/>
-      </p:bgPr>
-    </p:bg>
-    <p:spTree>
-      <p:nvGrpSpPr>
-        <p:cNvPr id="1" name=""/>
-        <p:cNvGrpSpPr/>
-        <p:nvPr/>
-      </p:nvGrpSpPr>
-      <p:grpSpPr>
-        <a:xfrm>
-          <a:off x="0" y="0"/>
-          <a:ext cx="0" cy="0"/>
-          <a:chOff x="0" y="0"/>
-          <a:chExt cx="0" cy="0"/>
-        </a:xfrm>
-      </p:grpSpPr>
-      <p:pic>
-        <p:nvPicPr>
-          <p:cNvPr id="12" name="Gráfico 11">
-            <a:extLst>
-              <a:ext uri="{FF2B5EF4-FFF2-40B4-BE49-F238E27FC236}">
-                <a16:creationId xmlns:a16="http://schemas.microsoft.com/office/drawing/2014/main" id="{DE6EB43A-01FA-2A59-1251-0DA598DF4008}"/>
-              </a:ext>
-            </a:extLst>
-          </p:cNvPr>
-          <p:cNvPicPr>
-            <a:picLocks noChangeAspect="1"/>
-          </p:cNvPicPr>
-          <p:nvPr/>
-        </p:nvPicPr>
-        <p:blipFill>
-          <a:blip r:embed="rId2">
-            <a:extLst>
-              <a:ext uri="{28A0092B-C50C-407E-A947-70E740481C1C}">
-                <a14:useLocalDpi xmlns:a14="http://schemas.microsoft.com/office/drawing/2010/main" val="0"/>
-              </a:ext>
-              <a:ext uri="{96DAC541-7B7A-43D3-8B79-37D633B846F1}">
-                <asvg:svgBlip xmlns:asvg="http://schemas.microsoft.com/office/drawing/2016/SVG/main" r:embed="rId3"/>
-              </a:ext>
-            </a:extLst>
-          </a:blip>
-          <a:stretch>
-            <a:fillRect/>
-          </a:stretch>
-        </p:blipFill>
-        <p:spPr>
-          <a:xfrm>
-            <a:off x="7643928" y="1533178"/>
-            <a:ext cx="3641694" cy="3791644"/>
-          </a:xfrm>
-          <a:prstGeom prst="rect">
-            <a:avLst/>
-          </a:prstGeom>
-        </p:spPr>
-      </p:pic>
-      <p:sp>
-        <p:nvSpPr>
-          <p:cNvPr id="13" name="Título 1">
-            <a:extLst>
-              <a:ext uri="{FF2B5EF4-FFF2-40B4-BE49-F238E27FC236}">
-                <a16:creationId xmlns:a16="http://schemas.microsoft.com/office/drawing/2014/main" id="{9EEFE3EC-542F-AAAC-A6B0-A4D56980C2F1}"/>
-              </a:ext>
-            </a:extLst>
-          </p:cNvPr>
-          <p:cNvSpPr>
-            <a:spLocks noGrp="1"/>
-          </p:cNvSpPr>
-          <p:nvPr>
-            <p:ph type="ctrTitle"/>
-          </p:nvPr>
-        </p:nvSpPr>
-        <p:spPr>
-          <a:xfrm>
-            <a:off x="906378" y="3364344"/>
-            <a:ext cx="6283161" cy="1103124"/>
-          </a:xfrm>
-        </p:spPr>
-        <p:txBody>
-          <a:bodyPr>
-            <a:noAutofit/>
-          </a:bodyPr>
-          <a:lstStyle/>
-          <a:p>
-            <a:pPr algn="l"/>
-            <a:r>
-              <a:rPr lang="es-CO" sz="4400" dirty="0">
-                <a:solidFill>
-                  <a:srgbClr val="2A2624"/>
-                </a:solidFill>
-                <a:latin typeface="CIBFont Sans" panose="020B0603020202020104" pitchFamily="34" charset="0"/>
-              </a:rPr>
-              <a:t>Gracias por unirte a este espacio y </a:t>
-            </a:r>
-            <a:r>
-              <a:rPr lang="es-CO" sz="4400" b="1" dirty="0">
-                <a:solidFill>
-                  <a:srgbClr val="2A2624"/>
-                </a:solidFill>
-                <a:latin typeface="CIBFont Sans" panose="020B0603020202020104" pitchFamily="34" charset="0"/>
-              </a:rPr>
-              <a:t>pensar en grande </a:t>
-            </a:r>
-            <a:r>
-              <a:rPr lang="es-CO" sz="4400" dirty="0">
-                <a:solidFill>
-                  <a:srgbClr val="2A2624"/>
-                </a:solidFill>
-                <a:latin typeface="CIBFont Sans" panose="020B0603020202020104" pitchFamily="34" charset="0"/>
-              </a:rPr>
-              <a:t>con nosotros.</a:t>
-            </a:r>
-          </a:p>
-        </p:txBody>
-      </p:sp>
-      <p:pic>
-        <p:nvPicPr>
-          <p:cNvPr id="15" name="Gráfico 14">
-            <a:extLst>
-              <a:ext uri="{FF2B5EF4-FFF2-40B4-BE49-F238E27FC236}">
-                <a16:creationId xmlns:a16="http://schemas.microsoft.com/office/drawing/2014/main" id="{AF4182AA-A423-2763-9157-FB53FBF8478D}"/>
-              </a:ext>
-            </a:extLst>
-          </p:cNvPr>
-          <p:cNvPicPr>
-            <a:picLocks noChangeAspect="1"/>
-          </p:cNvPicPr>
-          <p:nvPr/>
-        </p:nvPicPr>
-        <p:blipFill>
-          <a:blip r:embed="rId4">
-            <a:extLst>
-              <a:ext uri="{28A0092B-C50C-407E-A947-70E740481C1C}">
-                <a14:useLocalDpi xmlns:a14="http://schemas.microsoft.com/office/drawing/2010/main" val="0"/>
-              </a:ext>
-              <a:ext uri="{96DAC541-7B7A-43D3-8B79-37D633B846F1}">
-                <asvg:svgBlip xmlns:asvg="http://schemas.microsoft.com/office/drawing/2016/SVG/main" r:embed="rId5"/>
-              </a:ext>
-            </a:extLst>
-          </a:blip>
-          <a:stretch>
-            <a:fillRect/>
-          </a:stretch>
-        </p:blipFill>
-        <p:spPr>
-          <a:xfrm>
-            <a:off x="4951039" y="5935520"/>
-            <a:ext cx="2289923" cy="289019"/>
-          </a:xfrm>
-          <a:prstGeom prst="rect">
-            <a:avLst/>
-          </a:prstGeom>
-        </p:spPr>
-      </p:pic>
-    </p:spTree>
-    <p:extLst>
-      <p:ext uri="{BB962C8B-B14F-4D97-AF65-F5344CB8AC3E}">
-        <p14:creationId xmlns:p14="http://schemas.microsoft.com/office/powerpoint/2010/main" val="126629256"/>
       </p:ext>
     </p:extLst>
   </p:cSld>
